--- a/sqlWorks/자료/db_ppt/4장. select_join.pptx
+++ b/sqlWorks/자료/db_ppt/4장. select_join.pptx
@@ -5,7 +5,7 @@
     <p:sldMasterId id="2147483648" r:id="rId1"/>
   </p:sldMasterIdLst>
   <p:notesMasterIdLst>
-    <p:notesMasterId r:id="rId36"/>
+    <p:notesMasterId r:id="rId41"/>
   </p:notesMasterIdLst>
   <p:sldIdLst>
     <p:sldId id="256" r:id="rId2"/>
@@ -30,9 +30,9 @@
     <p:sldId id="383" r:id="rId21"/>
     <p:sldId id="395" r:id="rId22"/>
     <p:sldId id="385" r:id="rId23"/>
-    <p:sldId id="388" r:id="rId24"/>
-    <p:sldId id="386" r:id="rId25"/>
-    <p:sldId id="389" r:id="rId26"/>
+    <p:sldId id="401" r:id="rId24"/>
+    <p:sldId id="389" r:id="rId25"/>
+    <p:sldId id="386" r:id="rId26"/>
     <p:sldId id="369" r:id="rId27"/>
     <p:sldId id="370" r:id="rId28"/>
     <p:sldId id="394" r:id="rId29"/>
@@ -40,8 +40,13 @@
     <p:sldId id="364" r:id="rId31"/>
     <p:sldId id="366" r:id="rId32"/>
     <p:sldId id="365" r:id="rId33"/>
-    <p:sldId id="398" r:id="rId34"/>
-    <p:sldId id="399" r:id="rId35"/>
+    <p:sldId id="402" r:id="rId34"/>
+    <p:sldId id="408" r:id="rId35"/>
+    <p:sldId id="403" r:id="rId36"/>
+    <p:sldId id="404" r:id="rId37"/>
+    <p:sldId id="405" r:id="rId38"/>
+    <p:sldId id="406" r:id="rId39"/>
+    <p:sldId id="407" r:id="rId40"/>
   </p:sldIdLst>
   <p:sldSz cx="9144000" cy="6858000" type="screen4x3"/>
   <p:notesSz cx="6858000" cy="9144000"/>
@@ -241,7 +246,7 @@
           <a:p>
             <a:fld id="{7665CDAC-D627-4E87-877A-1B781DD4CADC}" type="datetimeFigureOut">
               <a:rPr lang="ko-KR" altLang="en-US" smtClean="0"/>
-              <a:t>2023-04-24</a:t>
+              <a:t>2023-04-30</a:t>
             </a:fld>
             <a:endParaRPr lang="ko-KR" altLang="en-US"/>
           </a:p>
@@ -1092,7 +1097,7 @@
           <a:p>
             <a:fld id="{E240FE80-3752-4C44-80B8-E31C3450070D}" type="datetime1">
               <a:rPr lang="ko-KR" altLang="en-US" smtClean="0"/>
-              <a:t>2023-04-24</a:t>
+              <a:t>2023-04-30</a:t>
             </a:fld>
             <a:endParaRPr lang="ko-KR" altLang="en-US"/>
           </a:p>
@@ -1270,7 +1275,7 @@
           <a:p>
             <a:fld id="{5FA88D13-428F-4553-BC93-2E91B1DA3F5C}" type="datetime1">
               <a:rPr lang="ko-KR" altLang="en-US" smtClean="0"/>
-              <a:t>2023-04-24</a:t>
+              <a:t>2023-04-30</a:t>
             </a:fld>
             <a:endParaRPr lang="ko-KR" altLang="en-US"/>
           </a:p>
@@ -1442,7 +1447,7 @@
           <a:p>
             <a:fld id="{4E9D4779-FB94-4D0A-9770-16BB460ADD4B}" type="datetime1">
               <a:rPr lang="ko-KR" altLang="en-US" smtClean="0"/>
-              <a:t>2023-04-24</a:t>
+              <a:t>2023-04-30</a:t>
             </a:fld>
             <a:endParaRPr lang="ko-KR" altLang="en-US"/>
           </a:p>
@@ -1687,7 +1692,7 @@
           <a:p>
             <a:fld id="{DD687F0D-089E-4098-8EE9-5721C76E52EC}" type="datetime1">
               <a:rPr lang="ko-KR" altLang="en-US" smtClean="0"/>
-              <a:t>2023-04-24</a:t>
+              <a:t>2023-04-30</a:t>
             </a:fld>
             <a:endParaRPr lang="ko-KR" altLang="en-US"/>
           </a:p>
@@ -1972,7 +1977,7 @@
           <a:p>
             <a:fld id="{09C650FE-E6B2-4D57-AAF6-1B2A37421AAD}" type="datetime1">
               <a:rPr lang="ko-KR" altLang="en-US" smtClean="0"/>
-              <a:t>2023-04-24</a:t>
+              <a:t>2023-04-30</a:t>
             </a:fld>
             <a:endParaRPr lang="ko-KR" altLang="en-US"/>
           </a:p>
@@ -2391,7 +2396,7 @@
           <a:p>
             <a:fld id="{E87F20C2-C949-4E4F-9580-FEE4F2DAC554}" type="datetime1">
               <a:rPr lang="ko-KR" altLang="en-US" smtClean="0"/>
-              <a:t>2023-04-24</a:t>
+              <a:t>2023-04-30</a:t>
             </a:fld>
             <a:endParaRPr lang="ko-KR" altLang="en-US"/>
           </a:p>
@@ -2508,7 +2513,7 @@
           <a:p>
             <a:fld id="{476DBFE0-70CA-4AA9-9C17-F02054822E7E}" type="datetime1">
               <a:rPr lang="ko-KR" altLang="en-US" smtClean="0"/>
-              <a:t>2023-04-24</a:t>
+              <a:t>2023-04-30</a:t>
             </a:fld>
             <a:endParaRPr lang="ko-KR" altLang="en-US"/>
           </a:p>
@@ -2603,7 +2608,7 @@
           <a:p>
             <a:fld id="{6DA84A72-C6AC-45C3-AE5A-9CF6D245353A}" type="datetime1">
               <a:rPr lang="ko-KR" altLang="en-US" smtClean="0"/>
-              <a:t>2023-04-24</a:t>
+              <a:t>2023-04-30</a:t>
             </a:fld>
             <a:endParaRPr lang="ko-KR" altLang="en-US"/>
           </a:p>
@@ -2878,7 +2883,7 @@
           <a:p>
             <a:fld id="{092D9E8D-7616-4FA8-9B12-88059974D499}" type="datetime1">
               <a:rPr lang="ko-KR" altLang="en-US" smtClean="0"/>
-              <a:t>2023-04-24</a:t>
+              <a:t>2023-04-30</a:t>
             </a:fld>
             <a:endParaRPr lang="ko-KR" altLang="en-US"/>
           </a:p>
@@ -3130,7 +3135,7 @@
           <a:p>
             <a:fld id="{79F4C3F6-B4DC-4E51-8609-BCC628ECDBF3}" type="datetime1">
               <a:rPr lang="ko-KR" altLang="en-US" smtClean="0"/>
-              <a:t>2023-04-24</a:t>
+              <a:t>2023-04-30</a:t>
             </a:fld>
             <a:endParaRPr lang="ko-KR" altLang="en-US"/>
           </a:p>
@@ -3309,7 +3314,7 @@
           <a:p>
             <a:fld id="{B2C4C586-F21B-48DD-B591-4B12E73E0749}" type="datetime1">
               <a:rPr lang="ko-KR" altLang="en-US" smtClean="0"/>
-              <a:t>2023-04-24</a:t>
+              <a:t>2023-04-30</a:t>
             </a:fld>
             <a:endParaRPr lang="ko-KR" altLang="en-US"/>
           </a:p>
@@ -5033,8 +5038,34 @@
               <a:t>  </a:t>
             </a:r>
             <a:r>
-              <a:rPr lang="ko-KR" altLang="en-US" sz="1600" dirty="0" err="1"/>
+              <a:rPr lang="ko-KR" altLang="en-US" sz="1600" dirty="0" smtClean="0"/>
               <a:t>조건식</a:t>
+            </a:r>
+            <a:endParaRPr lang="en-US" altLang="ko-KR" sz="1600" dirty="0" smtClean="0"/>
+          </a:p>
+          <a:p>
+            <a:pPr marL="0" indent="0">
+              <a:lnSpc>
+                <a:spcPct val="150000"/>
+              </a:lnSpc>
+              <a:buFont typeface="Arial" panose="020B0604020202020204" pitchFamily="34" charset="0"/>
+              <a:buNone/>
+            </a:pPr>
+            <a:r>
+              <a:rPr lang="en-US" altLang="ko-KR" sz="1600" dirty="0"/>
+              <a:t> </a:t>
+            </a:r>
+            <a:r>
+              <a:rPr lang="en-US" altLang="ko-KR" sz="1600" dirty="0" smtClean="0"/>
+              <a:t>   [ORDER BY </a:t>
+            </a:r>
+            <a:r>
+              <a:rPr lang="ko-KR" altLang="en-US" sz="1600" dirty="0" err="1" smtClean="0"/>
+              <a:t>칼럼명</a:t>
+            </a:r>
+            <a:r>
+              <a:rPr lang="en-US" altLang="ko-KR" sz="1600" dirty="0" smtClean="0"/>
+              <a:t>]</a:t>
             </a:r>
             <a:endParaRPr lang="en-US" altLang="ko-KR" sz="1600" dirty="0"/>
           </a:p>
@@ -9773,7 +9804,7 @@
         </p:nvSpPr>
         <p:spPr>
           <a:xfrm>
-            <a:off x="611560" y="1125496"/>
+            <a:off x="611560" y="981480"/>
             <a:ext cx="8424936" cy="1985159"/>
           </a:xfrm>
           <a:prstGeom prst="rect">
@@ -9898,8 +9929,8 @@
         </p:nvSpPr>
         <p:spPr>
           <a:xfrm>
-            <a:off x="1127483" y="3284984"/>
-            <a:ext cx="2940461" cy="1285288"/>
+            <a:off x="1127483" y="2996952"/>
+            <a:ext cx="2940461" cy="1338828"/>
           </a:xfrm>
           <a:prstGeom prst="rect">
             <a:avLst/>
@@ -9919,18 +9950,34 @@
               <a:buAutoNum type="arabicPeriod"/>
             </a:pPr>
             <a:r>
-              <a:rPr lang="en-US" altLang="ko-KR" dirty="0"/>
+              <a:rPr lang="en-US" altLang="ko-KR" dirty="0">
+                <a:solidFill>
+                  <a:srgbClr val="C00000"/>
+                </a:solidFill>
+              </a:rPr>
               <a:t>WHERE </a:t>
             </a:r>
             <a:r>
-              <a:rPr lang="ko-KR" altLang="en-US" dirty="0"/>
+              <a:rPr lang="ko-KR" altLang="en-US" dirty="0">
+                <a:solidFill>
+                  <a:srgbClr val="C00000"/>
+                </a:solidFill>
+              </a:rPr>
               <a:t>절 </a:t>
             </a:r>
             <a:r>
-              <a:rPr lang="ko-KR" altLang="en-US" dirty="0" err="1"/>
+              <a:rPr lang="ko-KR" altLang="en-US" dirty="0" err="1">
+                <a:solidFill>
+                  <a:srgbClr val="C00000"/>
+                </a:solidFill>
+              </a:rPr>
               <a:t>부속질의</a:t>
             </a:r>
-            <a:endParaRPr lang="en-US" altLang="ko-KR" dirty="0"/>
+            <a:endParaRPr lang="en-US" altLang="ko-KR" dirty="0">
+              <a:solidFill>
+                <a:srgbClr val="C00000"/>
+              </a:solidFill>
+            </a:endParaRPr>
           </a:p>
           <a:p>
             <a:pPr marL="342900" indent="-342900">
@@ -9940,10 +9987,18 @@
               <a:buAutoNum type="arabicPeriod"/>
             </a:pPr>
             <a:r>
-              <a:rPr lang="ko-KR" altLang="en-US" dirty="0"/>
+              <a:rPr lang="ko-KR" altLang="en-US" dirty="0">
+                <a:solidFill>
+                  <a:srgbClr val="C00000"/>
+                </a:solidFill>
+              </a:rPr>
               <a:t>인라인 뷰</a:t>
             </a:r>
-            <a:endParaRPr lang="en-US" altLang="ko-KR" dirty="0"/>
+            <a:endParaRPr lang="en-US" altLang="ko-KR" dirty="0">
+              <a:solidFill>
+                <a:srgbClr val="C00000"/>
+              </a:solidFill>
+            </a:endParaRPr>
           </a:p>
           <a:p>
             <a:pPr marL="342900" indent="-342900">
@@ -9953,14 +10008,141 @@
               <a:buAutoNum type="arabicPeriod"/>
             </a:pPr>
             <a:r>
+              <a:rPr lang="ko-KR" altLang="en-US" dirty="0">
+                <a:solidFill>
+                  <a:srgbClr val="C00000"/>
+                </a:solidFill>
+              </a:rPr>
+              <a:t>스칼라 </a:t>
+            </a:r>
+            <a:r>
+              <a:rPr lang="ko-KR" altLang="en-US" dirty="0" err="1">
+                <a:solidFill>
+                  <a:srgbClr val="C00000"/>
+                </a:solidFill>
+              </a:rPr>
+              <a:t>부속질의</a:t>
+            </a:r>
+            <a:endParaRPr lang="ko-KR" altLang="en-US" dirty="0">
+              <a:solidFill>
+                <a:srgbClr val="C00000"/>
+              </a:solidFill>
+            </a:endParaRPr>
+          </a:p>
+        </p:txBody>
+      </p:sp>
+      <p:sp>
+        <p:nvSpPr>
+          <p:cNvPr id="6" name="TextBox 5"/>
+          <p:cNvSpPr txBox="1"/>
+          <p:nvPr/>
+        </p:nvSpPr>
+        <p:spPr>
+          <a:xfrm>
+            <a:off x="767443" y="4608914"/>
+            <a:ext cx="2940461" cy="369332"/>
+          </a:xfrm>
+          <a:prstGeom prst="rect">
+            <a:avLst/>
+          </a:prstGeom>
+          <a:noFill/>
+        </p:spPr>
+        <p:txBody>
+          <a:bodyPr wrap="square" rtlCol="0">
+            <a:spAutoFit/>
+          </a:bodyPr>
+          <a:lstStyle/>
+          <a:p>
+            <a:r>
+              <a:rPr lang="en-US" altLang="ko-KR" dirty="0"/>
+              <a:t>1. WHERE </a:t>
+            </a:r>
+            <a:r>
               <a:rPr lang="ko-KR" altLang="en-US" dirty="0"/>
-              <a:t>스칼라 </a:t>
-            </a:r>
-            <a:r>
-              <a:rPr lang="ko-KR" altLang="en-US" dirty="0" err="1"/>
-              <a:t>부속질의</a:t>
-            </a:r>
-            <a:endParaRPr lang="ko-KR" altLang="en-US" dirty="0"/>
+              <a:t>절 부속질의</a:t>
+            </a:r>
+          </a:p>
+        </p:txBody>
+      </p:sp>
+      <p:sp>
+        <p:nvSpPr>
+          <p:cNvPr id="7" name="TextBox 6"/>
+          <p:cNvSpPr txBox="1"/>
+          <p:nvPr/>
+        </p:nvSpPr>
+        <p:spPr>
+          <a:xfrm>
+            <a:off x="1043608" y="5012616"/>
+            <a:ext cx="7344816" cy="1152688"/>
+          </a:xfrm>
+          <a:prstGeom prst="rect">
+            <a:avLst/>
+          </a:prstGeom>
+          <a:noFill/>
+        </p:spPr>
+        <p:txBody>
+          <a:bodyPr wrap="square" rtlCol="0">
+            <a:spAutoFit/>
+          </a:bodyPr>
+          <a:lstStyle/>
+          <a:p>
+            <a:pPr>
+              <a:lnSpc>
+                <a:spcPct val="150000"/>
+              </a:lnSpc>
+            </a:pPr>
+            <a:r>
+              <a:rPr lang="en-US" altLang="ko-KR" sz="1600" dirty="0"/>
+              <a:t>WHERE </a:t>
+            </a:r>
+            <a:r>
+              <a:rPr lang="ko-KR" altLang="en-US" sz="1600" dirty="0"/>
+              <a:t>절에 또 다른 테이블 결과를 이용하기 다시 </a:t>
+            </a:r>
+            <a:r>
+              <a:rPr lang="en-US" altLang="ko-KR" sz="1600" dirty="0"/>
+              <a:t>SELECT </a:t>
+            </a:r>
+            <a:r>
+              <a:rPr lang="ko-KR" altLang="en-US" sz="1600" dirty="0"/>
+              <a:t>문을 괄호로 묶는 것을 </a:t>
+            </a:r>
+            <a:r>
+              <a:rPr lang="ko-KR" altLang="en-US" sz="1600" dirty="0" err="1"/>
+              <a:t>부속질의라</a:t>
+            </a:r>
+            <a:r>
+              <a:rPr lang="ko-KR" altLang="en-US" sz="1600" dirty="0"/>
+              <a:t> 한다</a:t>
+            </a:r>
+            <a:r>
+              <a:rPr lang="en-US" altLang="ko-KR" sz="1600" dirty="0"/>
+              <a:t>.</a:t>
+            </a:r>
+          </a:p>
+          <a:p>
+            <a:pPr>
+              <a:lnSpc>
+                <a:spcPct val="150000"/>
+              </a:lnSpc>
+            </a:pPr>
+            <a:r>
+              <a:rPr lang="ko-KR" altLang="en-US" sz="1600" dirty="0"/>
+              <a:t>순서는 </a:t>
+            </a:r>
+            <a:r>
+              <a:rPr lang="en-US" altLang="ko-KR" sz="1600" dirty="0"/>
+              <a:t>WHERE</a:t>
+            </a:r>
+            <a:r>
+              <a:rPr lang="ko-KR" altLang="en-US" sz="1600" dirty="0"/>
+              <a:t>절의 부속 질의를 먼저 처리하고 전체 질의를 처리한다</a:t>
+            </a:r>
+            <a:r>
+              <a:rPr lang="en-US" altLang="ko-KR" sz="1600" dirty="0"/>
+              <a:t>.</a:t>
+            </a:r>
+            <a:endParaRPr lang="ko-KR" altLang="en-US" sz="1600" dirty="0"/>
           </a:p>
         </p:txBody>
       </p:sp>
@@ -10065,7 +10247,7 @@
         </p:blipFill>
         <p:spPr>
           <a:xfrm>
-            <a:off x="6300192" y="3573016"/>
+            <a:off x="6444208" y="3832702"/>
             <a:ext cx="1615580" cy="487722"/>
           </a:xfrm>
           <a:prstGeom prst="rect">
@@ -10088,7 +10270,7 @@
         </p:nvSpPr>
         <p:spPr>
           <a:xfrm>
-            <a:off x="767443" y="1297106"/>
+            <a:off x="767443" y="1124744"/>
             <a:ext cx="2940461" cy="369332"/>
           </a:xfrm>
           <a:prstGeom prst="rect">
@@ -10103,13 +10285,22 @@
           <a:lstStyle/>
           <a:p>
             <a:r>
-              <a:rPr lang="en-US" altLang="ko-KR" dirty="0"/>
-              <a:t>1. WHERE </a:t>
-            </a:r>
-            <a:r>
-              <a:rPr lang="ko-KR" altLang="en-US" dirty="0"/>
-              <a:t>절 부속질의</a:t>
-            </a:r>
+              <a:rPr lang="en-US" altLang="ko-KR" dirty="0" smtClean="0"/>
+              <a:t>1) </a:t>
+            </a:r>
+            <a:r>
+              <a:rPr lang="ko-KR" altLang="en-US" dirty="0" err="1" smtClean="0"/>
+              <a:t>단일행</a:t>
+            </a:r>
+            <a:r>
+              <a:rPr lang="ko-KR" altLang="en-US" dirty="0" smtClean="0"/>
+              <a:t> </a:t>
+            </a:r>
+            <a:r>
+              <a:rPr lang="ko-KR" altLang="en-US" dirty="0" err="1" smtClean="0"/>
+              <a:t>서브쿼리</a:t>
+            </a:r>
+            <a:endParaRPr lang="ko-KR" altLang="en-US" dirty="0"/>
           </a:p>
         </p:txBody>
       </p:sp>
@@ -10135,7 +10326,7 @@
         </p:blipFill>
         <p:spPr>
           <a:xfrm>
-            <a:off x="1334068" y="3121238"/>
+            <a:off x="1334068" y="2536558"/>
             <a:ext cx="4747671" cy="2972058"/>
           </a:xfrm>
           <a:prstGeom prst="rect">
@@ -10158,8 +10349,8 @@
         </p:nvSpPr>
         <p:spPr>
           <a:xfrm>
-            <a:off x="1043608" y="1700808"/>
-            <a:ext cx="7344816" cy="1152688"/>
+            <a:off x="1043608" y="1528446"/>
+            <a:ext cx="6696744" cy="830997"/>
           </a:xfrm>
           <a:prstGeom prst="rect">
             <a:avLst/>
@@ -10179,63 +10370,52 @@
             </a:pPr>
             <a:r>
               <a:rPr lang="en-US" altLang="ko-KR" sz="1600" dirty="0"/>
-              <a:t>WHERE </a:t>
-            </a:r>
-            <a:r>
-              <a:rPr lang="ko-KR" altLang="en-US" sz="1600" dirty="0"/>
-              <a:t>절에 또 다른 테이블 결과를 이용하기 다시 </a:t>
+              <a:t> </a:t>
+            </a:r>
+            <a:r>
+              <a:rPr lang="ko-KR" altLang="en-US" sz="1600" dirty="0" err="1" smtClean="0"/>
+              <a:t>서브쿼리</a:t>
+            </a:r>
+            <a:r>
+              <a:rPr lang="ko-KR" altLang="en-US" sz="1600" dirty="0" smtClean="0"/>
+              <a:t> 결과 행</a:t>
+            </a:r>
+            <a:r>
+              <a:rPr lang="en-US" altLang="ko-KR" sz="1600" dirty="0" smtClean="0"/>
+              <a:t>(ROW)</a:t>
+            </a:r>
+            <a:r>
+              <a:rPr lang="ko-KR" altLang="en-US" sz="1600" dirty="0" smtClean="0"/>
+              <a:t>이 하나인 경우로</a:t>
             </a:r>
             <a:r>
               <a:rPr lang="en-US" altLang="ko-KR" sz="1600" dirty="0"/>
-              <a:t>SELECT </a:t>
-            </a:r>
-            <a:r>
-              <a:rPr lang="ko-KR" altLang="en-US" sz="1600" dirty="0"/>
-              <a:t>문을 괄호로 묶는 것을 </a:t>
-            </a:r>
-            <a:r>
-              <a:rPr lang="ko-KR" altLang="en-US" sz="1600" dirty="0" err="1"/>
-              <a:t>부속질의라</a:t>
-            </a:r>
-            <a:r>
-              <a:rPr lang="ko-KR" altLang="en-US" sz="1600" dirty="0"/>
-              <a:t> 한다</a:t>
-            </a:r>
-            <a:r>
-              <a:rPr lang="en-US" altLang="ko-KR" sz="1600" dirty="0"/>
-              <a:t>.</a:t>
-            </a:r>
-          </a:p>
-          <a:p>
-            <a:pPr>
-              <a:lnSpc>
-                <a:spcPct val="150000"/>
-              </a:lnSpc>
-            </a:pPr>
-            <a:r>
-              <a:rPr lang="ko-KR" altLang="en-US" sz="1600" dirty="0"/>
-              <a:t>순서는 </a:t>
-            </a:r>
-            <a:r>
-              <a:rPr lang="en-US" altLang="ko-KR" sz="1600" dirty="0"/>
-              <a:t>WHERE</a:t>
-            </a:r>
-            <a:r>
-              <a:rPr lang="ko-KR" altLang="en-US" sz="1600" dirty="0"/>
-              <a:t>절의 부속 질의를 먼저 처리하고 전체 질의를 처리한다</a:t>
-            </a:r>
-            <a:r>
-              <a:rPr lang="en-US" altLang="ko-KR" sz="1600" dirty="0"/>
-              <a:t>.</a:t>
-            </a:r>
-            <a:endParaRPr lang="ko-KR" altLang="en-US" sz="1600" dirty="0"/>
+              <a:t> ( =, &gt;, &lt; </a:t>
+            </a:r>
+            <a:r>
+              <a:rPr lang="en-US" altLang="ko-KR" sz="1600" dirty="0" smtClean="0"/>
+              <a:t>)</a:t>
+            </a:r>
+            <a:r>
+              <a:rPr lang="ko-KR" altLang="en-US" sz="1600" dirty="0" smtClean="0"/>
+              <a:t>등의</a:t>
+            </a:r>
+            <a:r>
+              <a:rPr lang="en-US" altLang="ko-KR" sz="1600" dirty="0" smtClean="0"/>
+              <a:t> </a:t>
+            </a:r>
+            <a:r>
+              <a:rPr lang="ko-KR" altLang="en-US" sz="1600" dirty="0" smtClean="0"/>
+              <a:t>비교 연산자를 사용함</a:t>
+            </a:r>
+            <a:endParaRPr lang="en-US" altLang="ko-KR" sz="1600" dirty="0" smtClean="0"/>
           </a:p>
         </p:txBody>
       </p:sp>
     </p:spTree>
     <p:extLst>
       <p:ext uri="{BB962C8B-B14F-4D97-AF65-F5344CB8AC3E}">
-        <p14:creationId xmlns:p14="http://schemas.microsoft.com/office/powerpoint/2010/main" val="3126940767"/>
+        <p14:creationId xmlns:p14="http://schemas.microsoft.com/office/powerpoint/2010/main" val="1176183362"/>
       </p:ext>
     </p:extLst>
   </p:cSld>
@@ -10313,6 +10493,233 @@
       </p:sp>
       <p:pic>
         <p:nvPicPr>
+          <p:cNvPr id="7" name="그림 6"/>
+          <p:cNvPicPr>
+            <a:picLocks noChangeAspect="1"/>
+          </p:cNvPicPr>
+          <p:nvPr/>
+        </p:nvPicPr>
+        <p:blipFill>
+          <a:blip r:embed="rId2">
+            <a:extLst>
+              <a:ext uri="{28A0092B-C50C-407E-A947-70E740481C1C}">
+                <a14:useLocalDpi xmlns:a14="http://schemas.microsoft.com/office/drawing/2010/main" val="0"/>
+              </a:ext>
+            </a:extLst>
+          </a:blip>
+          <a:stretch>
+            <a:fillRect/>
+          </a:stretch>
+        </p:blipFill>
+        <p:spPr>
+          <a:xfrm>
+            <a:off x="971600" y="1196752"/>
+            <a:ext cx="5121084" cy="2682472"/>
+          </a:xfrm>
+          <a:prstGeom prst="rect">
+            <a:avLst/>
+          </a:prstGeom>
+          <a:ln>
+            <a:solidFill>
+              <a:schemeClr val="bg1">
+                <a:lumMod val="85000"/>
+              </a:schemeClr>
+            </a:solidFill>
+          </a:ln>
+        </p:spPr>
+      </p:pic>
+      <p:pic>
+        <p:nvPicPr>
+          <p:cNvPr id="8" name="그림 7"/>
+          <p:cNvPicPr>
+            <a:picLocks noChangeAspect="1"/>
+          </p:cNvPicPr>
+          <p:nvPr/>
+        </p:nvPicPr>
+        <p:blipFill>
+          <a:blip r:embed="rId3">
+            <a:extLst>
+              <a:ext uri="{28A0092B-C50C-407E-A947-70E740481C1C}">
+                <a14:useLocalDpi xmlns:a14="http://schemas.microsoft.com/office/drawing/2010/main" val="0"/>
+              </a:ext>
+            </a:extLst>
+          </a:blip>
+          <a:stretch>
+            <a:fillRect/>
+          </a:stretch>
+        </p:blipFill>
+        <p:spPr>
+          <a:xfrm>
+            <a:off x="4644008" y="2420888"/>
+            <a:ext cx="4275190" cy="655377"/>
+          </a:xfrm>
+          <a:prstGeom prst="rect">
+            <a:avLst/>
+          </a:prstGeom>
+          <a:ln>
+            <a:solidFill>
+              <a:schemeClr val="bg1">
+                <a:lumMod val="85000"/>
+              </a:schemeClr>
+            </a:solidFill>
+          </a:ln>
+        </p:spPr>
+      </p:pic>
+      <p:pic>
+        <p:nvPicPr>
+          <p:cNvPr id="6" name="그림 5"/>
+          <p:cNvPicPr>
+            <a:picLocks noChangeAspect="1"/>
+          </p:cNvPicPr>
+          <p:nvPr/>
+        </p:nvPicPr>
+        <p:blipFill>
+          <a:blip r:embed="rId4">
+            <a:extLst>
+              <a:ext uri="{28A0092B-C50C-407E-A947-70E740481C1C}">
+                <a14:useLocalDpi xmlns:a14="http://schemas.microsoft.com/office/drawing/2010/main" val="0"/>
+              </a:ext>
+            </a:extLst>
+          </a:blip>
+          <a:stretch>
+            <a:fillRect/>
+          </a:stretch>
+        </p:blipFill>
+        <p:spPr>
+          <a:xfrm>
+            <a:off x="971600" y="4108864"/>
+            <a:ext cx="5486876" cy="1988992"/>
+          </a:xfrm>
+          <a:prstGeom prst="rect">
+            <a:avLst/>
+          </a:prstGeom>
+          <a:ln>
+            <a:solidFill>
+              <a:schemeClr val="bg1">
+                <a:lumMod val="85000"/>
+              </a:schemeClr>
+            </a:solidFill>
+          </a:ln>
+        </p:spPr>
+      </p:pic>
+      <p:pic>
+        <p:nvPicPr>
+          <p:cNvPr id="9" name="그림 8"/>
+          <p:cNvPicPr>
+            <a:picLocks noChangeAspect="1"/>
+          </p:cNvPicPr>
+          <p:nvPr/>
+        </p:nvPicPr>
+        <p:blipFill>
+          <a:blip r:embed="rId5">
+            <a:extLst>
+              <a:ext uri="{28A0092B-C50C-407E-A947-70E740481C1C}">
+                <a14:useLocalDpi xmlns:a14="http://schemas.microsoft.com/office/drawing/2010/main" val="0"/>
+              </a:ext>
+            </a:extLst>
+          </a:blip>
+          <a:stretch>
+            <a:fillRect/>
+          </a:stretch>
+        </p:blipFill>
+        <p:spPr>
+          <a:xfrm>
+            <a:off x="6732240" y="4869160"/>
+            <a:ext cx="1104996" cy="838273"/>
+          </a:xfrm>
+          <a:prstGeom prst="rect">
+            <a:avLst/>
+          </a:prstGeom>
+          <a:ln>
+            <a:solidFill>
+              <a:schemeClr val="bg1">
+                <a:lumMod val="85000"/>
+              </a:schemeClr>
+            </a:solidFill>
+          </a:ln>
+        </p:spPr>
+      </p:pic>
+    </p:spTree>
+    <p:extLst>
+      <p:ext uri="{BB962C8B-B14F-4D97-AF65-F5344CB8AC3E}">
+        <p14:creationId xmlns:p14="http://schemas.microsoft.com/office/powerpoint/2010/main" val="2459766253"/>
+      </p:ext>
+    </p:extLst>
+  </p:cSld>
+  <p:clrMapOvr>
+    <a:masterClrMapping/>
+  </p:clrMapOvr>
+</p:sld>
+</file>
+
+<file path=ppt/slides/slide25.xml><?xml version="1.0" encoding="utf-8"?>
+<p:sld xmlns:a="http://schemas.openxmlformats.org/drawingml/2006/main" xmlns:r="http://schemas.openxmlformats.org/officeDocument/2006/relationships" xmlns:p="http://schemas.openxmlformats.org/presentationml/2006/main">
+  <p:cSld>
+    <p:spTree>
+      <p:nvGrpSpPr>
+        <p:cNvPr id="1" name=""/>
+        <p:cNvGrpSpPr/>
+        <p:nvPr/>
+      </p:nvGrpSpPr>
+      <p:grpSpPr>
+        <a:xfrm>
+          <a:off x="0" y="0"/>
+          <a:ext cx="0" cy="0"/>
+          <a:chOff x="0" y="0"/>
+          <a:chExt cx="0" cy="0"/>
+        </a:xfrm>
+      </p:grpSpPr>
+      <p:sp>
+        <p:nvSpPr>
+          <p:cNvPr id="2" name="제목 1"/>
+          <p:cNvSpPr>
+            <a:spLocks noGrp="1"/>
+          </p:cNvSpPr>
+          <p:nvPr>
+            <p:ph type="title"/>
+          </p:nvPr>
+        </p:nvSpPr>
+        <p:spPr/>
+        <p:txBody>
+          <a:bodyPr/>
+          <a:lstStyle/>
+          <a:p>
+            <a:r>
+              <a:rPr lang="en-US" altLang="ko-KR" dirty="0"/>
+              <a:t>  </a:t>
+            </a:r>
+            <a:r>
+              <a:rPr lang="ko-KR" altLang="en-US" dirty="0"/>
+              <a:t>서브 쿼리</a:t>
+            </a:r>
+          </a:p>
+        </p:txBody>
+      </p:sp>
+      <p:sp>
+        <p:nvSpPr>
+          <p:cNvPr id="4" name="슬라이드 번호 개체 틀 3"/>
+          <p:cNvSpPr>
+            <a:spLocks noGrp="1"/>
+          </p:cNvSpPr>
+          <p:nvPr>
+            <p:ph type="sldNum" sz="quarter" idx="12"/>
+          </p:nvPr>
+        </p:nvSpPr>
+        <p:spPr/>
+        <p:txBody>
+          <a:bodyPr/>
+          <a:lstStyle/>
+          <a:p>
+            <a:fld id="{1BDE3FE7-3AEA-4B05-AC5A-802D1816ACF0}" type="slidenum">
+              <a:rPr lang="ko-KR" altLang="en-US" smtClean="0"/>
+              <a:t>25</a:t>
+            </a:fld>
+            <a:endParaRPr lang="ko-KR" altLang="en-US"/>
+          </a:p>
+        </p:txBody>
+      </p:sp>
+      <p:pic>
+        <p:nvPicPr>
           <p:cNvPr id="12" name="그림 11"/>
           <p:cNvPicPr>
             <a:picLocks noChangeAspect="1"/>
@@ -10333,7 +10740,7 @@
         </p:blipFill>
         <p:spPr>
           <a:xfrm>
-            <a:off x="6372200" y="2636912"/>
+            <a:off x="6804248" y="3976718"/>
             <a:ext cx="911909" cy="1272875"/>
           </a:xfrm>
           <a:prstGeom prst="rect">
@@ -10370,7 +10777,7 @@
         </p:blipFill>
         <p:spPr>
           <a:xfrm>
-            <a:off x="1403648" y="1844822"/>
+            <a:off x="1547664" y="2299620"/>
             <a:ext cx="4762913" cy="3124471"/>
           </a:xfrm>
           <a:prstGeom prst="rect">
@@ -10385,163 +10792,127 @@
           </a:ln>
         </p:spPr>
       </p:pic>
+      <p:sp>
+        <p:nvSpPr>
+          <p:cNvPr id="6" name="TextBox 5"/>
+          <p:cNvSpPr txBox="1"/>
+          <p:nvPr/>
+        </p:nvSpPr>
+        <p:spPr>
+          <a:xfrm>
+            <a:off x="767443" y="1124744"/>
+            <a:ext cx="2940461" cy="369332"/>
+          </a:xfrm>
+          <a:prstGeom prst="rect">
+            <a:avLst/>
+          </a:prstGeom>
+          <a:noFill/>
+        </p:spPr>
+        <p:txBody>
+          <a:bodyPr wrap="square" rtlCol="0">
+            <a:spAutoFit/>
+          </a:bodyPr>
+          <a:lstStyle/>
+          <a:p>
+            <a:r>
+              <a:rPr lang="en-US" altLang="ko-KR" dirty="0"/>
+              <a:t>2</a:t>
+            </a:r>
+            <a:r>
+              <a:rPr lang="en-US" altLang="ko-KR" dirty="0" smtClean="0"/>
+              <a:t>) </a:t>
+            </a:r>
+            <a:r>
+              <a:rPr lang="ko-KR" altLang="en-US" dirty="0" err="1" smtClean="0"/>
+              <a:t>다중행</a:t>
+            </a:r>
+            <a:r>
+              <a:rPr lang="ko-KR" altLang="en-US" dirty="0" smtClean="0"/>
+              <a:t> </a:t>
+            </a:r>
+            <a:r>
+              <a:rPr lang="ko-KR" altLang="en-US" dirty="0" err="1" smtClean="0"/>
+              <a:t>서브쿼리</a:t>
+            </a:r>
+            <a:endParaRPr lang="ko-KR" altLang="en-US" dirty="0"/>
+          </a:p>
+        </p:txBody>
+      </p:sp>
+      <p:sp>
+        <p:nvSpPr>
+          <p:cNvPr id="7" name="TextBox 6"/>
+          <p:cNvSpPr txBox="1"/>
+          <p:nvPr/>
+        </p:nvSpPr>
+        <p:spPr>
+          <a:xfrm>
+            <a:off x="1043608" y="1528446"/>
+            <a:ext cx="6912768" cy="461665"/>
+          </a:xfrm>
+          <a:prstGeom prst="rect">
+            <a:avLst/>
+          </a:prstGeom>
+          <a:noFill/>
+        </p:spPr>
+        <p:txBody>
+          <a:bodyPr wrap="square" rtlCol="0">
+            <a:spAutoFit/>
+          </a:bodyPr>
+          <a:lstStyle/>
+          <a:p>
+            <a:pPr>
+              <a:lnSpc>
+                <a:spcPct val="150000"/>
+              </a:lnSpc>
+            </a:pPr>
+            <a:r>
+              <a:rPr lang="en-US" altLang="ko-KR" sz="1600" dirty="0"/>
+              <a:t> </a:t>
+            </a:r>
+            <a:r>
+              <a:rPr lang="ko-KR" altLang="en-US" sz="1600" dirty="0" err="1" smtClean="0"/>
+              <a:t>서브쿼리</a:t>
+            </a:r>
+            <a:r>
+              <a:rPr lang="ko-KR" altLang="en-US" sz="1600" dirty="0" smtClean="0"/>
+              <a:t> 결과 행</a:t>
+            </a:r>
+            <a:r>
+              <a:rPr lang="en-US" altLang="ko-KR" sz="1600" dirty="0" smtClean="0"/>
+              <a:t>(ROW)</a:t>
+            </a:r>
+            <a:r>
+              <a:rPr lang="ko-KR" altLang="en-US" sz="1600" dirty="0" smtClean="0"/>
+              <a:t>이 여러 개인 경우로</a:t>
+            </a:r>
+            <a:r>
+              <a:rPr lang="en-US" altLang="ko-KR" sz="1600" dirty="0"/>
+              <a:t> </a:t>
+            </a:r>
+            <a:r>
+              <a:rPr lang="en-US" altLang="ko-KR" sz="1600" dirty="0" smtClean="0"/>
+              <a:t>IN </a:t>
+            </a:r>
+            <a:r>
+              <a:rPr lang="ko-KR" altLang="en-US" sz="1600" dirty="0" smtClean="0"/>
+              <a:t>등의</a:t>
+            </a:r>
+            <a:r>
+              <a:rPr lang="en-US" altLang="ko-KR" sz="1600" dirty="0" smtClean="0"/>
+              <a:t> </a:t>
+            </a:r>
+            <a:r>
+              <a:rPr lang="ko-KR" altLang="en-US" sz="1600" dirty="0" smtClean="0"/>
+              <a:t>함수를 사용함</a:t>
+            </a:r>
+            <a:endParaRPr lang="en-US" altLang="ko-KR" sz="1600" dirty="0" smtClean="0"/>
+          </a:p>
+        </p:txBody>
+      </p:sp>
     </p:spTree>
     <p:extLst>
       <p:ext uri="{BB962C8B-B14F-4D97-AF65-F5344CB8AC3E}">
         <p14:creationId xmlns:p14="http://schemas.microsoft.com/office/powerpoint/2010/main" val="667558383"/>
-      </p:ext>
-    </p:extLst>
-  </p:cSld>
-  <p:clrMapOvr>
-    <a:masterClrMapping/>
-  </p:clrMapOvr>
-</p:sld>
-</file>
-
-<file path=ppt/slides/slide25.xml><?xml version="1.0" encoding="utf-8"?>
-<p:sld xmlns:a="http://schemas.openxmlformats.org/drawingml/2006/main" xmlns:r="http://schemas.openxmlformats.org/officeDocument/2006/relationships" xmlns:p="http://schemas.openxmlformats.org/presentationml/2006/main">
-  <p:cSld>
-    <p:spTree>
-      <p:nvGrpSpPr>
-        <p:cNvPr id="1" name=""/>
-        <p:cNvGrpSpPr/>
-        <p:nvPr/>
-      </p:nvGrpSpPr>
-      <p:grpSpPr>
-        <a:xfrm>
-          <a:off x="0" y="0"/>
-          <a:ext cx="0" cy="0"/>
-          <a:chOff x="0" y="0"/>
-          <a:chExt cx="0" cy="0"/>
-        </a:xfrm>
-      </p:grpSpPr>
-      <p:sp>
-        <p:nvSpPr>
-          <p:cNvPr id="2" name="제목 1"/>
-          <p:cNvSpPr>
-            <a:spLocks noGrp="1"/>
-          </p:cNvSpPr>
-          <p:nvPr>
-            <p:ph type="title"/>
-          </p:nvPr>
-        </p:nvSpPr>
-        <p:spPr/>
-        <p:txBody>
-          <a:bodyPr/>
-          <a:lstStyle/>
-          <a:p>
-            <a:r>
-              <a:rPr lang="en-US" altLang="ko-KR" dirty="0"/>
-              <a:t>  </a:t>
-            </a:r>
-            <a:r>
-              <a:rPr lang="ko-KR" altLang="en-US" dirty="0"/>
-              <a:t>서브 쿼리</a:t>
-            </a:r>
-          </a:p>
-        </p:txBody>
-      </p:sp>
-      <p:sp>
-        <p:nvSpPr>
-          <p:cNvPr id="4" name="슬라이드 번호 개체 틀 3"/>
-          <p:cNvSpPr>
-            <a:spLocks noGrp="1"/>
-          </p:cNvSpPr>
-          <p:nvPr>
-            <p:ph type="sldNum" sz="quarter" idx="12"/>
-          </p:nvPr>
-        </p:nvSpPr>
-        <p:spPr/>
-        <p:txBody>
-          <a:bodyPr/>
-          <a:lstStyle/>
-          <a:p>
-            <a:fld id="{1BDE3FE7-3AEA-4B05-AC5A-802D1816ACF0}" type="slidenum">
-              <a:rPr lang="ko-KR" altLang="en-US" smtClean="0"/>
-              <a:t>25</a:t>
-            </a:fld>
-            <a:endParaRPr lang="ko-KR" altLang="en-US"/>
-          </a:p>
-        </p:txBody>
-      </p:sp>
-      <p:pic>
-        <p:nvPicPr>
-          <p:cNvPr id="7" name="그림 6"/>
-          <p:cNvPicPr>
-            <a:picLocks noChangeAspect="1"/>
-          </p:cNvPicPr>
-          <p:nvPr/>
-        </p:nvPicPr>
-        <p:blipFill>
-          <a:blip r:embed="rId2">
-            <a:extLst>
-              <a:ext uri="{28A0092B-C50C-407E-A947-70E740481C1C}">
-                <a14:useLocalDpi xmlns:a14="http://schemas.microsoft.com/office/drawing/2010/main" val="0"/>
-              </a:ext>
-            </a:extLst>
-          </a:blip>
-          <a:stretch>
-            <a:fillRect/>
-          </a:stretch>
-        </p:blipFill>
-        <p:spPr>
-          <a:xfrm>
-            <a:off x="1115616" y="1412776"/>
-            <a:ext cx="5121084" cy="2682472"/>
-          </a:xfrm>
-          <a:prstGeom prst="rect">
-            <a:avLst/>
-          </a:prstGeom>
-          <a:ln>
-            <a:solidFill>
-              <a:schemeClr val="bg1">
-                <a:lumMod val="85000"/>
-              </a:schemeClr>
-            </a:solidFill>
-          </a:ln>
-        </p:spPr>
-      </p:pic>
-      <p:pic>
-        <p:nvPicPr>
-          <p:cNvPr id="8" name="그림 7"/>
-          <p:cNvPicPr>
-            <a:picLocks noChangeAspect="1"/>
-          </p:cNvPicPr>
-          <p:nvPr/>
-        </p:nvPicPr>
-        <p:blipFill>
-          <a:blip r:embed="rId3">
-            <a:extLst>
-              <a:ext uri="{28A0092B-C50C-407E-A947-70E740481C1C}">
-                <a14:useLocalDpi xmlns:a14="http://schemas.microsoft.com/office/drawing/2010/main" val="0"/>
-              </a:ext>
-            </a:extLst>
-          </a:blip>
-          <a:stretch>
-            <a:fillRect/>
-          </a:stretch>
-        </p:blipFill>
-        <p:spPr>
-          <a:xfrm>
-            <a:off x="2915816" y="4509120"/>
-            <a:ext cx="4275190" cy="655377"/>
-          </a:xfrm>
-          <a:prstGeom prst="rect">
-            <a:avLst/>
-          </a:prstGeom>
-          <a:ln>
-            <a:solidFill>
-              <a:schemeClr val="bg1">
-                <a:lumMod val="85000"/>
-              </a:schemeClr>
-            </a:solidFill>
-          </a:ln>
-        </p:spPr>
-      </p:pic>
-    </p:spTree>
-    <p:extLst>
-      <p:ext uri="{BB962C8B-B14F-4D97-AF65-F5344CB8AC3E}">
-        <p14:creationId xmlns:p14="http://schemas.microsoft.com/office/powerpoint/2010/main" val="2459766253"/>
       </p:ext>
     </p:extLst>
   </p:cSld>
@@ -10639,7 +11010,7 @@
         </p:blipFill>
         <p:spPr>
           <a:xfrm>
-            <a:off x="827584" y="1291274"/>
+            <a:off x="1016864" y="1806892"/>
             <a:ext cx="6050805" cy="2126164"/>
           </a:xfrm>
           <a:prstGeom prst="rect">
@@ -10676,82 +11047,8 @@
         </p:blipFill>
         <p:spPr>
           <a:xfrm>
-            <a:off x="7236295" y="2624222"/>
+            <a:off x="7425575" y="3139840"/>
             <a:ext cx="746825" cy="769687"/>
-          </a:xfrm>
-          <a:prstGeom prst="rect">
-            <a:avLst/>
-          </a:prstGeom>
-          <a:ln>
-            <a:solidFill>
-              <a:schemeClr val="bg1">
-                <a:lumMod val="85000"/>
-              </a:schemeClr>
-            </a:solidFill>
-          </a:ln>
-        </p:spPr>
-      </p:pic>
-      <p:pic>
-        <p:nvPicPr>
-          <p:cNvPr id="9" name="그림 8"/>
-          <p:cNvPicPr>
-            <a:picLocks noChangeAspect="1"/>
-          </p:cNvPicPr>
-          <p:nvPr/>
-        </p:nvPicPr>
-        <p:blipFill>
-          <a:blip r:embed="rId4">
-            <a:extLst>
-              <a:ext uri="{28A0092B-C50C-407E-A947-70E740481C1C}">
-                <a14:useLocalDpi xmlns:a14="http://schemas.microsoft.com/office/drawing/2010/main" val="0"/>
-              </a:ext>
-            </a:extLst>
-          </a:blip>
-          <a:stretch>
-            <a:fillRect/>
-          </a:stretch>
-        </p:blipFill>
-        <p:spPr>
-          <a:xfrm>
-            <a:off x="827584" y="3789040"/>
-            <a:ext cx="5486876" cy="1988992"/>
-          </a:xfrm>
-          <a:prstGeom prst="rect">
-            <a:avLst/>
-          </a:prstGeom>
-          <a:ln>
-            <a:solidFill>
-              <a:schemeClr val="bg1">
-                <a:lumMod val="85000"/>
-              </a:schemeClr>
-            </a:solidFill>
-          </a:ln>
-        </p:spPr>
-      </p:pic>
-      <p:pic>
-        <p:nvPicPr>
-          <p:cNvPr id="10" name="그림 9"/>
-          <p:cNvPicPr>
-            <a:picLocks noChangeAspect="1"/>
-          </p:cNvPicPr>
-          <p:nvPr/>
-        </p:nvPicPr>
-        <p:blipFill>
-          <a:blip r:embed="rId5">
-            <a:extLst>
-              <a:ext uri="{28A0092B-C50C-407E-A947-70E740481C1C}">
-                <a14:useLocalDpi xmlns:a14="http://schemas.microsoft.com/office/drawing/2010/main" val="0"/>
-              </a:ext>
-            </a:extLst>
-          </a:blip>
-          <a:stretch>
-            <a:fillRect/>
-          </a:stretch>
-        </p:blipFill>
-        <p:spPr>
-          <a:xfrm>
-            <a:off x="6588224" y="4939759"/>
-            <a:ext cx="1104996" cy="838273"/>
           </a:xfrm>
           <a:prstGeom prst="rect">
             <a:avLst/>
@@ -10852,7 +11149,7 @@
         </p:nvSpPr>
         <p:spPr>
           <a:xfrm>
-            <a:off x="956793" y="1228110"/>
+            <a:off x="956793" y="1052736"/>
             <a:ext cx="7088962" cy="1246495"/>
           </a:xfrm>
           <a:prstGeom prst="rect">
@@ -10972,13 +11269,13 @@
       </p:sp>
       <p:pic>
         <p:nvPicPr>
-          <p:cNvPr id="3" name="그림 2"/>
+          <p:cNvPr id="5" name="그림 4"/>
           <p:cNvPicPr>
             <a:picLocks noChangeAspect="1"/>
           </p:cNvPicPr>
           <p:nvPr/>
         </p:nvPicPr>
-        <p:blipFill rotWithShape="1">
+        <p:blipFill>
           <a:blip r:embed="rId2">
             <a:extLst>
               <a:ext uri="{28A0092B-C50C-407E-A947-70E740481C1C}">
@@ -10986,13 +11283,14 @@
               </a:ext>
             </a:extLst>
           </a:blip>
-          <a:srcRect t="12297"/>
-          <a:stretch/>
+          <a:stretch>
+            <a:fillRect/>
+          </a:stretch>
         </p:blipFill>
         <p:spPr>
           <a:xfrm>
-            <a:off x="1215137" y="2708920"/>
-            <a:ext cx="6830618" cy="2167985"/>
+            <a:off x="2771800" y="5329047"/>
+            <a:ext cx="1318374" cy="670618"/>
           </a:xfrm>
           <a:prstGeom prst="rect">
             <a:avLst/>
@@ -11008,7 +11306,7 @@
       </p:pic>
       <p:pic>
         <p:nvPicPr>
-          <p:cNvPr id="5" name="그림 4"/>
+          <p:cNvPr id="6" name="그림 5"/>
           <p:cNvPicPr>
             <a:picLocks noChangeAspect="1"/>
           </p:cNvPicPr>
@@ -11028,8 +11326,44 @@
         </p:blipFill>
         <p:spPr>
           <a:xfrm>
-            <a:off x="6727381" y="5157192"/>
-            <a:ext cx="1318374" cy="670618"/>
+            <a:off x="1225806" y="2515255"/>
+            <a:ext cx="5151566" cy="2149026"/>
+          </a:xfrm>
+          <a:prstGeom prst="rect">
+            <a:avLst/>
+          </a:prstGeom>
+          <a:ln>
+            <a:solidFill>
+              <a:schemeClr val="bg1">
+                <a:lumMod val="85000"/>
+              </a:schemeClr>
+            </a:solidFill>
+          </a:ln>
+        </p:spPr>
+      </p:pic>
+      <p:pic>
+        <p:nvPicPr>
+          <p:cNvPr id="7" name="그림 6"/>
+          <p:cNvPicPr>
+            <a:picLocks noChangeAspect="1"/>
+          </p:cNvPicPr>
+          <p:nvPr/>
+        </p:nvPicPr>
+        <p:blipFill rotWithShape="1">
+          <a:blip r:embed="rId4">
+            <a:extLst>
+              <a:ext uri="{28A0092B-C50C-407E-A947-70E740481C1C}">
+                <a14:useLocalDpi xmlns:a14="http://schemas.microsoft.com/office/drawing/2010/main" val="0"/>
+              </a:ext>
+            </a:extLst>
+          </a:blip>
+          <a:srcRect r="14779"/>
+          <a:stretch/>
+        </p:blipFill>
+        <p:spPr>
+          <a:xfrm>
+            <a:off x="4325144" y="3934466"/>
+            <a:ext cx="4104456" cy="2065199"/>
           </a:xfrm>
           <a:prstGeom prst="rect">
             <a:avLst/>
@@ -11130,8 +11464,8 @@
         </p:nvSpPr>
         <p:spPr>
           <a:xfrm>
-            <a:off x="956793" y="1228110"/>
-            <a:ext cx="7088962" cy="1246495"/>
+            <a:off x="956793" y="1052736"/>
+            <a:ext cx="7088962" cy="1615827"/>
           </a:xfrm>
           <a:prstGeom prst="rect">
             <a:avLst/>
@@ -11198,27 +11532,132 @@
               <a:t> 결과 값을 </a:t>
             </a:r>
             <a:r>
-              <a:rPr lang="ko-KR" altLang="en-US" sz="1600" dirty="0" err="1"/>
+              <a:rPr lang="ko-KR" altLang="en-US" sz="1600" dirty="0" err="1">
+                <a:solidFill>
+                  <a:srgbClr val="C00000"/>
+                </a:solidFill>
+              </a:rPr>
               <a:t>단일행</a:t>
             </a:r>
             <a:r>
+              <a:rPr lang="en-US" altLang="ko-KR" sz="1600" dirty="0">
+                <a:solidFill>
+                  <a:srgbClr val="C00000"/>
+                </a:solidFill>
+              </a:rPr>
+              <a:t>, </a:t>
+            </a:r>
+            <a:r>
+              <a:rPr lang="ko-KR" altLang="en-US" sz="1600" dirty="0">
+                <a:solidFill>
+                  <a:srgbClr val="C00000"/>
+                </a:solidFill>
+              </a:rPr>
+              <a:t>단일 </a:t>
+            </a:r>
+            <a:r>
+              <a:rPr lang="ko-KR" altLang="en-US" sz="1600" dirty="0" smtClean="0">
+                <a:solidFill>
+                  <a:srgbClr val="C00000"/>
+                </a:solidFill>
+              </a:rPr>
+              <a:t> </a:t>
+            </a:r>
+            <a:endParaRPr lang="en-US" altLang="ko-KR" sz="1600" dirty="0" smtClean="0">
+              <a:solidFill>
+                <a:srgbClr val="C00000"/>
+              </a:solidFill>
+            </a:endParaRPr>
+          </a:p>
+          <a:p>
+            <a:pPr>
+              <a:lnSpc>
+                <a:spcPct val="150000"/>
+              </a:lnSpc>
+            </a:pPr>
+            <a:r>
+              <a:rPr lang="en-US" altLang="ko-KR" sz="1600" dirty="0">
+                <a:solidFill>
+                  <a:srgbClr val="C00000"/>
+                </a:solidFill>
+              </a:rPr>
+              <a:t> </a:t>
+            </a:r>
+            <a:r>
+              <a:rPr lang="en-US" altLang="ko-KR" sz="1600" dirty="0" smtClean="0">
+                <a:solidFill>
+                  <a:srgbClr val="C00000"/>
+                </a:solidFill>
+              </a:rPr>
+              <a:t>  </a:t>
+            </a:r>
+            <a:r>
+              <a:rPr lang="ko-KR" altLang="en-US" sz="1600" dirty="0" smtClean="0">
+                <a:solidFill>
+                  <a:srgbClr val="C00000"/>
+                </a:solidFill>
+              </a:rPr>
+              <a:t>열 만</a:t>
+            </a:r>
+            <a:r>
+              <a:rPr lang="ko-KR" altLang="en-US" sz="1600" dirty="0" smtClean="0"/>
+              <a:t>의 </a:t>
+            </a:r>
+            <a:r>
+              <a:rPr lang="ko-KR" altLang="en-US" sz="1600" dirty="0"/>
+              <a:t>스칼라 값으로 반환한다</a:t>
+            </a:r>
+            <a:r>
+              <a:rPr lang="en-US" altLang="ko-KR" sz="1600" dirty="0" smtClean="0"/>
+              <a:t>. </a:t>
+            </a:r>
+            <a:r>
+              <a:rPr lang="ko-KR" altLang="en-US" sz="1600" dirty="0" smtClean="0"/>
+              <a:t>만약 결과값이 다중 행이거나 </a:t>
+            </a:r>
+            <a:r>
+              <a:rPr lang="ko-KR" altLang="en-US" sz="1600" dirty="0" err="1" smtClean="0"/>
+              <a:t>다중열이</a:t>
+            </a:r>
+            <a:endParaRPr lang="en-US" altLang="ko-KR" sz="1600" dirty="0" smtClean="0"/>
+          </a:p>
+          <a:p>
+            <a:pPr>
+              <a:lnSpc>
+                <a:spcPct val="150000"/>
+              </a:lnSpc>
+            </a:pPr>
+            <a:r>
               <a:rPr lang="en-US" altLang="ko-KR" sz="1600" dirty="0"/>
-              <a:t>, </a:t>
-            </a:r>
-            <a:r>
-              <a:rPr lang="ko-KR" altLang="en-US" sz="1600" dirty="0"/>
-              <a:t>단일 열의 스칼라 값으로 반환한다</a:t>
-            </a:r>
-            <a:r>
-              <a:rPr lang="en-US" altLang="ko-KR" sz="1600" dirty="0"/>
+              <a:t> </a:t>
+            </a:r>
+            <a:r>
+              <a:rPr lang="en-US" altLang="ko-KR" sz="1600" dirty="0" smtClean="0"/>
+              <a:t>  </a:t>
+            </a:r>
+            <a:r>
+              <a:rPr lang="ko-KR" altLang="en-US" sz="1600" dirty="0" smtClean="0"/>
+              <a:t>라면 </a:t>
+            </a:r>
+            <a:r>
+              <a:rPr lang="en-US" altLang="ko-KR" sz="1600" dirty="0" smtClean="0"/>
+              <a:t>DBMS</a:t>
+            </a:r>
+            <a:r>
+              <a:rPr lang="ko-KR" altLang="en-US" sz="1600" dirty="0" smtClean="0"/>
+              <a:t>는 에러를 출력한다</a:t>
+            </a:r>
+            <a:r>
+              <a:rPr lang="en-US" altLang="ko-KR" sz="1600" dirty="0" smtClean="0"/>
               <a:t>.</a:t>
             </a:r>
+            <a:endParaRPr lang="en-US" altLang="ko-KR" sz="1600" dirty="0"/>
           </a:p>
         </p:txBody>
       </p:sp>
       <p:pic>
         <p:nvPicPr>
-          <p:cNvPr id="6" name="그림 5"/>
+          <p:cNvPr id="3" name="그림 2"/>
           <p:cNvPicPr>
             <a:picLocks noChangeAspect="1"/>
           </p:cNvPicPr>
@@ -11238,8 +11677,45 @@
         </p:blipFill>
         <p:spPr>
           <a:xfrm>
-            <a:off x="1115616" y="2636912"/>
-            <a:ext cx="6561389" cy="1646063"/>
+            <a:off x="1331640" y="4439492"/>
+            <a:ext cx="6294665" cy="1615580"/>
+          </a:xfrm>
+          <a:prstGeom prst="rect">
+            <a:avLst/>
+          </a:prstGeom>
+          <a:ln>
+            <a:solidFill>
+              <a:schemeClr val="bg1">
+                <a:lumMod val="85000"/>
+              </a:schemeClr>
+            </a:solidFill>
+          </a:ln>
+        </p:spPr>
+      </p:pic>
+      <p:pic>
+        <p:nvPicPr>
+          <p:cNvPr id="5" name="그림 4"/>
+          <p:cNvPicPr>
+            <a:picLocks noChangeAspect="1"/>
+          </p:cNvPicPr>
+          <p:nvPr/>
+        </p:nvPicPr>
+        <p:blipFill>
+          <a:blip r:embed="rId3">
+            <a:extLst>
+              <a:ext uri="{28A0092B-C50C-407E-A947-70E740481C1C}">
+                <a14:useLocalDpi xmlns:a14="http://schemas.microsoft.com/office/drawing/2010/main" val="0"/>
+              </a:ext>
+            </a:extLst>
+          </a:blip>
+          <a:stretch>
+            <a:fillRect/>
+          </a:stretch>
+        </p:blipFill>
+        <p:spPr>
+          <a:xfrm>
+            <a:off x="1331640" y="2774409"/>
+            <a:ext cx="5494496" cy="1531753"/>
           </a:xfrm>
           <a:prstGeom prst="rect">
             <a:avLst/>
@@ -11262,7 +11738,7 @@
           <p:nvPr/>
         </p:nvPicPr>
         <p:blipFill>
-          <a:blip r:embed="rId3">
+          <a:blip r:embed="rId4">
             <a:extLst>
               <a:ext uri="{28A0092B-C50C-407E-A947-70E740481C1C}">
                 <a14:useLocalDpi xmlns:a14="http://schemas.microsoft.com/office/drawing/2010/main" val="0"/>
@@ -11275,7 +11751,7 @@
         </p:blipFill>
         <p:spPr>
           <a:xfrm>
-            <a:off x="5718855" y="4005064"/>
+            <a:off x="6012160" y="3906046"/>
             <a:ext cx="1737511" cy="1066892"/>
           </a:xfrm>
           <a:prstGeom prst="rect">
@@ -12850,35 +13326,22 @@
             <p:ph type="title"/>
           </p:nvPr>
         </p:nvSpPr>
-        <p:spPr>
-          <a:xfrm>
-            <a:off x="0" y="-18256"/>
-            <a:ext cx="6804247" cy="854968"/>
-          </a:xfrm>
-        </p:spPr>
+        <p:spPr/>
         <p:txBody>
           <a:bodyPr>
-            <a:normAutofit fontScale="90000"/>
+            <a:normAutofit/>
           </a:bodyPr>
           <a:lstStyle/>
           <a:p>
             <a:r>
-              <a:rPr lang="en-US" altLang="ko-KR" dirty="0"/>
+              <a:rPr lang="en-US" altLang="ko-KR" sz="2800" dirty="0" smtClean="0"/>
               <a:t>  </a:t>
             </a:r>
             <a:r>
-              <a:rPr lang="en-US" altLang="ko-KR" dirty="0" smtClean="0"/>
-              <a:t>TCL(</a:t>
-            </a:r>
-            <a:r>
-              <a:rPr lang="en-US" altLang="ko-KR" dirty="0" err="1" smtClean="0"/>
-              <a:t>Transacton</a:t>
-            </a:r>
-            <a:r>
-              <a:rPr lang="en-US" altLang="ko-KR" dirty="0" smtClean="0"/>
-              <a:t> Control Language)</a:t>
-            </a:r>
-            <a:endParaRPr lang="ko-KR" altLang="en-US" dirty="0"/>
+              <a:rPr lang="ko-KR" altLang="en-US" sz="2800" dirty="0" smtClean="0"/>
+              <a:t>게시판 테이블 생성</a:t>
+            </a:r>
+            <a:endParaRPr lang="ko-KR" altLang="en-US" sz="2800" dirty="0"/>
           </a:p>
         </p:txBody>
       </p:sp>
@@ -12900,276 +13363,6 @@
             <a:fld id="{1BDE3FE7-3AEA-4B05-AC5A-802D1816ACF0}" type="slidenum">
               <a:rPr lang="ko-KR" altLang="en-US" smtClean="0"/>
               <a:t>33</a:t>
-            </a:fld>
-            <a:endParaRPr lang="ko-KR" altLang="en-US"/>
-          </a:p>
-        </p:txBody>
-      </p:sp>
-      <p:sp>
-        <p:nvSpPr>
-          <p:cNvPr id="11" name="TextBox 10"/>
-          <p:cNvSpPr txBox="1"/>
-          <p:nvPr/>
-        </p:nvSpPr>
-        <p:spPr>
-          <a:xfrm>
-            <a:off x="971600" y="1196752"/>
-            <a:ext cx="6984776" cy="3616375"/>
-          </a:xfrm>
-          <a:prstGeom prst="rect">
-            <a:avLst/>
-          </a:prstGeom>
-          <a:noFill/>
-        </p:spPr>
-        <p:txBody>
-          <a:bodyPr wrap="square" rtlCol="0">
-            <a:spAutoFit/>
-          </a:bodyPr>
-          <a:lstStyle/>
-          <a:p>
-            <a:r>
-              <a:rPr lang="ko-KR" altLang="en-US" sz="2000" b="1" dirty="0" smtClean="0"/>
-              <a:t>트랜잭션</a:t>
-            </a:r>
-            <a:endParaRPr lang="en-US" altLang="ko-KR" sz="2000" b="1" dirty="0" smtClean="0"/>
-          </a:p>
-          <a:p>
-            <a:endParaRPr lang="en-US" altLang="ko-KR" sz="2000" b="1" dirty="0" smtClean="0"/>
-          </a:p>
-          <a:p>
-            <a:pPr marL="342900" indent="-342900">
-              <a:lnSpc>
-                <a:spcPct val="150000"/>
-              </a:lnSpc>
-              <a:buFont typeface="Wingdings" panose="05000000000000000000" pitchFamily="2" charset="2"/>
-              <a:buChar char="§"/>
-            </a:pPr>
-            <a:r>
-              <a:rPr lang="en-US" altLang="ko-KR" dirty="0" smtClean="0">
-                <a:solidFill>
-                  <a:srgbClr val="C00000"/>
-                </a:solidFill>
-              </a:rPr>
-              <a:t>COMMIT(</a:t>
-            </a:r>
-            <a:r>
-              <a:rPr lang="ko-KR" altLang="en-US" dirty="0" err="1" smtClean="0">
-                <a:solidFill>
-                  <a:srgbClr val="C00000"/>
-                </a:solidFill>
-              </a:rPr>
-              <a:t>커밋완료</a:t>
-            </a:r>
-            <a:r>
-              <a:rPr lang="en-US" altLang="ko-KR" dirty="0" smtClean="0">
-                <a:solidFill>
-                  <a:srgbClr val="C00000"/>
-                </a:solidFill>
-              </a:rPr>
-              <a:t>)</a:t>
-            </a:r>
-            <a:r>
-              <a:rPr lang="en-US" altLang="ko-KR" dirty="0" smtClean="0"/>
-              <a:t>- INSERT, UPDATE, DELETE</a:t>
-            </a:r>
-            <a:r>
-              <a:rPr lang="ko-KR" altLang="en-US" dirty="0" smtClean="0"/>
-              <a:t>문으로 변경한 데이터를 데이터베이스에 반영함</a:t>
-            </a:r>
-            <a:endParaRPr lang="en-US" altLang="ko-KR" dirty="0" smtClean="0"/>
-          </a:p>
-          <a:p>
-            <a:pPr marL="342900" indent="-342900">
-              <a:lnSpc>
-                <a:spcPct val="150000"/>
-              </a:lnSpc>
-              <a:buFont typeface="Wingdings" panose="05000000000000000000" pitchFamily="2" charset="2"/>
-              <a:buChar char="§"/>
-            </a:pPr>
-            <a:r>
-              <a:rPr lang="en-US" altLang="ko-KR" dirty="0" smtClean="0">
-                <a:solidFill>
-                  <a:srgbClr val="C00000"/>
-                </a:solidFill>
-              </a:rPr>
-              <a:t>ROLLBACK(</a:t>
-            </a:r>
-            <a:r>
-              <a:rPr lang="ko-KR" altLang="en-US" dirty="0" err="1" smtClean="0">
-                <a:solidFill>
-                  <a:srgbClr val="C00000"/>
-                </a:solidFill>
-              </a:rPr>
-              <a:t>롤백완료</a:t>
-            </a:r>
-            <a:r>
-              <a:rPr lang="en-US" altLang="ko-KR" dirty="0" smtClean="0">
-                <a:solidFill>
-                  <a:srgbClr val="C00000"/>
-                </a:solidFill>
-              </a:rPr>
-              <a:t>)</a:t>
-            </a:r>
-            <a:r>
-              <a:rPr lang="en-US" altLang="ko-KR" dirty="0" smtClean="0"/>
-              <a:t> – </a:t>
-            </a:r>
-            <a:r>
-              <a:rPr lang="ko-KR" altLang="en-US" dirty="0" smtClean="0"/>
-              <a:t>데이터에 대한 변경 사용을 모두 취소하고 트랜잭션을 종료함</a:t>
-            </a:r>
-            <a:endParaRPr lang="en-US" altLang="ko-KR" dirty="0" smtClean="0"/>
-          </a:p>
-          <a:p>
-            <a:pPr marL="342900" indent="-342900">
-              <a:lnSpc>
-                <a:spcPct val="150000"/>
-              </a:lnSpc>
-              <a:buFont typeface="Wingdings" panose="05000000000000000000" pitchFamily="2" charset="2"/>
-              <a:buChar char="§"/>
-            </a:pPr>
-            <a:r>
-              <a:rPr lang="en-US" altLang="ko-KR" dirty="0" smtClean="0">
-                <a:solidFill>
-                  <a:srgbClr val="C00000"/>
-                </a:solidFill>
-              </a:rPr>
-              <a:t>SAVEPOINT(</a:t>
-            </a:r>
-            <a:r>
-              <a:rPr lang="ko-KR" altLang="en-US" dirty="0" err="1" smtClean="0">
-                <a:solidFill>
-                  <a:srgbClr val="C00000"/>
-                </a:solidFill>
-              </a:rPr>
-              <a:t>저장점</a:t>
-            </a:r>
-            <a:r>
-              <a:rPr lang="en-US" altLang="ko-KR" dirty="0" smtClean="0">
-                <a:solidFill>
-                  <a:srgbClr val="C00000"/>
-                </a:solidFill>
-              </a:rPr>
-              <a:t>)</a:t>
-            </a:r>
-            <a:r>
-              <a:rPr lang="en-US" altLang="ko-KR" dirty="0" smtClean="0"/>
-              <a:t> – </a:t>
-            </a:r>
-            <a:r>
-              <a:rPr lang="ko-KR" altLang="en-US" dirty="0" smtClean="0"/>
-              <a:t>트랜잭션을 작게 분할하여 관리하는 것으로 </a:t>
-            </a:r>
-            <a:r>
-              <a:rPr lang="en-US" altLang="ko-KR" dirty="0" smtClean="0"/>
-              <a:t>SAVEPOINT</a:t>
-            </a:r>
-            <a:r>
-              <a:rPr lang="ko-KR" altLang="en-US" dirty="0" smtClean="0"/>
-              <a:t>를 사용하면 저장된 위치 이후의 트랜잭션만 </a:t>
-            </a:r>
-            <a:r>
-              <a:rPr lang="en-US" altLang="ko-KR" dirty="0" smtClean="0"/>
-              <a:t>ROLLBACK </a:t>
-            </a:r>
-            <a:r>
-              <a:rPr lang="ko-KR" altLang="en-US" dirty="0" smtClean="0"/>
-              <a:t>할 수 있음</a:t>
-            </a:r>
-            <a:endParaRPr lang="en-US" altLang="ko-KR" sz="1600" dirty="0"/>
-          </a:p>
-        </p:txBody>
-      </p:sp>
-    </p:spTree>
-    <p:extLst>
-      <p:ext uri="{BB962C8B-B14F-4D97-AF65-F5344CB8AC3E}">
-        <p14:creationId xmlns:p14="http://schemas.microsoft.com/office/powerpoint/2010/main" val="607735956"/>
-      </p:ext>
-    </p:extLst>
-  </p:cSld>
-  <p:clrMapOvr>
-    <a:masterClrMapping/>
-  </p:clrMapOvr>
-</p:sld>
-</file>
-
-<file path=ppt/slides/slide34.xml><?xml version="1.0" encoding="utf-8"?>
-<p:sld xmlns:a="http://schemas.openxmlformats.org/drawingml/2006/main" xmlns:r="http://schemas.openxmlformats.org/officeDocument/2006/relationships" xmlns:p="http://schemas.openxmlformats.org/presentationml/2006/main">
-  <p:cSld>
-    <p:spTree>
-      <p:nvGrpSpPr>
-        <p:cNvPr id="1" name=""/>
-        <p:cNvGrpSpPr/>
-        <p:nvPr/>
-      </p:nvGrpSpPr>
-      <p:grpSpPr>
-        <a:xfrm>
-          <a:off x="0" y="0"/>
-          <a:ext cx="0" cy="0"/>
-          <a:chOff x="0" y="0"/>
-          <a:chExt cx="0" cy="0"/>
-        </a:xfrm>
-      </p:grpSpPr>
-      <p:sp>
-        <p:nvSpPr>
-          <p:cNvPr id="2" name="제목 1"/>
-          <p:cNvSpPr>
-            <a:spLocks noGrp="1"/>
-          </p:cNvSpPr>
-          <p:nvPr>
-            <p:ph type="title"/>
-          </p:nvPr>
-        </p:nvSpPr>
-        <p:spPr>
-          <a:xfrm>
-            <a:off x="0" y="-18256"/>
-            <a:ext cx="6804247" cy="854968"/>
-          </a:xfrm>
-        </p:spPr>
-        <p:txBody>
-          <a:bodyPr>
-            <a:normAutofit fontScale="90000"/>
-          </a:bodyPr>
-          <a:lstStyle/>
-          <a:p>
-            <a:r>
-              <a:rPr lang="en-US" altLang="ko-KR" dirty="0"/>
-              <a:t>  </a:t>
-            </a:r>
-            <a:r>
-              <a:rPr lang="en-US" altLang="ko-KR" dirty="0" smtClean="0"/>
-              <a:t>TCL(</a:t>
-            </a:r>
-            <a:r>
-              <a:rPr lang="en-US" altLang="ko-KR" dirty="0" err="1" smtClean="0"/>
-              <a:t>Transacton</a:t>
-            </a:r>
-            <a:r>
-              <a:rPr lang="en-US" altLang="ko-KR" dirty="0" smtClean="0"/>
-              <a:t> Control Language)</a:t>
-            </a:r>
-            <a:endParaRPr lang="ko-KR" altLang="en-US" dirty="0"/>
-          </a:p>
-        </p:txBody>
-      </p:sp>
-      <p:sp>
-        <p:nvSpPr>
-          <p:cNvPr id="4" name="슬라이드 번호 개체 틀 3"/>
-          <p:cNvSpPr>
-            <a:spLocks noGrp="1"/>
-          </p:cNvSpPr>
-          <p:nvPr>
-            <p:ph type="sldNum" sz="quarter" idx="12"/>
-          </p:nvPr>
-        </p:nvSpPr>
-        <p:spPr/>
-        <p:txBody>
-          <a:bodyPr/>
-          <a:lstStyle/>
-          <a:p>
-            <a:fld id="{1BDE3FE7-3AEA-4B05-AC5A-802D1816ACF0}" type="slidenum">
-              <a:rPr lang="ko-KR" altLang="en-US" smtClean="0"/>
-              <a:t>34</a:t>
             </a:fld>
             <a:endParaRPr lang="ko-KR" altLang="en-US"/>
           </a:p>
@@ -13183,7 +13376,7 @@
           </p:cNvPicPr>
           <p:nvPr/>
         </p:nvPicPr>
-        <p:blipFill>
+        <p:blipFill rotWithShape="1">
           <a:blip r:embed="rId2">
             <a:extLst>
               <a:ext uri="{28A0092B-C50C-407E-A947-70E740481C1C}">
@@ -13191,14 +13384,13 @@
               </a:ext>
             </a:extLst>
           </a:blip>
-          <a:stretch>
-            <a:fillRect/>
-          </a:stretch>
+          <a:srcRect r="12074" b="47424"/>
+          <a:stretch/>
         </p:blipFill>
         <p:spPr>
           <a:xfrm>
-            <a:off x="1403648" y="1628800"/>
-            <a:ext cx="4248472" cy="3359439"/>
+            <a:off x="1187624" y="1844824"/>
+            <a:ext cx="5842888" cy="2592288"/>
           </a:xfrm>
           <a:prstGeom prst="rect">
             <a:avLst/>
@@ -13234,8 +13426,1041 @@
         </p:blipFill>
         <p:spPr>
           <a:xfrm>
-            <a:off x="6080284" y="4149080"/>
-            <a:ext cx="1746577" cy="432048"/>
+            <a:off x="1187624" y="4854235"/>
+            <a:ext cx="5014395" cy="662997"/>
+          </a:xfrm>
+          <a:prstGeom prst="rect">
+            <a:avLst/>
+          </a:prstGeom>
+          <a:ln>
+            <a:solidFill>
+              <a:schemeClr val="bg1">
+                <a:lumMod val="85000"/>
+              </a:schemeClr>
+            </a:solidFill>
+          </a:ln>
+        </p:spPr>
+      </p:pic>
+      <p:sp>
+        <p:nvSpPr>
+          <p:cNvPr id="7" name="TextBox 6"/>
+          <p:cNvSpPr txBox="1"/>
+          <p:nvPr/>
+        </p:nvSpPr>
+        <p:spPr>
+          <a:xfrm>
+            <a:off x="827584" y="1193356"/>
+            <a:ext cx="3816424" cy="400110"/>
+          </a:xfrm>
+          <a:prstGeom prst="rect">
+            <a:avLst/>
+          </a:prstGeom>
+          <a:noFill/>
+        </p:spPr>
+        <p:txBody>
+          <a:bodyPr wrap="square" rtlCol="0">
+            <a:spAutoFit/>
+          </a:bodyPr>
+          <a:lstStyle/>
+          <a:p>
+            <a:pPr marL="342900" indent="-342900">
+              <a:buFont typeface="Wingdings" panose="05000000000000000000" pitchFamily="2" charset="2"/>
+              <a:buChar char="l"/>
+            </a:pPr>
+            <a:r>
+              <a:rPr lang="ko-KR" altLang="en-US" sz="2000" b="1" dirty="0" smtClean="0"/>
+              <a:t>게시판 </a:t>
+            </a:r>
+            <a:r>
+              <a:rPr lang="en-US" altLang="ko-KR" sz="2000" b="1" dirty="0" smtClean="0"/>
+              <a:t>– BOARD</a:t>
+            </a:r>
+            <a:endParaRPr lang="ko-KR" altLang="en-US" sz="2000" b="1" dirty="0"/>
+          </a:p>
+        </p:txBody>
+      </p:sp>
+    </p:spTree>
+    <p:extLst>
+      <p:ext uri="{BB962C8B-B14F-4D97-AF65-F5344CB8AC3E}">
+        <p14:creationId xmlns:p14="http://schemas.microsoft.com/office/powerpoint/2010/main" val="3091644952"/>
+      </p:ext>
+    </p:extLst>
+  </p:cSld>
+  <p:clrMapOvr>
+    <a:masterClrMapping/>
+  </p:clrMapOvr>
+  <p:timing>
+    <p:tnLst>
+      <p:par>
+        <p:cTn id="1" dur="indefinite" restart="never" nodeType="tmRoot"/>
+      </p:par>
+    </p:tnLst>
+  </p:timing>
+</p:sld>
+</file>
+
+<file path=ppt/slides/slide34.xml><?xml version="1.0" encoding="utf-8"?>
+<p:sld xmlns:a="http://schemas.openxmlformats.org/drawingml/2006/main" xmlns:r="http://schemas.openxmlformats.org/officeDocument/2006/relationships" xmlns:p="http://schemas.openxmlformats.org/presentationml/2006/main">
+  <p:cSld>
+    <p:spTree>
+      <p:nvGrpSpPr>
+        <p:cNvPr id="1" name=""/>
+        <p:cNvGrpSpPr/>
+        <p:nvPr/>
+      </p:nvGrpSpPr>
+      <p:grpSpPr>
+        <a:xfrm>
+          <a:off x="0" y="0"/>
+          <a:ext cx="0" cy="0"/>
+          <a:chOff x="0" y="0"/>
+          <a:chExt cx="0" cy="0"/>
+        </a:xfrm>
+      </p:grpSpPr>
+      <p:sp>
+        <p:nvSpPr>
+          <p:cNvPr id="2" name="제목 1"/>
+          <p:cNvSpPr>
+            <a:spLocks noGrp="1"/>
+          </p:cNvSpPr>
+          <p:nvPr>
+            <p:ph type="title"/>
+          </p:nvPr>
+        </p:nvSpPr>
+        <p:spPr/>
+        <p:txBody>
+          <a:bodyPr/>
+          <a:lstStyle/>
+          <a:p>
+            <a:r>
+              <a:rPr lang="en-US" altLang="ko-KR" dirty="0"/>
+              <a:t>  </a:t>
+            </a:r>
+            <a:r>
+              <a:rPr lang="ko-KR" altLang="en-US" dirty="0"/>
+              <a:t>시퀀스 </a:t>
+            </a:r>
+            <a:r>
+              <a:rPr lang="en-US" altLang="ko-KR" dirty="0"/>
+              <a:t>- SEQUENCE</a:t>
+            </a:r>
+            <a:endParaRPr lang="ko-KR" altLang="en-US" dirty="0"/>
+          </a:p>
+        </p:txBody>
+      </p:sp>
+      <p:sp>
+        <p:nvSpPr>
+          <p:cNvPr id="4" name="슬라이드 번호 개체 틀 3"/>
+          <p:cNvSpPr>
+            <a:spLocks noGrp="1"/>
+          </p:cNvSpPr>
+          <p:nvPr>
+            <p:ph type="sldNum" sz="quarter" idx="12"/>
+          </p:nvPr>
+        </p:nvSpPr>
+        <p:spPr/>
+        <p:txBody>
+          <a:bodyPr/>
+          <a:lstStyle/>
+          <a:p>
+            <a:fld id="{1BDE3FE7-3AEA-4B05-AC5A-802D1816ACF0}" type="slidenum">
+              <a:rPr lang="ko-KR" altLang="en-US" smtClean="0"/>
+              <a:t>34</a:t>
+            </a:fld>
+            <a:endParaRPr lang="ko-KR" altLang="en-US"/>
+          </a:p>
+        </p:txBody>
+      </p:sp>
+      <p:sp>
+        <p:nvSpPr>
+          <p:cNvPr id="8" name="내용 개체 틀 2"/>
+          <p:cNvSpPr txBox="1">
+            <a:spLocks/>
+          </p:cNvSpPr>
+          <p:nvPr/>
+        </p:nvSpPr>
+        <p:spPr>
+          <a:xfrm>
+            <a:off x="899592" y="1196752"/>
+            <a:ext cx="4824536" cy="576064"/>
+          </a:xfrm>
+          <a:prstGeom prst="rect">
+            <a:avLst/>
+          </a:prstGeom>
+        </p:spPr>
+        <p:txBody>
+          <a:bodyPr vert="horz" lIns="91440" tIns="45720" rIns="91440" bIns="45720" rtlCol="0">
+            <a:noAutofit/>
+          </a:bodyPr>
+          <a:lstStyle>
+            <a:lvl1pPr marL="342900" indent="-342900" algn="l" defTabSz="914400" rtl="0" eaLnBrk="1" latinLnBrk="1" hangingPunct="1">
+              <a:spcBef>
+                <a:spcPct val="20000"/>
+              </a:spcBef>
+              <a:buFont typeface="Arial" panose="020B0604020202020204" pitchFamily="34" charset="0"/>
+              <a:buChar char="•"/>
+              <a:defRPr sz="3200" kern="1200">
+                <a:solidFill>
+                  <a:schemeClr val="tx1"/>
+                </a:solidFill>
+                <a:latin typeface="+mn-lt"/>
+                <a:ea typeface="+mn-ea"/>
+                <a:cs typeface="+mn-cs"/>
+              </a:defRPr>
+            </a:lvl1pPr>
+            <a:lvl2pPr marL="742950" indent="-285750" algn="l" defTabSz="914400" rtl="0" eaLnBrk="1" latinLnBrk="1" hangingPunct="1">
+              <a:spcBef>
+                <a:spcPct val="20000"/>
+              </a:spcBef>
+              <a:buFont typeface="Arial" panose="020B0604020202020204" pitchFamily="34" charset="0"/>
+              <a:buChar char="–"/>
+              <a:defRPr sz="2800" kern="1200">
+                <a:solidFill>
+                  <a:schemeClr val="tx1"/>
+                </a:solidFill>
+                <a:latin typeface="+mn-lt"/>
+                <a:ea typeface="+mn-ea"/>
+                <a:cs typeface="+mn-cs"/>
+              </a:defRPr>
+            </a:lvl2pPr>
+            <a:lvl3pPr marL="1143000" indent="-228600" algn="l" defTabSz="914400" rtl="0" eaLnBrk="1" latinLnBrk="1" hangingPunct="1">
+              <a:spcBef>
+                <a:spcPct val="20000"/>
+              </a:spcBef>
+              <a:buFont typeface="Arial" panose="020B0604020202020204" pitchFamily="34" charset="0"/>
+              <a:buChar char="•"/>
+              <a:defRPr sz="2400" kern="1200">
+                <a:solidFill>
+                  <a:schemeClr val="tx1"/>
+                </a:solidFill>
+                <a:latin typeface="+mn-lt"/>
+                <a:ea typeface="+mn-ea"/>
+                <a:cs typeface="+mn-cs"/>
+              </a:defRPr>
+            </a:lvl3pPr>
+            <a:lvl4pPr marL="1600200" indent="-228600" algn="l" defTabSz="914400" rtl="0" eaLnBrk="1" latinLnBrk="1" hangingPunct="1">
+              <a:spcBef>
+                <a:spcPct val="20000"/>
+              </a:spcBef>
+              <a:buFont typeface="Arial" panose="020B0604020202020204" pitchFamily="34" charset="0"/>
+              <a:buChar char="–"/>
+              <a:defRPr sz="2000" kern="1200">
+                <a:solidFill>
+                  <a:schemeClr val="tx1"/>
+                </a:solidFill>
+                <a:latin typeface="+mn-lt"/>
+                <a:ea typeface="+mn-ea"/>
+                <a:cs typeface="+mn-cs"/>
+              </a:defRPr>
+            </a:lvl4pPr>
+            <a:lvl5pPr marL="2057400" indent="-228600" algn="l" defTabSz="914400" rtl="0" eaLnBrk="1" latinLnBrk="1" hangingPunct="1">
+              <a:spcBef>
+                <a:spcPct val="20000"/>
+              </a:spcBef>
+              <a:buFont typeface="Arial" panose="020B0604020202020204" pitchFamily="34" charset="0"/>
+              <a:buChar char="»"/>
+              <a:defRPr sz="2000" kern="1200">
+                <a:solidFill>
+                  <a:schemeClr val="tx1"/>
+                </a:solidFill>
+                <a:latin typeface="+mn-lt"/>
+                <a:ea typeface="+mn-ea"/>
+                <a:cs typeface="+mn-cs"/>
+              </a:defRPr>
+            </a:lvl5pPr>
+            <a:lvl6pPr marL="2514600" indent="-228600" algn="l" defTabSz="914400" rtl="0" eaLnBrk="1" latinLnBrk="1" hangingPunct="1">
+              <a:spcBef>
+                <a:spcPct val="20000"/>
+              </a:spcBef>
+              <a:buFont typeface="Arial" panose="020B0604020202020204" pitchFamily="34" charset="0"/>
+              <a:buChar char="•"/>
+              <a:defRPr sz="2000" kern="1200">
+                <a:solidFill>
+                  <a:schemeClr val="tx1"/>
+                </a:solidFill>
+                <a:latin typeface="+mn-lt"/>
+                <a:ea typeface="+mn-ea"/>
+                <a:cs typeface="+mn-cs"/>
+              </a:defRPr>
+            </a:lvl6pPr>
+            <a:lvl7pPr marL="2971800" indent="-228600" algn="l" defTabSz="914400" rtl="0" eaLnBrk="1" latinLnBrk="1" hangingPunct="1">
+              <a:spcBef>
+                <a:spcPct val="20000"/>
+              </a:spcBef>
+              <a:buFont typeface="Arial" panose="020B0604020202020204" pitchFamily="34" charset="0"/>
+              <a:buChar char="•"/>
+              <a:defRPr sz="2000" kern="1200">
+                <a:solidFill>
+                  <a:schemeClr val="tx1"/>
+                </a:solidFill>
+                <a:latin typeface="+mn-lt"/>
+                <a:ea typeface="+mn-ea"/>
+                <a:cs typeface="+mn-cs"/>
+              </a:defRPr>
+            </a:lvl7pPr>
+            <a:lvl8pPr marL="3429000" indent="-228600" algn="l" defTabSz="914400" rtl="0" eaLnBrk="1" latinLnBrk="1" hangingPunct="1">
+              <a:spcBef>
+                <a:spcPct val="20000"/>
+              </a:spcBef>
+              <a:buFont typeface="Arial" panose="020B0604020202020204" pitchFamily="34" charset="0"/>
+              <a:buChar char="•"/>
+              <a:defRPr sz="2000" kern="1200">
+                <a:solidFill>
+                  <a:schemeClr val="tx1"/>
+                </a:solidFill>
+                <a:latin typeface="+mn-lt"/>
+                <a:ea typeface="+mn-ea"/>
+                <a:cs typeface="+mn-cs"/>
+              </a:defRPr>
+            </a:lvl8pPr>
+            <a:lvl9pPr marL="3886200" indent="-228600" algn="l" defTabSz="914400" rtl="0" eaLnBrk="1" latinLnBrk="1" hangingPunct="1">
+              <a:spcBef>
+                <a:spcPct val="20000"/>
+              </a:spcBef>
+              <a:buFont typeface="Arial" panose="020B0604020202020204" pitchFamily="34" charset="0"/>
+              <a:buChar char="•"/>
+              <a:defRPr sz="2000" kern="1200">
+                <a:solidFill>
+                  <a:schemeClr val="tx1"/>
+                </a:solidFill>
+                <a:latin typeface="+mn-lt"/>
+                <a:ea typeface="+mn-ea"/>
+                <a:cs typeface="+mn-cs"/>
+              </a:defRPr>
+            </a:lvl9pPr>
+          </a:lstStyle>
+          <a:p>
+            <a:pPr marL="0" indent="0">
+              <a:lnSpc>
+                <a:spcPct val="150000"/>
+              </a:lnSpc>
+              <a:buFont typeface="Arial" panose="020B0604020202020204" pitchFamily="34" charset="0"/>
+              <a:buNone/>
+            </a:pPr>
+            <a:r>
+              <a:rPr lang="ko-KR" altLang="en-US" sz="1800" b="1" dirty="0"/>
+              <a:t>  </a:t>
+            </a:r>
+            <a:r>
+              <a:rPr lang="en-US" altLang="ko-KR" sz="1800" b="1" dirty="0"/>
+              <a:t>Sequence(</a:t>
+            </a:r>
+            <a:r>
+              <a:rPr lang="ko-KR" altLang="en-US" sz="1800" b="1" dirty="0"/>
+              <a:t>시퀀스</a:t>
+            </a:r>
+            <a:r>
+              <a:rPr lang="en-US" altLang="ko-KR" sz="1800" b="1" dirty="0"/>
+              <a:t>)</a:t>
+            </a:r>
+          </a:p>
+          <a:p>
+            <a:pPr marL="0" indent="0">
+              <a:lnSpc>
+                <a:spcPct val="150000"/>
+              </a:lnSpc>
+              <a:buFont typeface="Arial" panose="020B0604020202020204" pitchFamily="34" charset="0"/>
+              <a:buNone/>
+            </a:pPr>
+            <a:endParaRPr lang="en-US" altLang="ko-KR" sz="1800" b="1" dirty="0"/>
+          </a:p>
+        </p:txBody>
+      </p:sp>
+      <p:sp>
+        <p:nvSpPr>
+          <p:cNvPr id="11" name="내용 개체 틀 2"/>
+          <p:cNvSpPr txBox="1">
+            <a:spLocks/>
+          </p:cNvSpPr>
+          <p:nvPr/>
+        </p:nvSpPr>
+        <p:spPr>
+          <a:xfrm>
+            <a:off x="1187624" y="3461860"/>
+            <a:ext cx="3672408" cy="2376264"/>
+          </a:xfrm>
+          <a:prstGeom prst="rect">
+            <a:avLst/>
+          </a:prstGeom>
+          <a:solidFill>
+            <a:schemeClr val="bg1">
+              <a:lumMod val="95000"/>
+            </a:schemeClr>
+          </a:solidFill>
+        </p:spPr>
+        <p:txBody>
+          <a:bodyPr vert="horz" lIns="91440" tIns="45720" rIns="91440" bIns="45720" rtlCol="0">
+            <a:normAutofit fontScale="77500" lnSpcReduction="20000"/>
+          </a:bodyPr>
+          <a:lstStyle>
+            <a:lvl1pPr marL="342900" indent="-342900" algn="l" defTabSz="914400" rtl="0" eaLnBrk="1" latinLnBrk="1" hangingPunct="1">
+              <a:spcBef>
+                <a:spcPct val="20000"/>
+              </a:spcBef>
+              <a:buFont typeface="Arial" panose="020B0604020202020204" pitchFamily="34" charset="0"/>
+              <a:buChar char="•"/>
+              <a:defRPr sz="3200" kern="1200">
+                <a:solidFill>
+                  <a:schemeClr val="tx1"/>
+                </a:solidFill>
+                <a:latin typeface="+mn-lt"/>
+                <a:ea typeface="+mn-ea"/>
+                <a:cs typeface="+mn-cs"/>
+              </a:defRPr>
+            </a:lvl1pPr>
+            <a:lvl2pPr marL="742950" indent="-285750" algn="l" defTabSz="914400" rtl="0" eaLnBrk="1" latinLnBrk="1" hangingPunct="1">
+              <a:spcBef>
+                <a:spcPct val="20000"/>
+              </a:spcBef>
+              <a:buFont typeface="Arial" panose="020B0604020202020204" pitchFamily="34" charset="0"/>
+              <a:buChar char="–"/>
+              <a:defRPr sz="2800" kern="1200">
+                <a:solidFill>
+                  <a:schemeClr val="tx1"/>
+                </a:solidFill>
+                <a:latin typeface="+mn-lt"/>
+                <a:ea typeface="+mn-ea"/>
+                <a:cs typeface="+mn-cs"/>
+              </a:defRPr>
+            </a:lvl2pPr>
+            <a:lvl3pPr marL="1143000" indent="-228600" algn="l" defTabSz="914400" rtl="0" eaLnBrk="1" latinLnBrk="1" hangingPunct="1">
+              <a:spcBef>
+                <a:spcPct val="20000"/>
+              </a:spcBef>
+              <a:buFont typeface="Arial" panose="020B0604020202020204" pitchFamily="34" charset="0"/>
+              <a:buChar char="•"/>
+              <a:defRPr sz="2400" kern="1200">
+                <a:solidFill>
+                  <a:schemeClr val="tx1"/>
+                </a:solidFill>
+                <a:latin typeface="+mn-lt"/>
+                <a:ea typeface="+mn-ea"/>
+                <a:cs typeface="+mn-cs"/>
+              </a:defRPr>
+            </a:lvl3pPr>
+            <a:lvl4pPr marL="1600200" indent="-228600" algn="l" defTabSz="914400" rtl="0" eaLnBrk="1" latinLnBrk="1" hangingPunct="1">
+              <a:spcBef>
+                <a:spcPct val="20000"/>
+              </a:spcBef>
+              <a:buFont typeface="Arial" panose="020B0604020202020204" pitchFamily="34" charset="0"/>
+              <a:buChar char="–"/>
+              <a:defRPr sz="2000" kern="1200">
+                <a:solidFill>
+                  <a:schemeClr val="tx1"/>
+                </a:solidFill>
+                <a:latin typeface="+mn-lt"/>
+                <a:ea typeface="+mn-ea"/>
+                <a:cs typeface="+mn-cs"/>
+              </a:defRPr>
+            </a:lvl4pPr>
+            <a:lvl5pPr marL="2057400" indent="-228600" algn="l" defTabSz="914400" rtl="0" eaLnBrk="1" latinLnBrk="1" hangingPunct="1">
+              <a:spcBef>
+                <a:spcPct val="20000"/>
+              </a:spcBef>
+              <a:buFont typeface="Arial" panose="020B0604020202020204" pitchFamily="34" charset="0"/>
+              <a:buChar char="»"/>
+              <a:defRPr sz="2000" kern="1200">
+                <a:solidFill>
+                  <a:schemeClr val="tx1"/>
+                </a:solidFill>
+                <a:latin typeface="+mn-lt"/>
+                <a:ea typeface="+mn-ea"/>
+                <a:cs typeface="+mn-cs"/>
+              </a:defRPr>
+            </a:lvl5pPr>
+            <a:lvl6pPr marL="2514600" indent="-228600" algn="l" defTabSz="914400" rtl="0" eaLnBrk="1" latinLnBrk="1" hangingPunct="1">
+              <a:spcBef>
+                <a:spcPct val="20000"/>
+              </a:spcBef>
+              <a:buFont typeface="Arial" panose="020B0604020202020204" pitchFamily="34" charset="0"/>
+              <a:buChar char="•"/>
+              <a:defRPr sz="2000" kern="1200">
+                <a:solidFill>
+                  <a:schemeClr val="tx1"/>
+                </a:solidFill>
+                <a:latin typeface="+mn-lt"/>
+                <a:ea typeface="+mn-ea"/>
+                <a:cs typeface="+mn-cs"/>
+              </a:defRPr>
+            </a:lvl6pPr>
+            <a:lvl7pPr marL="2971800" indent="-228600" algn="l" defTabSz="914400" rtl="0" eaLnBrk="1" latinLnBrk="1" hangingPunct="1">
+              <a:spcBef>
+                <a:spcPct val="20000"/>
+              </a:spcBef>
+              <a:buFont typeface="Arial" panose="020B0604020202020204" pitchFamily="34" charset="0"/>
+              <a:buChar char="•"/>
+              <a:defRPr sz="2000" kern="1200">
+                <a:solidFill>
+                  <a:schemeClr val="tx1"/>
+                </a:solidFill>
+                <a:latin typeface="+mn-lt"/>
+                <a:ea typeface="+mn-ea"/>
+                <a:cs typeface="+mn-cs"/>
+              </a:defRPr>
+            </a:lvl7pPr>
+            <a:lvl8pPr marL="3429000" indent="-228600" algn="l" defTabSz="914400" rtl="0" eaLnBrk="1" latinLnBrk="1" hangingPunct="1">
+              <a:spcBef>
+                <a:spcPct val="20000"/>
+              </a:spcBef>
+              <a:buFont typeface="Arial" panose="020B0604020202020204" pitchFamily="34" charset="0"/>
+              <a:buChar char="•"/>
+              <a:defRPr sz="2000" kern="1200">
+                <a:solidFill>
+                  <a:schemeClr val="tx1"/>
+                </a:solidFill>
+                <a:latin typeface="+mn-lt"/>
+                <a:ea typeface="+mn-ea"/>
+                <a:cs typeface="+mn-cs"/>
+              </a:defRPr>
+            </a:lvl8pPr>
+            <a:lvl9pPr marL="3886200" indent="-228600" algn="l" defTabSz="914400" rtl="0" eaLnBrk="1" latinLnBrk="1" hangingPunct="1">
+              <a:spcBef>
+                <a:spcPct val="20000"/>
+              </a:spcBef>
+              <a:buFont typeface="Arial" panose="020B0604020202020204" pitchFamily="34" charset="0"/>
+              <a:buChar char="•"/>
+              <a:defRPr sz="2000" kern="1200">
+                <a:solidFill>
+                  <a:schemeClr val="tx1"/>
+                </a:solidFill>
+                <a:latin typeface="+mn-lt"/>
+                <a:ea typeface="+mn-ea"/>
+                <a:cs typeface="+mn-cs"/>
+              </a:defRPr>
+            </a:lvl9pPr>
+          </a:lstStyle>
+          <a:p>
+            <a:pPr marL="0" indent="0">
+              <a:lnSpc>
+                <a:spcPct val="150000"/>
+              </a:lnSpc>
+              <a:buNone/>
+            </a:pPr>
+            <a:r>
+              <a:rPr lang="en-US" altLang="ko-KR" sz="1800" b="1" dirty="0"/>
+              <a:t>CREATE SEQUENCE </a:t>
+            </a:r>
+            <a:r>
+              <a:rPr lang="en-US" altLang="ko-KR" sz="1800" b="1" dirty="0" err="1">
+                <a:solidFill>
+                  <a:schemeClr val="tx1">
+                    <a:lumMod val="50000"/>
+                    <a:lumOff val="50000"/>
+                  </a:schemeClr>
+                </a:solidFill>
+              </a:rPr>
+              <a:t>mySeq</a:t>
+            </a:r>
+            <a:endParaRPr lang="en-US" altLang="ko-KR" sz="1800" b="1" dirty="0">
+              <a:solidFill>
+                <a:schemeClr val="tx1">
+                  <a:lumMod val="50000"/>
+                  <a:lumOff val="50000"/>
+                </a:schemeClr>
+              </a:solidFill>
+            </a:endParaRPr>
+          </a:p>
+          <a:p>
+            <a:pPr marL="0" indent="0">
+              <a:lnSpc>
+                <a:spcPct val="150000"/>
+              </a:lnSpc>
+              <a:buNone/>
+            </a:pPr>
+            <a:r>
+              <a:rPr lang="en-US" altLang="ko-KR" sz="1800" b="1" dirty="0"/>
+              <a:t>INCREMENT BY </a:t>
+            </a:r>
+            <a:r>
+              <a:rPr lang="en-US" altLang="ko-KR" sz="1800" b="1" dirty="0">
+                <a:solidFill>
+                  <a:schemeClr val="tx1">
+                    <a:lumMod val="50000"/>
+                    <a:lumOff val="50000"/>
+                  </a:schemeClr>
+                </a:solidFill>
+              </a:rPr>
+              <a:t>1</a:t>
+            </a:r>
+          </a:p>
+          <a:p>
+            <a:pPr marL="0" indent="0">
+              <a:lnSpc>
+                <a:spcPct val="150000"/>
+              </a:lnSpc>
+              <a:buNone/>
+            </a:pPr>
+            <a:r>
+              <a:rPr lang="en-US" altLang="ko-KR" sz="1800" b="1" dirty="0"/>
+              <a:t>START WITH </a:t>
+            </a:r>
+            <a:r>
+              <a:rPr lang="en-US" altLang="ko-KR" sz="1800" b="1" dirty="0">
+                <a:solidFill>
+                  <a:schemeClr val="tx1">
+                    <a:lumMod val="50000"/>
+                    <a:lumOff val="50000"/>
+                  </a:schemeClr>
+                </a:solidFill>
+              </a:rPr>
+              <a:t>1</a:t>
+            </a:r>
+          </a:p>
+          <a:p>
+            <a:pPr marL="0" indent="0">
+              <a:lnSpc>
+                <a:spcPct val="150000"/>
+              </a:lnSpc>
+              <a:buNone/>
+            </a:pPr>
+            <a:r>
+              <a:rPr lang="en-US" altLang="ko-KR" sz="1800" b="1" dirty="0"/>
+              <a:t>MINVALUE </a:t>
+            </a:r>
+            <a:r>
+              <a:rPr lang="en-US" altLang="ko-KR" sz="1800" b="1" dirty="0">
+                <a:solidFill>
+                  <a:schemeClr val="tx1">
+                    <a:lumMod val="50000"/>
+                    <a:lumOff val="50000"/>
+                  </a:schemeClr>
+                </a:solidFill>
+              </a:rPr>
+              <a:t>1</a:t>
+            </a:r>
+          </a:p>
+          <a:p>
+            <a:pPr marL="0" indent="0">
+              <a:lnSpc>
+                <a:spcPct val="150000"/>
+              </a:lnSpc>
+              <a:buNone/>
+            </a:pPr>
+            <a:r>
+              <a:rPr lang="en-US" altLang="ko-KR" sz="1800" b="1" dirty="0"/>
+              <a:t>MAXVALUE </a:t>
+            </a:r>
+            <a:r>
+              <a:rPr lang="en-US" altLang="ko-KR" sz="1800" b="1" dirty="0">
+                <a:solidFill>
+                  <a:schemeClr val="tx1">
+                    <a:lumMod val="50000"/>
+                    <a:lumOff val="50000"/>
+                  </a:schemeClr>
+                </a:solidFill>
+              </a:rPr>
+              <a:t>1000</a:t>
+            </a:r>
+          </a:p>
+          <a:p>
+            <a:pPr marL="0" indent="0">
+              <a:lnSpc>
+                <a:spcPct val="150000"/>
+              </a:lnSpc>
+              <a:buNone/>
+            </a:pPr>
+            <a:r>
+              <a:rPr lang="en-US" altLang="ko-KR" sz="1800" b="1" dirty="0"/>
+              <a:t>NOCYCLE</a:t>
+            </a:r>
+          </a:p>
+          <a:p>
+            <a:pPr marL="0" indent="0">
+              <a:lnSpc>
+                <a:spcPct val="150000"/>
+              </a:lnSpc>
+              <a:buNone/>
+            </a:pPr>
+            <a:r>
+              <a:rPr lang="en-US" altLang="ko-KR" sz="1800" b="1" dirty="0"/>
+              <a:t>NOCACHE;</a:t>
+            </a:r>
+            <a:endParaRPr lang="en-US" altLang="ko-KR" sz="1800" dirty="0"/>
+          </a:p>
+        </p:txBody>
+      </p:sp>
+      <p:sp>
+        <p:nvSpPr>
+          <p:cNvPr id="7" name="TextBox 6"/>
+          <p:cNvSpPr txBox="1"/>
+          <p:nvPr/>
+        </p:nvSpPr>
+        <p:spPr>
+          <a:xfrm>
+            <a:off x="1115616" y="1772816"/>
+            <a:ext cx="7200800" cy="1569660"/>
+          </a:xfrm>
+          <a:prstGeom prst="rect">
+            <a:avLst/>
+          </a:prstGeom>
+          <a:noFill/>
+        </p:spPr>
+        <p:txBody>
+          <a:bodyPr wrap="square" rtlCol="0">
+            <a:spAutoFit/>
+          </a:bodyPr>
+          <a:lstStyle/>
+          <a:p>
+            <a:pPr>
+              <a:lnSpc>
+                <a:spcPct val="150000"/>
+              </a:lnSpc>
+            </a:pPr>
+            <a:r>
+              <a:rPr lang="ko-KR" altLang="en-US" sz="1600" dirty="0"/>
+              <a:t>자동순번을 반환하는 데이터베이스 객체이다</a:t>
+            </a:r>
+            <a:r>
+              <a:rPr lang="en-US" altLang="ko-KR" sz="1600" dirty="0"/>
+              <a:t>.</a:t>
+            </a:r>
+          </a:p>
+          <a:p>
+            <a:pPr>
+              <a:lnSpc>
+                <a:spcPct val="150000"/>
+              </a:lnSpc>
+            </a:pPr>
+            <a:r>
+              <a:rPr lang="ko-KR" altLang="en-US" sz="1600" dirty="0"/>
+              <a:t>현재 </a:t>
+            </a:r>
+            <a:r>
+              <a:rPr lang="ko-KR" altLang="en-US" sz="1600" dirty="0" smtClean="0"/>
+              <a:t>사원 테이블의 </a:t>
+            </a:r>
+            <a:r>
+              <a:rPr lang="ko-KR" altLang="en-US" sz="1600" dirty="0" err="1"/>
+              <a:t>사번은</a:t>
+            </a:r>
+            <a:r>
+              <a:rPr lang="ko-KR" altLang="en-US" sz="1600" dirty="0"/>
+              <a:t> </a:t>
+            </a:r>
+            <a:r>
+              <a:rPr lang="en-US" altLang="ko-KR" sz="1600" dirty="0"/>
+              <a:t>100</a:t>
+            </a:r>
+            <a:r>
+              <a:rPr lang="ko-KR" altLang="en-US" sz="1600" dirty="0"/>
+              <a:t>부터 </a:t>
+            </a:r>
+            <a:r>
+              <a:rPr lang="en-US" altLang="ko-KR" sz="1600" dirty="0"/>
+              <a:t>206</a:t>
+            </a:r>
+            <a:r>
+              <a:rPr lang="ko-KR" altLang="en-US" sz="1600" dirty="0" err="1"/>
+              <a:t>까지인데</a:t>
+            </a:r>
+            <a:r>
+              <a:rPr lang="ko-KR" altLang="en-US" sz="1600" dirty="0"/>
+              <a:t> </a:t>
+            </a:r>
+            <a:r>
+              <a:rPr lang="ko-KR" altLang="en-US" sz="1600" dirty="0" err="1"/>
+              <a:t>숫자형으로</a:t>
+            </a:r>
+            <a:r>
+              <a:rPr lang="ko-KR" altLang="en-US" sz="1600" dirty="0"/>
+              <a:t> 되어 있다</a:t>
+            </a:r>
+            <a:r>
+              <a:rPr lang="en-US" altLang="ko-KR" sz="1600" dirty="0"/>
+              <a:t>. </a:t>
+            </a:r>
+            <a:r>
+              <a:rPr lang="ko-KR" altLang="en-US" sz="1600" dirty="0"/>
+              <a:t>만약 신입사원이 들어온다면 </a:t>
+            </a:r>
+            <a:r>
+              <a:rPr lang="en-US" altLang="ko-KR" sz="1600" dirty="0"/>
+              <a:t>206</a:t>
+            </a:r>
+            <a:r>
+              <a:rPr lang="ko-KR" altLang="en-US" sz="1600" dirty="0"/>
+              <a:t>다음인 </a:t>
+            </a:r>
+            <a:r>
+              <a:rPr lang="en-US" altLang="ko-KR" sz="1600" dirty="0"/>
+              <a:t>207</a:t>
+            </a:r>
+            <a:r>
+              <a:rPr lang="ko-KR" altLang="en-US" sz="1600" dirty="0"/>
+              <a:t>번부터 생성될 것이다</a:t>
+            </a:r>
+            <a:r>
+              <a:rPr lang="en-US" altLang="ko-KR" sz="1600" dirty="0"/>
+              <a:t>. </a:t>
+            </a:r>
+            <a:r>
+              <a:rPr lang="ko-KR" altLang="en-US" sz="1600" dirty="0"/>
+              <a:t>그런데 </a:t>
+            </a:r>
+            <a:r>
+              <a:rPr lang="en-US" altLang="ko-KR" sz="1600" dirty="0"/>
+              <a:t>207</a:t>
+            </a:r>
+            <a:r>
+              <a:rPr lang="ko-KR" altLang="en-US" sz="1600" dirty="0"/>
+              <a:t>이란 숫자를 얻으려면 기존 사원번호 중 최대값을 구해 </a:t>
+            </a:r>
+            <a:r>
+              <a:rPr lang="en-US" altLang="ko-KR" sz="1600" dirty="0"/>
+              <a:t>1</a:t>
+            </a:r>
+            <a:r>
+              <a:rPr lang="ko-KR" altLang="en-US" sz="1600" dirty="0"/>
+              <a:t>을 더해야 한다</a:t>
+            </a:r>
+            <a:r>
+              <a:rPr lang="en-US" altLang="ko-KR" sz="1600" dirty="0"/>
+              <a:t>.</a:t>
+            </a:r>
+            <a:endParaRPr lang="ko-KR" altLang="en-US" sz="1600" dirty="0"/>
+          </a:p>
+        </p:txBody>
+      </p:sp>
+      <p:sp>
+        <p:nvSpPr>
+          <p:cNvPr id="3" name="직사각형 2"/>
+          <p:cNvSpPr/>
+          <p:nvPr/>
+        </p:nvSpPr>
+        <p:spPr>
+          <a:xfrm>
+            <a:off x="5079911" y="3717032"/>
+            <a:ext cx="3240360" cy="1569660"/>
+          </a:xfrm>
+          <a:prstGeom prst="rect">
+            <a:avLst/>
+          </a:prstGeom>
+        </p:spPr>
+        <p:txBody>
+          <a:bodyPr wrap="square">
+            <a:spAutoFit/>
+          </a:bodyPr>
+          <a:lstStyle/>
+          <a:p>
+            <a:pPr>
+              <a:lnSpc>
+                <a:spcPct val="150000"/>
+              </a:lnSpc>
+            </a:pPr>
+            <a:r>
+              <a:rPr lang="en-US" altLang="ko-KR" sz="1600" dirty="0" err="1"/>
+              <a:t>mySeq</a:t>
+            </a:r>
+            <a:r>
+              <a:rPr lang="ko-KR" altLang="en-US" sz="1600" dirty="0"/>
+              <a:t>는 </a:t>
+            </a:r>
+            <a:r>
+              <a:rPr lang="en-US" altLang="ko-KR" sz="1600" dirty="0"/>
+              <a:t>1</a:t>
+            </a:r>
+            <a:r>
+              <a:rPr lang="ko-KR" altLang="en-US" sz="1600" dirty="0"/>
+              <a:t>부터 시작해 </a:t>
+            </a:r>
+          </a:p>
+          <a:p>
+            <a:pPr>
+              <a:lnSpc>
+                <a:spcPct val="150000"/>
+              </a:lnSpc>
+            </a:pPr>
+            <a:r>
+              <a:rPr lang="en-US" altLang="ko-KR" sz="1600" dirty="0"/>
+              <a:t>1</a:t>
+            </a:r>
+            <a:r>
+              <a:rPr lang="ko-KR" altLang="en-US" sz="1600" dirty="0"/>
+              <a:t>씩 증가하며 </a:t>
+            </a:r>
+          </a:p>
+          <a:p>
+            <a:pPr>
+              <a:lnSpc>
+                <a:spcPct val="150000"/>
+              </a:lnSpc>
+            </a:pPr>
+            <a:r>
+              <a:rPr lang="ko-KR" altLang="en-US" sz="1600" dirty="0"/>
+              <a:t>최소값 </a:t>
+            </a:r>
+            <a:r>
+              <a:rPr lang="en-US" altLang="ko-KR" sz="1600" dirty="0"/>
+              <a:t>1</a:t>
+            </a:r>
+            <a:r>
+              <a:rPr lang="ko-KR" altLang="en-US" sz="1600" dirty="0"/>
+              <a:t>부터 최댓값 </a:t>
+            </a:r>
+            <a:r>
+              <a:rPr lang="en-US" altLang="ko-KR" sz="1600" dirty="0"/>
+              <a:t>1000</a:t>
+            </a:r>
+            <a:r>
+              <a:rPr lang="ko-KR" altLang="en-US" sz="1600" dirty="0"/>
+              <a:t>까지</a:t>
+            </a:r>
+          </a:p>
+          <a:p>
+            <a:pPr>
+              <a:lnSpc>
+                <a:spcPct val="150000"/>
+              </a:lnSpc>
+            </a:pPr>
+            <a:r>
+              <a:rPr lang="ko-KR" altLang="en-US" sz="1600" dirty="0"/>
+              <a:t>순번을 자동 생성함</a:t>
+            </a:r>
+          </a:p>
+        </p:txBody>
+      </p:sp>
+    </p:spTree>
+    <p:extLst>
+      <p:ext uri="{BB962C8B-B14F-4D97-AF65-F5344CB8AC3E}">
+        <p14:creationId xmlns:p14="http://schemas.microsoft.com/office/powerpoint/2010/main" val="4090387880"/>
+      </p:ext>
+    </p:extLst>
+  </p:cSld>
+  <p:clrMapOvr>
+    <a:masterClrMapping/>
+  </p:clrMapOvr>
+</p:sld>
+</file>
+
+<file path=ppt/slides/slide35.xml><?xml version="1.0" encoding="utf-8"?>
+<p:sld xmlns:a="http://schemas.openxmlformats.org/drawingml/2006/main" xmlns:r="http://schemas.openxmlformats.org/officeDocument/2006/relationships" xmlns:p="http://schemas.openxmlformats.org/presentationml/2006/main">
+  <p:cSld>
+    <p:spTree>
+      <p:nvGrpSpPr>
+        <p:cNvPr id="1" name=""/>
+        <p:cNvGrpSpPr/>
+        <p:nvPr/>
+      </p:nvGrpSpPr>
+      <p:grpSpPr>
+        <a:xfrm>
+          <a:off x="0" y="0"/>
+          <a:ext cx="0" cy="0"/>
+          <a:chOff x="0" y="0"/>
+          <a:chExt cx="0" cy="0"/>
+        </a:xfrm>
+      </p:grpSpPr>
+      <p:sp>
+        <p:nvSpPr>
+          <p:cNvPr id="2" name="제목 1"/>
+          <p:cNvSpPr>
+            <a:spLocks noGrp="1"/>
+          </p:cNvSpPr>
+          <p:nvPr>
+            <p:ph type="title"/>
+          </p:nvPr>
+        </p:nvSpPr>
+        <p:spPr/>
+        <p:txBody>
+          <a:bodyPr>
+            <a:normAutofit/>
+          </a:bodyPr>
+          <a:lstStyle/>
+          <a:p>
+            <a:r>
+              <a:rPr lang="en-US" altLang="ko-KR" sz="2800" dirty="0" smtClean="0"/>
+              <a:t>  </a:t>
+            </a:r>
+            <a:r>
+              <a:rPr lang="ko-KR" altLang="en-US" sz="2800" dirty="0"/>
+              <a:t>게시판 테이블 생성</a:t>
+            </a:r>
+          </a:p>
+        </p:txBody>
+      </p:sp>
+      <p:sp>
+        <p:nvSpPr>
+          <p:cNvPr id="4" name="슬라이드 번호 개체 틀 3"/>
+          <p:cNvSpPr>
+            <a:spLocks noGrp="1"/>
+          </p:cNvSpPr>
+          <p:nvPr>
+            <p:ph type="sldNum" sz="quarter" idx="12"/>
+          </p:nvPr>
+        </p:nvSpPr>
+        <p:spPr/>
+        <p:txBody>
+          <a:bodyPr/>
+          <a:lstStyle/>
+          <a:p>
+            <a:fld id="{1BDE3FE7-3AEA-4B05-AC5A-802D1816ACF0}" type="slidenum">
+              <a:rPr lang="ko-KR" altLang="en-US" smtClean="0"/>
+              <a:t>35</a:t>
+            </a:fld>
+            <a:endParaRPr lang="ko-KR" altLang="en-US"/>
+          </a:p>
+        </p:txBody>
+      </p:sp>
+      <p:sp>
+        <p:nvSpPr>
+          <p:cNvPr id="8" name="TextBox 7"/>
+          <p:cNvSpPr txBox="1"/>
+          <p:nvPr/>
+        </p:nvSpPr>
+        <p:spPr>
+          <a:xfrm>
+            <a:off x="827584" y="1193356"/>
+            <a:ext cx="3816424" cy="400110"/>
+          </a:xfrm>
+          <a:prstGeom prst="rect">
+            <a:avLst/>
+          </a:prstGeom>
+          <a:noFill/>
+        </p:spPr>
+        <p:txBody>
+          <a:bodyPr wrap="square" rtlCol="0">
+            <a:spAutoFit/>
+          </a:bodyPr>
+          <a:lstStyle/>
+          <a:p>
+            <a:pPr marL="342900" indent="-342900">
+              <a:buFont typeface="Wingdings" panose="05000000000000000000" pitchFamily="2" charset="2"/>
+              <a:buChar char="l"/>
+            </a:pPr>
+            <a:r>
+              <a:rPr lang="ko-KR" altLang="en-US" sz="2000" b="1" dirty="0" smtClean="0"/>
+              <a:t>게시판 </a:t>
+            </a:r>
+            <a:r>
+              <a:rPr lang="en-US" altLang="ko-KR" sz="2000" b="1" dirty="0" smtClean="0"/>
+              <a:t>– BOARD</a:t>
+            </a:r>
+            <a:endParaRPr lang="ko-KR" altLang="en-US" sz="2000" b="1" dirty="0"/>
+          </a:p>
+        </p:txBody>
+      </p:sp>
+      <p:pic>
+        <p:nvPicPr>
+          <p:cNvPr id="5" name="그림 4"/>
+          <p:cNvPicPr>
+            <a:picLocks noChangeAspect="1"/>
+          </p:cNvPicPr>
+          <p:nvPr/>
+        </p:nvPicPr>
+        <p:blipFill>
+          <a:blip r:embed="rId2">
+            <a:extLst>
+              <a:ext uri="{28A0092B-C50C-407E-A947-70E740481C1C}">
+                <a14:useLocalDpi xmlns:a14="http://schemas.microsoft.com/office/drawing/2010/main" val="0"/>
+              </a:ext>
+            </a:extLst>
+          </a:blip>
+          <a:stretch>
+            <a:fillRect/>
+          </a:stretch>
+        </p:blipFill>
+        <p:spPr>
+          <a:xfrm>
+            <a:off x="1187624" y="1772816"/>
+            <a:ext cx="6690940" cy="3817951"/>
           </a:xfrm>
           <a:prstGeom prst="rect">
             <a:avLst/>
@@ -13252,13 +14477,987 @@
     </p:spTree>
     <p:extLst>
       <p:ext uri="{BB962C8B-B14F-4D97-AF65-F5344CB8AC3E}">
-        <p14:creationId xmlns:p14="http://schemas.microsoft.com/office/powerpoint/2010/main" val="2073203878"/>
+        <p14:creationId xmlns:p14="http://schemas.microsoft.com/office/powerpoint/2010/main" val="2397530187"/>
       </p:ext>
     </p:extLst>
   </p:cSld>
   <p:clrMapOvr>
     <a:masterClrMapping/>
   </p:clrMapOvr>
+  <p:timing>
+    <p:tnLst>
+      <p:par>
+        <p:cTn id="1" dur="indefinite" restart="never" nodeType="tmRoot"/>
+      </p:par>
+    </p:tnLst>
+  </p:timing>
+</p:sld>
+</file>
+
+<file path=ppt/slides/slide36.xml><?xml version="1.0" encoding="utf-8"?>
+<p:sld xmlns:a="http://schemas.openxmlformats.org/drawingml/2006/main" xmlns:r="http://schemas.openxmlformats.org/officeDocument/2006/relationships" xmlns:p="http://schemas.openxmlformats.org/presentationml/2006/main">
+  <p:cSld>
+    <p:spTree>
+      <p:nvGrpSpPr>
+        <p:cNvPr id="1" name=""/>
+        <p:cNvGrpSpPr/>
+        <p:nvPr/>
+      </p:nvGrpSpPr>
+      <p:grpSpPr>
+        <a:xfrm>
+          <a:off x="0" y="0"/>
+          <a:ext cx="0" cy="0"/>
+          <a:chOff x="0" y="0"/>
+          <a:chExt cx="0" cy="0"/>
+        </a:xfrm>
+      </p:grpSpPr>
+      <p:sp>
+        <p:nvSpPr>
+          <p:cNvPr id="2" name="제목 1"/>
+          <p:cNvSpPr>
+            <a:spLocks noGrp="1"/>
+          </p:cNvSpPr>
+          <p:nvPr>
+            <p:ph type="title"/>
+          </p:nvPr>
+        </p:nvSpPr>
+        <p:spPr/>
+        <p:txBody>
+          <a:bodyPr>
+            <a:normAutofit/>
+          </a:bodyPr>
+          <a:lstStyle/>
+          <a:p>
+            <a:r>
+              <a:rPr lang="en-US" altLang="ko-KR" sz="2800" dirty="0" smtClean="0"/>
+              <a:t> </a:t>
+            </a:r>
+            <a:r>
+              <a:rPr lang="ko-KR" altLang="en-US" sz="2800" dirty="0"/>
+              <a:t>게시판 테이블</a:t>
+            </a:r>
+          </a:p>
+        </p:txBody>
+      </p:sp>
+      <p:sp>
+        <p:nvSpPr>
+          <p:cNvPr id="4" name="슬라이드 번호 개체 틀 3"/>
+          <p:cNvSpPr>
+            <a:spLocks noGrp="1"/>
+          </p:cNvSpPr>
+          <p:nvPr>
+            <p:ph type="sldNum" sz="quarter" idx="12"/>
+          </p:nvPr>
+        </p:nvSpPr>
+        <p:spPr/>
+        <p:txBody>
+          <a:bodyPr/>
+          <a:lstStyle/>
+          <a:p>
+            <a:fld id="{1BDE3FE7-3AEA-4B05-AC5A-802D1816ACF0}" type="slidenum">
+              <a:rPr lang="ko-KR" altLang="en-US" smtClean="0"/>
+              <a:t>36</a:t>
+            </a:fld>
+            <a:endParaRPr lang="ko-KR" altLang="en-US"/>
+          </a:p>
+        </p:txBody>
+      </p:sp>
+      <p:pic>
+        <p:nvPicPr>
+          <p:cNvPr id="3" name="그림 2"/>
+          <p:cNvPicPr>
+            <a:picLocks noChangeAspect="1"/>
+          </p:cNvPicPr>
+          <p:nvPr/>
+        </p:nvPicPr>
+        <p:blipFill rotWithShape="1">
+          <a:blip r:embed="rId2">
+            <a:extLst>
+              <a:ext uri="{28A0092B-C50C-407E-A947-70E740481C1C}">
+                <a14:useLocalDpi xmlns:a14="http://schemas.microsoft.com/office/drawing/2010/main" val="0"/>
+              </a:ext>
+            </a:extLst>
+          </a:blip>
+          <a:srcRect b="14773"/>
+          <a:stretch/>
+        </p:blipFill>
+        <p:spPr>
+          <a:xfrm>
+            <a:off x="1259632" y="1772816"/>
+            <a:ext cx="5166808" cy="3312368"/>
+          </a:xfrm>
+          <a:prstGeom prst="rect">
+            <a:avLst/>
+          </a:prstGeom>
+          <a:ln>
+            <a:solidFill>
+              <a:schemeClr val="bg1">
+                <a:lumMod val="85000"/>
+              </a:schemeClr>
+            </a:solidFill>
+          </a:ln>
+        </p:spPr>
+      </p:pic>
+      <p:sp>
+        <p:nvSpPr>
+          <p:cNvPr id="7" name="TextBox 6"/>
+          <p:cNvSpPr txBox="1"/>
+          <p:nvPr/>
+        </p:nvSpPr>
+        <p:spPr>
+          <a:xfrm>
+            <a:off x="827584" y="1193356"/>
+            <a:ext cx="3816424" cy="400110"/>
+          </a:xfrm>
+          <a:prstGeom prst="rect">
+            <a:avLst/>
+          </a:prstGeom>
+          <a:noFill/>
+        </p:spPr>
+        <p:txBody>
+          <a:bodyPr wrap="square" rtlCol="0">
+            <a:spAutoFit/>
+          </a:bodyPr>
+          <a:lstStyle/>
+          <a:p>
+            <a:pPr marL="342900" indent="-342900">
+              <a:buFont typeface="Wingdings" panose="05000000000000000000" pitchFamily="2" charset="2"/>
+              <a:buChar char="l"/>
+            </a:pPr>
+            <a:r>
+              <a:rPr lang="ko-KR" altLang="en-US" sz="2000" b="1" dirty="0" smtClean="0"/>
+              <a:t>게시판 </a:t>
+            </a:r>
+            <a:r>
+              <a:rPr lang="en-US" altLang="ko-KR" sz="2000" b="1" dirty="0" smtClean="0"/>
+              <a:t>– BOARD</a:t>
+            </a:r>
+            <a:endParaRPr lang="ko-KR" altLang="en-US" sz="2000" b="1" dirty="0"/>
+          </a:p>
+        </p:txBody>
+      </p:sp>
+      <p:pic>
+        <p:nvPicPr>
+          <p:cNvPr id="9" name="그림 8"/>
+          <p:cNvPicPr>
+            <a:picLocks noChangeAspect="1"/>
+          </p:cNvPicPr>
+          <p:nvPr/>
+        </p:nvPicPr>
+        <p:blipFill rotWithShape="1">
+          <a:blip r:embed="rId3">
+            <a:extLst>
+              <a:ext uri="{28A0092B-C50C-407E-A947-70E740481C1C}">
+                <a14:useLocalDpi xmlns:a14="http://schemas.microsoft.com/office/drawing/2010/main" val="0"/>
+              </a:ext>
+            </a:extLst>
+          </a:blip>
+          <a:srcRect r="12969" b="80037"/>
+          <a:stretch/>
+        </p:blipFill>
+        <p:spPr>
+          <a:xfrm>
+            <a:off x="1259632" y="5256827"/>
+            <a:ext cx="5544616" cy="864096"/>
+          </a:xfrm>
+          <a:prstGeom prst="rect">
+            <a:avLst/>
+          </a:prstGeom>
+          <a:ln>
+            <a:solidFill>
+              <a:schemeClr val="bg1">
+                <a:lumMod val="85000"/>
+              </a:schemeClr>
+            </a:solidFill>
+          </a:ln>
+        </p:spPr>
+      </p:pic>
+    </p:spTree>
+    <p:extLst>
+      <p:ext uri="{BB962C8B-B14F-4D97-AF65-F5344CB8AC3E}">
+        <p14:creationId xmlns:p14="http://schemas.microsoft.com/office/powerpoint/2010/main" val="3737547154"/>
+      </p:ext>
+    </p:extLst>
+  </p:cSld>
+  <p:clrMapOvr>
+    <a:masterClrMapping/>
+  </p:clrMapOvr>
+  <p:timing>
+    <p:tnLst>
+      <p:par>
+        <p:cTn id="1" dur="indefinite" restart="never" nodeType="tmRoot"/>
+      </p:par>
+    </p:tnLst>
+  </p:timing>
+</p:sld>
+</file>
+
+<file path=ppt/slides/slide37.xml><?xml version="1.0" encoding="utf-8"?>
+<p:sld xmlns:a="http://schemas.openxmlformats.org/drawingml/2006/main" xmlns:r="http://schemas.openxmlformats.org/officeDocument/2006/relationships" xmlns:p="http://schemas.openxmlformats.org/presentationml/2006/main">
+  <p:cSld>
+    <p:spTree>
+      <p:nvGrpSpPr>
+        <p:cNvPr id="1" name=""/>
+        <p:cNvGrpSpPr/>
+        <p:nvPr/>
+      </p:nvGrpSpPr>
+      <p:grpSpPr>
+        <a:xfrm>
+          <a:off x="0" y="0"/>
+          <a:ext cx="0" cy="0"/>
+          <a:chOff x="0" y="0"/>
+          <a:chExt cx="0" cy="0"/>
+        </a:xfrm>
+      </p:grpSpPr>
+      <p:sp>
+        <p:nvSpPr>
+          <p:cNvPr id="2" name="제목 1"/>
+          <p:cNvSpPr>
+            <a:spLocks noGrp="1"/>
+          </p:cNvSpPr>
+          <p:nvPr>
+            <p:ph type="title"/>
+          </p:nvPr>
+        </p:nvSpPr>
+        <p:spPr/>
+        <p:txBody>
+          <a:bodyPr>
+            <a:normAutofit/>
+          </a:bodyPr>
+          <a:lstStyle/>
+          <a:p>
+            <a:r>
+              <a:rPr lang="en-US" altLang="ko-KR" sz="2800" dirty="0" smtClean="0"/>
+              <a:t>  ROWNUM</a:t>
+            </a:r>
+            <a:endParaRPr lang="ko-KR" altLang="en-US" sz="2800" dirty="0"/>
+          </a:p>
+        </p:txBody>
+      </p:sp>
+      <p:sp>
+        <p:nvSpPr>
+          <p:cNvPr id="4" name="슬라이드 번호 개체 틀 3"/>
+          <p:cNvSpPr>
+            <a:spLocks noGrp="1"/>
+          </p:cNvSpPr>
+          <p:nvPr>
+            <p:ph type="sldNum" sz="quarter" idx="12"/>
+          </p:nvPr>
+        </p:nvSpPr>
+        <p:spPr/>
+        <p:txBody>
+          <a:bodyPr/>
+          <a:lstStyle/>
+          <a:p>
+            <a:fld id="{1BDE3FE7-3AEA-4B05-AC5A-802D1816ACF0}" type="slidenum">
+              <a:rPr lang="ko-KR" altLang="en-US" smtClean="0"/>
+              <a:t>37</a:t>
+            </a:fld>
+            <a:endParaRPr lang="ko-KR" altLang="en-US"/>
+          </a:p>
+        </p:txBody>
+      </p:sp>
+      <p:sp>
+        <p:nvSpPr>
+          <p:cNvPr id="8" name="TextBox 7"/>
+          <p:cNvSpPr txBox="1"/>
+          <p:nvPr/>
+        </p:nvSpPr>
+        <p:spPr>
+          <a:xfrm>
+            <a:off x="827584" y="1193356"/>
+            <a:ext cx="3816424" cy="400110"/>
+          </a:xfrm>
+          <a:prstGeom prst="rect">
+            <a:avLst/>
+          </a:prstGeom>
+          <a:noFill/>
+        </p:spPr>
+        <p:txBody>
+          <a:bodyPr wrap="square" rtlCol="0">
+            <a:spAutoFit/>
+          </a:bodyPr>
+          <a:lstStyle/>
+          <a:p>
+            <a:pPr marL="342900" indent="-342900">
+              <a:buFont typeface="Wingdings" panose="05000000000000000000" pitchFamily="2" charset="2"/>
+              <a:buChar char="l"/>
+            </a:pPr>
+            <a:r>
+              <a:rPr lang="en-US" altLang="ko-KR" sz="2000" b="1" dirty="0" smtClean="0"/>
+              <a:t>ROWNUM</a:t>
+            </a:r>
+            <a:endParaRPr lang="ko-KR" altLang="en-US" sz="2000" b="1" dirty="0"/>
+          </a:p>
+        </p:txBody>
+      </p:sp>
+      <p:pic>
+        <p:nvPicPr>
+          <p:cNvPr id="7" name="그림 6"/>
+          <p:cNvPicPr>
+            <a:picLocks noChangeAspect="1"/>
+          </p:cNvPicPr>
+          <p:nvPr/>
+        </p:nvPicPr>
+        <p:blipFill rotWithShape="1">
+          <a:blip r:embed="rId2">
+            <a:extLst>
+              <a:ext uri="{28A0092B-C50C-407E-A947-70E740481C1C}">
+                <a14:useLocalDpi xmlns:a14="http://schemas.microsoft.com/office/drawing/2010/main" val="0"/>
+              </a:ext>
+            </a:extLst>
+          </a:blip>
+          <a:srcRect t="21917" b="46786"/>
+          <a:stretch/>
+        </p:blipFill>
+        <p:spPr>
+          <a:xfrm>
+            <a:off x="1256486" y="3789040"/>
+            <a:ext cx="6775043" cy="1440648"/>
+          </a:xfrm>
+          <a:prstGeom prst="rect">
+            <a:avLst/>
+          </a:prstGeom>
+          <a:ln>
+            <a:solidFill>
+              <a:schemeClr val="bg1">
+                <a:lumMod val="85000"/>
+              </a:schemeClr>
+            </a:solidFill>
+          </a:ln>
+        </p:spPr>
+      </p:pic>
+      <p:sp>
+        <p:nvSpPr>
+          <p:cNvPr id="6" name="TextBox 5"/>
+          <p:cNvSpPr txBox="1"/>
+          <p:nvPr/>
+        </p:nvSpPr>
+        <p:spPr>
+          <a:xfrm>
+            <a:off x="1187624" y="1593466"/>
+            <a:ext cx="6840760" cy="1938992"/>
+          </a:xfrm>
+          <a:prstGeom prst="rect">
+            <a:avLst/>
+          </a:prstGeom>
+          <a:noFill/>
+        </p:spPr>
+        <p:txBody>
+          <a:bodyPr wrap="square" rtlCol="0">
+            <a:spAutoFit/>
+          </a:bodyPr>
+          <a:lstStyle/>
+          <a:p>
+            <a:pPr marL="285750" indent="-285750">
+              <a:lnSpc>
+                <a:spcPct val="150000"/>
+              </a:lnSpc>
+              <a:buFontTx/>
+              <a:buChar char="-"/>
+            </a:pPr>
+            <a:r>
+              <a:rPr lang="en-US" altLang="ko-KR" sz="1600" dirty="0" smtClean="0"/>
+              <a:t>ROWNUM</a:t>
+            </a:r>
+            <a:r>
+              <a:rPr lang="ko-KR" altLang="en-US" sz="1600" dirty="0" smtClean="0"/>
+              <a:t>은 </a:t>
+            </a:r>
+            <a:r>
+              <a:rPr lang="en-US" altLang="ko-KR" sz="1600" dirty="0" smtClean="0"/>
+              <a:t>ORACLE </a:t>
+            </a:r>
+            <a:r>
+              <a:rPr lang="ko-KR" altLang="en-US" sz="1600" dirty="0" smtClean="0"/>
+              <a:t>데이터베이스의 </a:t>
+            </a:r>
+            <a:r>
+              <a:rPr lang="en-US" altLang="ko-KR" sz="1600" dirty="0" smtClean="0"/>
+              <a:t>SELECT</a:t>
+            </a:r>
+            <a:r>
+              <a:rPr lang="ko-KR" altLang="en-US" sz="1600" dirty="0" smtClean="0"/>
+              <a:t>문 결과에 대해서 논리적인 일련번호를 부여한다</a:t>
+            </a:r>
+            <a:r>
+              <a:rPr lang="en-US" altLang="ko-KR" sz="1600" dirty="0" smtClean="0"/>
+              <a:t>.</a:t>
+            </a:r>
+          </a:p>
+          <a:p>
+            <a:pPr marL="285750" indent="-285750">
+              <a:lnSpc>
+                <a:spcPct val="150000"/>
+              </a:lnSpc>
+              <a:buFontTx/>
+              <a:buChar char="-"/>
+            </a:pPr>
+            <a:r>
+              <a:rPr lang="en-US" altLang="ko-KR" sz="1600" dirty="0" smtClean="0"/>
+              <a:t>ROWNUM</a:t>
+            </a:r>
+            <a:r>
+              <a:rPr lang="ko-KR" altLang="en-US" sz="1600" dirty="0" smtClean="0"/>
+              <a:t>은 조회되는 행 수를 제한할 때 사용한다</a:t>
+            </a:r>
+            <a:r>
+              <a:rPr lang="en-US" altLang="ko-KR" sz="1600" dirty="0" smtClean="0"/>
+              <a:t>.</a:t>
+            </a:r>
+          </a:p>
+          <a:p>
+            <a:pPr marL="285750" indent="-285750">
+              <a:lnSpc>
+                <a:spcPct val="150000"/>
+              </a:lnSpc>
+              <a:buFontTx/>
+              <a:buChar char="-"/>
+            </a:pPr>
+            <a:r>
+              <a:rPr lang="en-US" altLang="ko-KR" sz="1600" dirty="0" smtClean="0"/>
+              <a:t>ROWNUM</a:t>
+            </a:r>
+            <a:r>
+              <a:rPr lang="ko-KR" altLang="en-US" sz="1600" dirty="0" smtClean="0"/>
+              <a:t>을 사용해서 페이지 단위 출력을 위해서는 인라인 뷰</a:t>
+            </a:r>
+            <a:r>
+              <a:rPr lang="en-US" altLang="ko-KR" sz="1600" dirty="0" smtClean="0"/>
+              <a:t>(Inline view)</a:t>
+            </a:r>
+            <a:r>
+              <a:rPr lang="ko-KR" altLang="en-US" sz="1600" dirty="0" smtClean="0"/>
+              <a:t>를 사용해야 한다</a:t>
+            </a:r>
+            <a:r>
+              <a:rPr lang="en-US" altLang="ko-KR" sz="1600" dirty="0" smtClean="0"/>
+              <a:t>.</a:t>
+            </a:r>
+            <a:endParaRPr lang="ko-KR" altLang="en-US" sz="1600" dirty="0"/>
+          </a:p>
+        </p:txBody>
+      </p:sp>
+    </p:spTree>
+    <p:extLst>
+      <p:ext uri="{BB962C8B-B14F-4D97-AF65-F5344CB8AC3E}">
+        <p14:creationId xmlns:p14="http://schemas.microsoft.com/office/powerpoint/2010/main" val="311725796"/>
+      </p:ext>
+    </p:extLst>
+  </p:cSld>
+  <p:clrMapOvr>
+    <a:masterClrMapping/>
+  </p:clrMapOvr>
+  <p:timing>
+    <p:tnLst>
+      <p:par>
+        <p:cTn id="1" dur="indefinite" restart="never" nodeType="tmRoot"/>
+      </p:par>
+    </p:tnLst>
+  </p:timing>
+</p:sld>
+</file>
+
+<file path=ppt/slides/slide38.xml><?xml version="1.0" encoding="utf-8"?>
+<p:sld xmlns:a="http://schemas.openxmlformats.org/drawingml/2006/main" xmlns:r="http://schemas.openxmlformats.org/officeDocument/2006/relationships" xmlns:p="http://schemas.openxmlformats.org/presentationml/2006/main">
+  <p:cSld>
+    <p:spTree>
+      <p:nvGrpSpPr>
+        <p:cNvPr id="1" name=""/>
+        <p:cNvGrpSpPr/>
+        <p:nvPr/>
+      </p:nvGrpSpPr>
+      <p:grpSpPr>
+        <a:xfrm>
+          <a:off x="0" y="0"/>
+          <a:ext cx="0" cy="0"/>
+          <a:chOff x="0" y="0"/>
+          <a:chExt cx="0" cy="0"/>
+        </a:xfrm>
+      </p:grpSpPr>
+      <p:sp>
+        <p:nvSpPr>
+          <p:cNvPr id="2" name="제목 1"/>
+          <p:cNvSpPr>
+            <a:spLocks noGrp="1"/>
+          </p:cNvSpPr>
+          <p:nvPr>
+            <p:ph type="title"/>
+          </p:nvPr>
+        </p:nvSpPr>
+        <p:spPr/>
+        <p:txBody>
+          <a:bodyPr>
+            <a:normAutofit/>
+          </a:bodyPr>
+          <a:lstStyle/>
+          <a:p>
+            <a:r>
+              <a:rPr lang="en-US" altLang="ko-KR" sz="2800" dirty="0" smtClean="0"/>
+              <a:t>  ROWNUM</a:t>
+            </a:r>
+            <a:endParaRPr lang="ko-KR" altLang="en-US" sz="2800" dirty="0"/>
+          </a:p>
+        </p:txBody>
+      </p:sp>
+      <p:sp>
+        <p:nvSpPr>
+          <p:cNvPr id="4" name="슬라이드 번호 개체 틀 3"/>
+          <p:cNvSpPr>
+            <a:spLocks noGrp="1"/>
+          </p:cNvSpPr>
+          <p:nvPr>
+            <p:ph type="sldNum" sz="quarter" idx="12"/>
+          </p:nvPr>
+        </p:nvSpPr>
+        <p:spPr/>
+        <p:txBody>
+          <a:bodyPr/>
+          <a:lstStyle/>
+          <a:p>
+            <a:fld id="{1BDE3FE7-3AEA-4B05-AC5A-802D1816ACF0}" type="slidenum">
+              <a:rPr lang="ko-KR" altLang="en-US" smtClean="0"/>
+              <a:t>38</a:t>
+            </a:fld>
+            <a:endParaRPr lang="ko-KR" altLang="en-US"/>
+          </a:p>
+        </p:txBody>
+      </p:sp>
+      <p:sp>
+        <p:nvSpPr>
+          <p:cNvPr id="8" name="TextBox 7"/>
+          <p:cNvSpPr txBox="1"/>
+          <p:nvPr/>
+        </p:nvSpPr>
+        <p:spPr>
+          <a:xfrm>
+            <a:off x="827584" y="1193356"/>
+            <a:ext cx="3816424" cy="400110"/>
+          </a:xfrm>
+          <a:prstGeom prst="rect">
+            <a:avLst/>
+          </a:prstGeom>
+          <a:noFill/>
+        </p:spPr>
+        <p:txBody>
+          <a:bodyPr wrap="square" rtlCol="0">
+            <a:spAutoFit/>
+          </a:bodyPr>
+          <a:lstStyle/>
+          <a:p>
+            <a:pPr marL="342900" indent="-342900">
+              <a:buFont typeface="Wingdings" panose="05000000000000000000" pitchFamily="2" charset="2"/>
+              <a:buChar char="l"/>
+            </a:pPr>
+            <a:r>
+              <a:rPr lang="en-US" altLang="ko-KR" sz="2000" b="1" dirty="0" smtClean="0"/>
+              <a:t>ROWNUM – </a:t>
+            </a:r>
+            <a:r>
+              <a:rPr lang="ko-KR" altLang="en-US" sz="2000" b="1" dirty="0" smtClean="0"/>
+              <a:t>페이지 처리</a:t>
+            </a:r>
+            <a:endParaRPr lang="ko-KR" altLang="en-US" sz="2000" b="1" dirty="0"/>
+          </a:p>
+        </p:txBody>
+      </p:sp>
+      <p:pic>
+        <p:nvPicPr>
+          <p:cNvPr id="7" name="그림 6"/>
+          <p:cNvPicPr>
+            <a:picLocks noChangeAspect="1"/>
+          </p:cNvPicPr>
+          <p:nvPr/>
+        </p:nvPicPr>
+        <p:blipFill rotWithShape="1">
+          <a:blip r:embed="rId2">
+            <a:extLst>
+              <a:ext uri="{28A0092B-C50C-407E-A947-70E740481C1C}">
+                <a14:useLocalDpi xmlns:a14="http://schemas.microsoft.com/office/drawing/2010/main" val="0"/>
+              </a:ext>
+            </a:extLst>
+          </a:blip>
+          <a:srcRect t="55188"/>
+          <a:stretch/>
+        </p:blipFill>
+        <p:spPr>
+          <a:xfrm>
+            <a:off x="1187624" y="1822092"/>
+            <a:ext cx="6546240" cy="1993088"/>
+          </a:xfrm>
+          <a:prstGeom prst="rect">
+            <a:avLst/>
+          </a:prstGeom>
+          <a:ln>
+            <a:solidFill>
+              <a:schemeClr val="bg1">
+                <a:lumMod val="85000"/>
+              </a:schemeClr>
+            </a:solidFill>
+          </a:ln>
+        </p:spPr>
+      </p:pic>
+      <p:pic>
+        <p:nvPicPr>
+          <p:cNvPr id="3" name="그림 2"/>
+          <p:cNvPicPr>
+            <a:picLocks noChangeAspect="1"/>
+          </p:cNvPicPr>
+          <p:nvPr/>
+        </p:nvPicPr>
+        <p:blipFill>
+          <a:blip r:embed="rId3">
+            <a:extLst>
+              <a:ext uri="{28A0092B-C50C-407E-A947-70E740481C1C}">
+                <a14:useLocalDpi xmlns:a14="http://schemas.microsoft.com/office/drawing/2010/main" val="0"/>
+              </a:ext>
+            </a:extLst>
+          </a:blip>
+          <a:stretch>
+            <a:fillRect/>
+          </a:stretch>
+        </p:blipFill>
+        <p:spPr>
+          <a:xfrm>
+            <a:off x="1979712" y="4077072"/>
+            <a:ext cx="4237087" cy="2110923"/>
+          </a:xfrm>
+          <a:prstGeom prst="rect">
+            <a:avLst/>
+          </a:prstGeom>
+          <a:ln>
+            <a:solidFill>
+              <a:schemeClr val="bg1">
+                <a:lumMod val="85000"/>
+              </a:schemeClr>
+            </a:solidFill>
+          </a:ln>
+        </p:spPr>
+      </p:pic>
+    </p:spTree>
+    <p:extLst>
+      <p:ext uri="{BB962C8B-B14F-4D97-AF65-F5344CB8AC3E}">
+        <p14:creationId xmlns:p14="http://schemas.microsoft.com/office/powerpoint/2010/main" val="423527939"/>
+      </p:ext>
+    </p:extLst>
+  </p:cSld>
+  <p:clrMapOvr>
+    <a:masterClrMapping/>
+  </p:clrMapOvr>
+  <p:timing>
+    <p:tnLst>
+      <p:par>
+        <p:cTn id="1" dur="indefinite" restart="never" nodeType="tmRoot"/>
+      </p:par>
+    </p:tnLst>
+  </p:timing>
+</p:sld>
+</file>
+
+<file path=ppt/slides/slide39.xml><?xml version="1.0" encoding="utf-8"?>
+<p:sld xmlns:a="http://schemas.openxmlformats.org/drawingml/2006/main" xmlns:r="http://schemas.openxmlformats.org/officeDocument/2006/relationships" xmlns:p="http://schemas.openxmlformats.org/presentationml/2006/main">
+  <p:cSld>
+    <p:spTree>
+      <p:nvGrpSpPr>
+        <p:cNvPr id="1" name=""/>
+        <p:cNvGrpSpPr/>
+        <p:nvPr/>
+      </p:nvGrpSpPr>
+      <p:grpSpPr>
+        <a:xfrm>
+          <a:off x="0" y="0"/>
+          <a:ext cx="0" cy="0"/>
+          <a:chOff x="0" y="0"/>
+          <a:chExt cx="0" cy="0"/>
+        </a:xfrm>
+      </p:grpSpPr>
+      <p:sp>
+        <p:nvSpPr>
+          <p:cNvPr id="2" name="제목 1"/>
+          <p:cNvSpPr>
+            <a:spLocks noGrp="1"/>
+          </p:cNvSpPr>
+          <p:nvPr>
+            <p:ph type="title"/>
+          </p:nvPr>
+        </p:nvSpPr>
+        <p:spPr/>
+        <p:txBody>
+          <a:bodyPr>
+            <a:normAutofit/>
+          </a:bodyPr>
+          <a:lstStyle/>
+          <a:p>
+            <a:r>
+              <a:rPr lang="en-US" altLang="ko-KR" sz="2800" dirty="0" smtClean="0"/>
+              <a:t>  ROWNUM</a:t>
+            </a:r>
+            <a:endParaRPr lang="ko-KR" altLang="en-US" sz="2800" dirty="0"/>
+          </a:p>
+        </p:txBody>
+      </p:sp>
+      <p:sp>
+        <p:nvSpPr>
+          <p:cNvPr id="4" name="슬라이드 번호 개체 틀 3"/>
+          <p:cNvSpPr>
+            <a:spLocks noGrp="1"/>
+          </p:cNvSpPr>
+          <p:nvPr>
+            <p:ph type="sldNum" sz="quarter" idx="12"/>
+          </p:nvPr>
+        </p:nvSpPr>
+        <p:spPr/>
+        <p:txBody>
+          <a:bodyPr/>
+          <a:lstStyle/>
+          <a:p>
+            <a:fld id="{1BDE3FE7-3AEA-4B05-AC5A-802D1816ACF0}" type="slidenum">
+              <a:rPr lang="ko-KR" altLang="en-US" smtClean="0"/>
+              <a:t>39</a:t>
+            </a:fld>
+            <a:endParaRPr lang="ko-KR" altLang="en-US"/>
+          </a:p>
+        </p:txBody>
+      </p:sp>
+      <p:sp>
+        <p:nvSpPr>
+          <p:cNvPr id="8" name="TextBox 7"/>
+          <p:cNvSpPr txBox="1"/>
+          <p:nvPr/>
+        </p:nvSpPr>
+        <p:spPr>
+          <a:xfrm>
+            <a:off x="827584" y="1193356"/>
+            <a:ext cx="3816424" cy="400110"/>
+          </a:xfrm>
+          <a:prstGeom prst="rect">
+            <a:avLst/>
+          </a:prstGeom>
+          <a:noFill/>
+        </p:spPr>
+        <p:txBody>
+          <a:bodyPr wrap="square" rtlCol="0">
+            <a:spAutoFit/>
+          </a:bodyPr>
+          <a:lstStyle/>
+          <a:p>
+            <a:pPr marL="342900" indent="-342900">
+              <a:buFont typeface="Wingdings" panose="05000000000000000000" pitchFamily="2" charset="2"/>
+              <a:buChar char="l"/>
+            </a:pPr>
+            <a:r>
+              <a:rPr lang="en-US" altLang="ko-KR" sz="2000" b="1" dirty="0" smtClean="0"/>
+              <a:t>ROWID</a:t>
+            </a:r>
+            <a:endParaRPr lang="ko-KR" altLang="en-US" sz="2000" b="1" dirty="0"/>
+          </a:p>
+        </p:txBody>
+      </p:sp>
+      <p:pic>
+        <p:nvPicPr>
+          <p:cNvPr id="3" name="그림 2"/>
+          <p:cNvPicPr>
+            <a:picLocks noChangeAspect="1"/>
+          </p:cNvPicPr>
+          <p:nvPr/>
+        </p:nvPicPr>
+        <p:blipFill rotWithShape="1">
+          <a:blip r:embed="rId2">
+            <a:extLst>
+              <a:ext uri="{28A0092B-C50C-407E-A947-70E740481C1C}">
+                <a14:useLocalDpi xmlns:a14="http://schemas.microsoft.com/office/drawing/2010/main" val="0"/>
+              </a:ext>
+            </a:extLst>
+          </a:blip>
+          <a:srcRect t="17140" r="24912"/>
+          <a:stretch/>
+        </p:blipFill>
+        <p:spPr>
+          <a:xfrm>
+            <a:off x="1691680" y="3384885"/>
+            <a:ext cx="5333087" cy="1578621"/>
+          </a:xfrm>
+          <a:prstGeom prst="rect">
+            <a:avLst/>
+          </a:prstGeom>
+          <a:ln>
+            <a:solidFill>
+              <a:schemeClr val="bg1">
+                <a:lumMod val="85000"/>
+              </a:schemeClr>
+            </a:solidFill>
+          </a:ln>
+        </p:spPr>
+      </p:pic>
+      <p:pic>
+        <p:nvPicPr>
+          <p:cNvPr id="6" name="그림 5"/>
+          <p:cNvPicPr>
+            <a:picLocks noChangeAspect="1"/>
+          </p:cNvPicPr>
+          <p:nvPr/>
+        </p:nvPicPr>
+        <p:blipFill>
+          <a:blip r:embed="rId3">
+            <a:extLst>
+              <a:ext uri="{28A0092B-C50C-407E-A947-70E740481C1C}">
+                <a14:useLocalDpi xmlns:a14="http://schemas.microsoft.com/office/drawing/2010/main" val="0"/>
+              </a:ext>
+            </a:extLst>
+          </a:blip>
+          <a:stretch>
+            <a:fillRect/>
+          </a:stretch>
+        </p:blipFill>
+        <p:spPr>
+          <a:xfrm>
+            <a:off x="2267744" y="5185265"/>
+            <a:ext cx="4061812" cy="914479"/>
+          </a:xfrm>
+          <a:prstGeom prst="rect">
+            <a:avLst/>
+          </a:prstGeom>
+          <a:ln>
+            <a:solidFill>
+              <a:schemeClr val="bg1">
+                <a:lumMod val="85000"/>
+              </a:schemeClr>
+            </a:solidFill>
+          </a:ln>
+        </p:spPr>
+      </p:pic>
+      <p:sp>
+        <p:nvSpPr>
+          <p:cNvPr id="9" name="TextBox 8"/>
+          <p:cNvSpPr txBox="1"/>
+          <p:nvPr/>
+        </p:nvSpPr>
+        <p:spPr>
+          <a:xfrm>
+            <a:off x="1187624" y="1593466"/>
+            <a:ext cx="6840760" cy="1569660"/>
+          </a:xfrm>
+          <a:prstGeom prst="rect">
+            <a:avLst/>
+          </a:prstGeom>
+          <a:noFill/>
+        </p:spPr>
+        <p:txBody>
+          <a:bodyPr wrap="square" rtlCol="0">
+            <a:spAutoFit/>
+          </a:bodyPr>
+          <a:lstStyle/>
+          <a:p>
+            <a:pPr marL="285750" indent="-285750">
+              <a:lnSpc>
+                <a:spcPct val="150000"/>
+              </a:lnSpc>
+              <a:buFontTx/>
+              <a:buChar char="-"/>
+            </a:pPr>
+            <a:r>
+              <a:rPr lang="ko-KR" altLang="en-US" sz="1600" dirty="0"/>
+              <a:t>데이터를 구분할 수 있는 </a:t>
+            </a:r>
+            <a:r>
+              <a:rPr lang="ko-KR" altLang="en-US" sz="1600" dirty="0" smtClean="0"/>
+              <a:t>유일한 값이다</a:t>
+            </a:r>
+            <a:r>
+              <a:rPr lang="en-US" altLang="ko-KR" sz="1600" dirty="0" smtClean="0"/>
+              <a:t>. </a:t>
+            </a:r>
+          </a:p>
+          <a:p>
+            <a:pPr marL="285750" indent="-285750">
+              <a:lnSpc>
+                <a:spcPct val="150000"/>
+              </a:lnSpc>
+              <a:buFontTx/>
+              <a:buChar char="-"/>
+            </a:pPr>
+            <a:r>
+              <a:rPr lang="en-US" altLang="ko-KR" sz="1600" dirty="0" smtClean="0"/>
+              <a:t>ROWID</a:t>
+            </a:r>
+            <a:r>
+              <a:rPr lang="ko-KR" altLang="en-US" sz="1600" dirty="0" smtClean="0"/>
+              <a:t>를 통해서 데이터가 어떤 데이터 파일</a:t>
+            </a:r>
+            <a:r>
+              <a:rPr lang="en-US" altLang="ko-KR" sz="1600" dirty="0" smtClean="0"/>
+              <a:t>, </a:t>
+            </a:r>
+            <a:r>
+              <a:rPr lang="ko-KR" altLang="en-US" sz="1600" dirty="0" smtClean="0"/>
+              <a:t>어느 블록에 저장되어 있는지 알 수 있다</a:t>
+            </a:r>
+            <a:r>
+              <a:rPr lang="en-US" altLang="ko-KR" sz="1600" dirty="0" smtClean="0"/>
+              <a:t>.</a:t>
+            </a:r>
+          </a:p>
+          <a:p>
+            <a:pPr marL="285750" indent="-285750">
+              <a:lnSpc>
+                <a:spcPct val="150000"/>
+              </a:lnSpc>
+              <a:buFontTx/>
+              <a:buChar char="-"/>
+            </a:pPr>
+            <a:r>
+              <a:rPr lang="ko-KR" altLang="en-US" sz="1600" dirty="0" smtClean="0"/>
+              <a:t>오브젝트 번호</a:t>
+            </a:r>
+            <a:r>
+              <a:rPr lang="en-US" altLang="ko-KR" sz="1600" dirty="0" smtClean="0"/>
+              <a:t>, </a:t>
+            </a:r>
+            <a:r>
+              <a:rPr lang="ko-KR" altLang="en-US" sz="1600" dirty="0" smtClean="0"/>
+              <a:t>상대 </a:t>
+            </a:r>
+            <a:r>
+              <a:rPr lang="ko-KR" altLang="en-US" sz="1600" dirty="0" err="1" smtClean="0"/>
+              <a:t>파일번호</a:t>
+            </a:r>
+            <a:r>
+              <a:rPr lang="en-US" altLang="ko-KR" sz="1600" dirty="0" smtClean="0"/>
+              <a:t>, </a:t>
+            </a:r>
+            <a:r>
+              <a:rPr lang="ko-KR" altLang="en-US" sz="1600" dirty="0" smtClean="0"/>
+              <a:t>블록 번호</a:t>
+            </a:r>
+            <a:r>
+              <a:rPr lang="en-US" altLang="ko-KR" sz="1600" dirty="0" smtClean="0"/>
+              <a:t>, </a:t>
+            </a:r>
+            <a:r>
+              <a:rPr lang="ko-KR" altLang="en-US" sz="1600" dirty="0" smtClean="0"/>
+              <a:t>데이터 번호를 구성</a:t>
+            </a:r>
+            <a:endParaRPr lang="en-US" altLang="ko-KR" sz="1600" dirty="0" smtClean="0"/>
+          </a:p>
+        </p:txBody>
+      </p:sp>
+    </p:spTree>
+    <p:extLst>
+      <p:ext uri="{BB962C8B-B14F-4D97-AF65-F5344CB8AC3E}">
+        <p14:creationId xmlns:p14="http://schemas.microsoft.com/office/powerpoint/2010/main" val="1478727032"/>
+      </p:ext>
+    </p:extLst>
+  </p:cSld>
+  <p:clrMapOvr>
+    <a:masterClrMapping/>
+  </p:clrMapOvr>
+  <p:timing>
+    <p:tnLst>
+      <p:par>
+        <p:cTn id="1" dur="indefinite" restart="never" nodeType="tmRoot"/>
+      </p:par>
+    </p:tnLst>
+  </p:timing>
 </p:sld>
 </file>
 

--- a/sqlWorks/자료/db_ppt/4장. select_join.pptx
+++ b/sqlWorks/자료/db_ppt/4장. select_join.pptx
@@ -5,7 +5,7 @@
     <p:sldMasterId id="2147483648" r:id="rId1"/>
   </p:sldMasterIdLst>
   <p:notesMasterIdLst>
-    <p:notesMasterId r:id="rId41"/>
+    <p:notesMasterId r:id="rId45"/>
   </p:notesMasterIdLst>
   <p:sldIdLst>
     <p:sldId id="256" r:id="rId2"/>
@@ -32,21 +32,25 @@
     <p:sldId id="385" r:id="rId23"/>
     <p:sldId id="401" r:id="rId24"/>
     <p:sldId id="389" r:id="rId25"/>
-    <p:sldId id="386" r:id="rId26"/>
-    <p:sldId id="369" r:id="rId27"/>
-    <p:sldId id="370" r:id="rId28"/>
-    <p:sldId id="394" r:id="rId29"/>
-    <p:sldId id="363" r:id="rId30"/>
-    <p:sldId id="364" r:id="rId31"/>
-    <p:sldId id="366" r:id="rId32"/>
-    <p:sldId id="365" r:id="rId33"/>
-    <p:sldId id="402" r:id="rId34"/>
-    <p:sldId id="408" r:id="rId35"/>
-    <p:sldId id="403" r:id="rId36"/>
-    <p:sldId id="404" r:id="rId37"/>
-    <p:sldId id="405" r:id="rId38"/>
-    <p:sldId id="406" r:id="rId39"/>
-    <p:sldId id="407" r:id="rId40"/>
+    <p:sldId id="409" r:id="rId26"/>
+    <p:sldId id="386" r:id="rId27"/>
+    <p:sldId id="369" r:id="rId28"/>
+    <p:sldId id="370" r:id="rId29"/>
+    <p:sldId id="394" r:id="rId30"/>
+    <p:sldId id="363" r:id="rId31"/>
+    <p:sldId id="364" r:id="rId32"/>
+    <p:sldId id="366" r:id="rId33"/>
+    <p:sldId id="410" r:id="rId34"/>
+    <p:sldId id="411" r:id="rId35"/>
+    <p:sldId id="412" r:id="rId36"/>
+    <p:sldId id="365" r:id="rId37"/>
+    <p:sldId id="402" r:id="rId38"/>
+    <p:sldId id="408" r:id="rId39"/>
+    <p:sldId id="403" r:id="rId40"/>
+    <p:sldId id="404" r:id="rId41"/>
+    <p:sldId id="405" r:id="rId42"/>
+    <p:sldId id="406" r:id="rId43"/>
+    <p:sldId id="407" r:id="rId44"/>
   </p:sldIdLst>
   <p:sldSz cx="9144000" cy="6858000" type="screen4x3"/>
   <p:notesSz cx="6858000" cy="9144000"/>
@@ -246,7 +250,7 @@
           <a:p>
             <a:fld id="{7665CDAC-D627-4E87-877A-1B781DD4CADC}" type="datetimeFigureOut">
               <a:rPr lang="ko-KR" altLang="en-US" smtClean="0"/>
-              <a:t>2023-04-30</a:t>
+              <a:t>2023-05-02</a:t>
             </a:fld>
             <a:endParaRPr lang="ko-KR" altLang="en-US"/>
           </a:p>
@@ -1097,7 +1101,7 @@
           <a:p>
             <a:fld id="{E240FE80-3752-4C44-80B8-E31C3450070D}" type="datetime1">
               <a:rPr lang="ko-KR" altLang="en-US" smtClean="0"/>
-              <a:t>2023-04-30</a:t>
+              <a:t>2023-05-02</a:t>
             </a:fld>
             <a:endParaRPr lang="ko-KR" altLang="en-US"/>
           </a:p>
@@ -1275,7 +1279,7 @@
           <a:p>
             <a:fld id="{5FA88D13-428F-4553-BC93-2E91B1DA3F5C}" type="datetime1">
               <a:rPr lang="ko-KR" altLang="en-US" smtClean="0"/>
-              <a:t>2023-04-30</a:t>
+              <a:t>2023-05-02</a:t>
             </a:fld>
             <a:endParaRPr lang="ko-KR" altLang="en-US"/>
           </a:p>
@@ -1447,7 +1451,7 @@
           <a:p>
             <a:fld id="{4E9D4779-FB94-4D0A-9770-16BB460ADD4B}" type="datetime1">
               <a:rPr lang="ko-KR" altLang="en-US" smtClean="0"/>
-              <a:t>2023-04-30</a:t>
+              <a:t>2023-05-02</a:t>
             </a:fld>
             <a:endParaRPr lang="ko-KR" altLang="en-US"/>
           </a:p>
@@ -1692,7 +1696,7 @@
           <a:p>
             <a:fld id="{DD687F0D-089E-4098-8EE9-5721C76E52EC}" type="datetime1">
               <a:rPr lang="ko-KR" altLang="en-US" smtClean="0"/>
-              <a:t>2023-04-30</a:t>
+              <a:t>2023-05-02</a:t>
             </a:fld>
             <a:endParaRPr lang="ko-KR" altLang="en-US"/>
           </a:p>
@@ -1977,7 +1981,7 @@
           <a:p>
             <a:fld id="{09C650FE-E6B2-4D57-AAF6-1B2A37421AAD}" type="datetime1">
               <a:rPr lang="ko-KR" altLang="en-US" smtClean="0"/>
-              <a:t>2023-04-30</a:t>
+              <a:t>2023-05-02</a:t>
             </a:fld>
             <a:endParaRPr lang="ko-KR" altLang="en-US"/>
           </a:p>
@@ -2396,7 +2400,7 @@
           <a:p>
             <a:fld id="{E87F20C2-C949-4E4F-9580-FEE4F2DAC554}" type="datetime1">
               <a:rPr lang="ko-KR" altLang="en-US" smtClean="0"/>
-              <a:t>2023-04-30</a:t>
+              <a:t>2023-05-02</a:t>
             </a:fld>
             <a:endParaRPr lang="ko-KR" altLang="en-US"/>
           </a:p>
@@ -2513,7 +2517,7 @@
           <a:p>
             <a:fld id="{476DBFE0-70CA-4AA9-9C17-F02054822E7E}" type="datetime1">
               <a:rPr lang="ko-KR" altLang="en-US" smtClean="0"/>
-              <a:t>2023-04-30</a:t>
+              <a:t>2023-05-02</a:t>
             </a:fld>
             <a:endParaRPr lang="ko-KR" altLang="en-US"/>
           </a:p>
@@ -2608,7 +2612,7 @@
           <a:p>
             <a:fld id="{6DA84A72-C6AC-45C3-AE5A-9CF6D245353A}" type="datetime1">
               <a:rPr lang="ko-KR" altLang="en-US" smtClean="0"/>
-              <a:t>2023-04-30</a:t>
+              <a:t>2023-05-02</a:t>
             </a:fld>
             <a:endParaRPr lang="ko-KR" altLang="en-US"/>
           </a:p>
@@ -2883,7 +2887,7 @@
           <a:p>
             <a:fld id="{092D9E8D-7616-4FA8-9B12-88059974D499}" type="datetime1">
               <a:rPr lang="ko-KR" altLang="en-US" smtClean="0"/>
-              <a:t>2023-04-30</a:t>
+              <a:t>2023-05-02</a:t>
             </a:fld>
             <a:endParaRPr lang="ko-KR" altLang="en-US"/>
           </a:p>
@@ -3135,7 +3139,7 @@
           <a:p>
             <a:fld id="{79F4C3F6-B4DC-4E51-8609-BCC628ECDBF3}" type="datetime1">
               <a:rPr lang="ko-KR" altLang="en-US" smtClean="0"/>
-              <a:t>2023-04-30</a:t>
+              <a:t>2023-05-02</a:t>
             </a:fld>
             <a:endParaRPr lang="ko-KR" altLang="en-US"/>
           </a:p>
@@ -3314,7 +3318,7 @@
           <a:p>
             <a:fld id="{B2C4C586-F21B-48DD-B591-4B12E73E0749}" type="datetime1">
               <a:rPr lang="ko-KR" altLang="en-US" smtClean="0"/>
-              <a:t>2023-04-30</a:t>
+              <a:t>2023-05-02</a:t>
             </a:fld>
             <a:endParaRPr lang="ko-KR" altLang="en-US"/>
           </a:p>
@@ -10513,7 +10517,7 @@
         </p:blipFill>
         <p:spPr>
           <a:xfrm>
-            <a:off x="971600" y="1196752"/>
+            <a:off x="1475656" y="1295676"/>
             <a:ext cx="5121084" cy="2682472"/>
           </a:xfrm>
           <a:prstGeom prst="rect">
@@ -10550,82 +10554,8 @@
         </p:blipFill>
         <p:spPr>
           <a:xfrm>
-            <a:off x="4644008" y="2420888"/>
+            <a:off x="2321550" y="4437112"/>
             <a:ext cx="4275190" cy="655377"/>
-          </a:xfrm>
-          <a:prstGeom prst="rect">
-            <a:avLst/>
-          </a:prstGeom>
-          <a:ln>
-            <a:solidFill>
-              <a:schemeClr val="bg1">
-                <a:lumMod val="85000"/>
-              </a:schemeClr>
-            </a:solidFill>
-          </a:ln>
-        </p:spPr>
-      </p:pic>
-      <p:pic>
-        <p:nvPicPr>
-          <p:cNvPr id="6" name="그림 5"/>
-          <p:cNvPicPr>
-            <a:picLocks noChangeAspect="1"/>
-          </p:cNvPicPr>
-          <p:nvPr/>
-        </p:nvPicPr>
-        <p:blipFill>
-          <a:blip r:embed="rId4">
-            <a:extLst>
-              <a:ext uri="{28A0092B-C50C-407E-A947-70E740481C1C}">
-                <a14:useLocalDpi xmlns:a14="http://schemas.microsoft.com/office/drawing/2010/main" val="0"/>
-              </a:ext>
-            </a:extLst>
-          </a:blip>
-          <a:stretch>
-            <a:fillRect/>
-          </a:stretch>
-        </p:blipFill>
-        <p:spPr>
-          <a:xfrm>
-            <a:off x="971600" y="4108864"/>
-            <a:ext cx="5486876" cy="1988992"/>
-          </a:xfrm>
-          <a:prstGeom prst="rect">
-            <a:avLst/>
-          </a:prstGeom>
-          <a:ln>
-            <a:solidFill>
-              <a:schemeClr val="bg1">
-                <a:lumMod val="85000"/>
-              </a:schemeClr>
-            </a:solidFill>
-          </a:ln>
-        </p:spPr>
-      </p:pic>
-      <p:pic>
-        <p:nvPicPr>
-          <p:cNvPr id="9" name="그림 8"/>
-          <p:cNvPicPr>
-            <a:picLocks noChangeAspect="1"/>
-          </p:cNvPicPr>
-          <p:nvPr/>
-        </p:nvPicPr>
-        <p:blipFill>
-          <a:blip r:embed="rId5">
-            <a:extLst>
-              <a:ext uri="{28A0092B-C50C-407E-A947-70E740481C1C}">
-                <a14:useLocalDpi xmlns:a14="http://schemas.microsoft.com/office/drawing/2010/main" val="0"/>
-              </a:ext>
-            </a:extLst>
-          </a:blip>
-          <a:stretch>
-            <a:fillRect/>
-          </a:stretch>
-        </p:blipFill>
-        <p:spPr>
-          <a:xfrm>
-            <a:off x="6732240" y="4869160"/>
-            <a:ext cx="1104996" cy="838273"/>
           </a:xfrm>
           <a:prstGeom prst="rect">
             <a:avLst/>
@@ -10713,6 +10643,196 @@
             <a:fld id="{1BDE3FE7-3AEA-4B05-AC5A-802D1816ACF0}" type="slidenum">
               <a:rPr lang="ko-KR" altLang="en-US" smtClean="0"/>
               <a:t>25</a:t>
+            </a:fld>
+            <a:endParaRPr lang="ko-KR" altLang="en-US"/>
+          </a:p>
+        </p:txBody>
+      </p:sp>
+      <p:pic>
+        <p:nvPicPr>
+          <p:cNvPr id="3" name="그림 2"/>
+          <p:cNvPicPr>
+            <a:picLocks noChangeAspect="1"/>
+          </p:cNvPicPr>
+          <p:nvPr/>
+        </p:nvPicPr>
+        <p:blipFill>
+          <a:blip r:embed="rId2">
+            <a:extLst>
+              <a:ext uri="{28A0092B-C50C-407E-A947-70E740481C1C}">
+                <a14:useLocalDpi xmlns:a14="http://schemas.microsoft.com/office/drawing/2010/main" val="0"/>
+              </a:ext>
+            </a:extLst>
+          </a:blip>
+          <a:stretch>
+            <a:fillRect/>
+          </a:stretch>
+        </p:blipFill>
+        <p:spPr>
+          <a:xfrm>
+            <a:off x="971600" y="1412776"/>
+            <a:ext cx="5875432" cy="4032448"/>
+          </a:xfrm>
+          <a:prstGeom prst="rect">
+            <a:avLst/>
+          </a:prstGeom>
+          <a:ln>
+            <a:solidFill>
+              <a:schemeClr val="bg1">
+                <a:lumMod val="85000"/>
+              </a:schemeClr>
+            </a:solidFill>
+          </a:ln>
+        </p:spPr>
+      </p:pic>
+      <p:pic>
+        <p:nvPicPr>
+          <p:cNvPr id="5" name="그림 4"/>
+          <p:cNvPicPr>
+            <a:picLocks noChangeAspect="1"/>
+          </p:cNvPicPr>
+          <p:nvPr/>
+        </p:nvPicPr>
+        <p:blipFill>
+          <a:blip r:embed="rId3">
+            <a:extLst>
+              <a:ext uri="{28A0092B-C50C-407E-A947-70E740481C1C}">
+                <a14:useLocalDpi xmlns:a14="http://schemas.microsoft.com/office/drawing/2010/main" val="0"/>
+              </a:ext>
+            </a:extLst>
+          </a:blip>
+          <a:stretch>
+            <a:fillRect/>
+          </a:stretch>
+        </p:blipFill>
+        <p:spPr>
+          <a:xfrm>
+            <a:off x="5676426" y="3946571"/>
+            <a:ext cx="2743438" cy="807790"/>
+          </a:xfrm>
+          <a:prstGeom prst="rect">
+            <a:avLst/>
+          </a:prstGeom>
+          <a:ln>
+            <a:solidFill>
+              <a:schemeClr val="bg1">
+                <a:lumMod val="85000"/>
+              </a:schemeClr>
+            </a:solidFill>
+          </a:ln>
+        </p:spPr>
+      </p:pic>
+      <p:pic>
+        <p:nvPicPr>
+          <p:cNvPr id="10" name="그림 9"/>
+          <p:cNvPicPr>
+            <a:picLocks noChangeAspect="1"/>
+          </p:cNvPicPr>
+          <p:nvPr/>
+        </p:nvPicPr>
+        <p:blipFill>
+          <a:blip r:embed="rId4">
+            <a:extLst>
+              <a:ext uri="{28A0092B-C50C-407E-A947-70E740481C1C}">
+                <a14:useLocalDpi xmlns:a14="http://schemas.microsoft.com/office/drawing/2010/main" val="0"/>
+              </a:ext>
+            </a:extLst>
+          </a:blip>
+          <a:stretch>
+            <a:fillRect/>
+          </a:stretch>
+        </p:blipFill>
+        <p:spPr>
+          <a:xfrm>
+            <a:off x="5658115" y="2220564"/>
+            <a:ext cx="1938221" cy="1363387"/>
+          </a:xfrm>
+          <a:prstGeom prst="rect">
+            <a:avLst/>
+          </a:prstGeom>
+          <a:ln>
+            <a:solidFill>
+              <a:schemeClr val="bg1">
+                <a:lumMod val="85000"/>
+              </a:schemeClr>
+            </a:solidFill>
+          </a:ln>
+        </p:spPr>
+      </p:pic>
+    </p:spTree>
+    <p:extLst>
+      <p:ext uri="{BB962C8B-B14F-4D97-AF65-F5344CB8AC3E}">
+        <p14:creationId xmlns:p14="http://schemas.microsoft.com/office/powerpoint/2010/main" val="496985878"/>
+      </p:ext>
+    </p:extLst>
+  </p:cSld>
+  <p:clrMapOvr>
+    <a:masterClrMapping/>
+  </p:clrMapOvr>
+</p:sld>
+</file>
+
+<file path=ppt/slides/slide26.xml><?xml version="1.0" encoding="utf-8"?>
+<p:sld xmlns:a="http://schemas.openxmlformats.org/drawingml/2006/main" xmlns:r="http://schemas.openxmlformats.org/officeDocument/2006/relationships" xmlns:p="http://schemas.openxmlformats.org/presentationml/2006/main">
+  <p:cSld>
+    <p:spTree>
+      <p:nvGrpSpPr>
+        <p:cNvPr id="1" name=""/>
+        <p:cNvGrpSpPr/>
+        <p:nvPr/>
+      </p:nvGrpSpPr>
+      <p:grpSpPr>
+        <a:xfrm>
+          <a:off x="0" y="0"/>
+          <a:ext cx="0" cy="0"/>
+          <a:chOff x="0" y="0"/>
+          <a:chExt cx="0" cy="0"/>
+        </a:xfrm>
+      </p:grpSpPr>
+      <p:sp>
+        <p:nvSpPr>
+          <p:cNvPr id="2" name="제목 1"/>
+          <p:cNvSpPr>
+            <a:spLocks noGrp="1"/>
+          </p:cNvSpPr>
+          <p:nvPr>
+            <p:ph type="title"/>
+          </p:nvPr>
+        </p:nvSpPr>
+        <p:spPr/>
+        <p:txBody>
+          <a:bodyPr/>
+          <a:lstStyle/>
+          <a:p>
+            <a:r>
+              <a:rPr lang="en-US" altLang="ko-KR" dirty="0"/>
+              <a:t>  </a:t>
+            </a:r>
+            <a:r>
+              <a:rPr lang="ko-KR" altLang="en-US" dirty="0"/>
+              <a:t>서브 쿼리</a:t>
+            </a:r>
+          </a:p>
+        </p:txBody>
+      </p:sp>
+      <p:sp>
+        <p:nvSpPr>
+          <p:cNvPr id="4" name="슬라이드 번호 개체 틀 3"/>
+          <p:cNvSpPr>
+            <a:spLocks noGrp="1"/>
+          </p:cNvSpPr>
+          <p:nvPr>
+            <p:ph type="sldNum" sz="quarter" idx="12"/>
+          </p:nvPr>
+        </p:nvSpPr>
+        <p:spPr/>
+        <p:txBody>
+          <a:bodyPr/>
+          <a:lstStyle/>
+          <a:p>
+            <a:fld id="{1BDE3FE7-3AEA-4B05-AC5A-802D1816ACF0}" type="slidenum">
+              <a:rPr lang="ko-KR" altLang="en-US" smtClean="0"/>
+              <a:t>26</a:t>
             </a:fld>
             <a:endParaRPr lang="ko-KR" altLang="en-US"/>
           </a:p>
@@ -10922,7 +11042,7 @@
 </p:sld>
 </file>
 
-<file path=ppt/slides/slide26.xml><?xml version="1.0" encoding="utf-8"?>
+<file path=ppt/slides/slide27.xml><?xml version="1.0" encoding="utf-8"?>
 <p:sld xmlns:a="http://schemas.openxmlformats.org/drawingml/2006/main" xmlns:r="http://schemas.openxmlformats.org/officeDocument/2006/relationships" xmlns:p="http://schemas.openxmlformats.org/presentationml/2006/main">
   <p:cSld>
     <p:spTree>
@@ -10982,7 +11102,7 @@
           <a:p>
             <a:fld id="{1BDE3FE7-3AEA-4B05-AC5A-802D1816ACF0}" type="slidenum">
               <a:rPr lang="ko-KR" altLang="en-US" smtClean="0"/>
-              <a:t>26</a:t>
+              <a:t>27</a:t>
             </a:fld>
             <a:endParaRPr lang="ko-KR" altLang="en-US"/>
           </a:p>
@@ -11075,7 +11195,7 @@
 </p:sld>
 </file>
 
-<file path=ppt/slides/slide27.xml><?xml version="1.0" encoding="utf-8"?>
+<file path=ppt/slides/slide28.xml><?xml version="1.0" encoding="utf-8"?>
 <p:sld xmlns:a="http://schemas.openxmlformats.org/drawingml/2006/main" xmlns:r="http://schemas.openxmlformats.org/officeDocument/2006/relationships" xmlns:p="http://schemas.openxmlformats.org/presentationml/2006/main">
   <p:cSld>
     <p:spTree>
@@ -11135,7 +11255,7 @@
           <a:p>
             <a:fld id="{1BDE3FE7-3AEA-4B05-AC5A-802D1816ACF0}" type="slidenum">
               <a:rPr lang="ko-KR" altLang="en-US" smtClean="0"/>
-              <a:t>27</a:t>
+              <a:t>28</a:t>
             </a:fld>
             <a:endParaRPr lang="ko-KR" altLang="en-US"/>
           </a:p>
@@ -11390,7 +11510,7 @@
 </p:sld>
 </file>
 
-<file path=ppt/slides/slide28.xml><?xml version="1.0" encoding="utf-8"?>
+<file path=ppt/slides/slide29.xml><?xml version="1.0" encoding="utf-8"?>
 <p:sld xmlns:a="http://schemas.openxmlformats.org/drawingml/2006/main" xmlns:r="http://schemas.openxmlformats.org/officeDocument/2006/relationships" xmlns:p="http://schemas.openxmlformats.org/presentationml/2006/main">
   <p:cSld>
     <p:spTree>
@@ -11450,7 +11570,7 @@
           <a:p>
             <a:fld id="{1BDE3FE7-3AEA-4B05-AC5A-802D1816ACF0}" type="slidenum">
               <a:rPr lang="ko-KR" altLang="en-US" smtClean="0"/>
-              <a:t>28</a:t>
+              <a:t>29</a:t>
             </a:fld>
             <a:endParaRPr lang="ko-KR" altLang="en-US"/>
           </a:p>
@@ -11779,7 +11899,7 @@
 </p:sld>
 </file>
 
-<file path=ppt/slides/slide29.xml><?xml version="1.0" encoding="utf-8"?>
+<file path=ppt/slides/slide3.xml><?xml version="1.0" encoding="utf-8"?>
 <p:sld xmlns:a="http://schemas.openxmlformats.org/drawingml/2006/main" xmlns:r="http://schemas.openxmlformats.org/officeDocument/2006/relationships" xmlns:p="http://schemas.openxmlformats.org/presentationml/2006/main">
   <p:cSld>
     <p:spTree>
@@ -11813,17 +11933,12 @@
           <a:p>
             <a:r>
               <a:rPr lang="en-US" altLang="ko-KR" dirty="0"/>
-              <a:t>  </a:t>
-            </a:r>
-            <a:r>
-              <a:rPr lang="ko-KR" altLang="en-US" dirty="0" err="1"/>
-              <a:t>뷰</a:t>
-            </a:r>
-            <a:r>
-              <a:rPr lang="en-US" altLang="ko-KR" dirty="0"/>
-              <a:t>(view)</a:t>
-            </a:r>
-            <a:endParaRPr lang="ko-KR" altLang="en-US" dirty="0"/>
+              <a:t>  SELECT – </a:t>
+            </a:r>
+            <a:r>
+              <a:rPr lang="ko-KR" altLang="en-US" dirty="0"/>
+              <a:t>자료 검색</a:t>
+            </a:r>
           </a:p>
         </p:txBody>
       </p:sp>
@@ -11844,7 +11959,192 @@
           <a:p>
             <a:fld id="{1BDE3FE7-3AEA-4B05-AC5A-802D1816ACF0}" type="slidenum">
               <a:rPr lang="ko-KR" altLang="en-US" smtClean="0"/>
-              <a:t>29</a:t>
+              <a:t>3</a:t>
+            </a:fld>
+            <a:endParaRPr lang="ko-KR" altLang="en-US"/>
+          </a:p>
+        </p:txBody>
+      </p:sp>
+      <p:pic>
+        <p:nvPicPr>
+          <p:cNvPr id="8" name="그림 7"/>
+          <p:cNvPicPr>
+            <a:picLocks noChangeAspect="1"/>
+          </p:cNvPicPr>
+          <p:nvPr/>
+        </p:nvPicPr>
+        <p:blipFill rotWithShape="1">
+          <a:blip r:embed="rId2">
+            <a:extLst>
+              <a:ext uri="{28A0092B-C50C-407E-A947-70E740481C1C}">
+                <a14:useLocalDpi xmlns:a14="http://schemas.microsoft.com/office/drawing/2010/main" val="0"/>
+              </a:ext>
+            </a:extLst>
+          </a:blip>
+          <a:srcRect b="31741"/>
+          <a:stretch/>
+        </p:blipFill>
+        <p:spPr>
+          <a:xfrm>
+            <a:off x="1187624" y="1268760"/>
+            <a:ext cx="5384293" cy="2808312"/>
+          </a:xfrm>
+          <a:prstGeom prst="rect">
+            <a:avLst/>
+          </a:prstGeom>
+          <a:ln>
+            <a:solidFill>
+              <a:schemeClr val="bg1">
+                <a:lumMod val="85000"/>
+              </a:schemeClr>
+            </a:solidFill>
+          </a:ln>
+        </p:spPr>
+      </p:pic>
+      <p:pic>
+        <p:nvPicPr>
+          <p:cNvPr id="7" name="그림 6"/>
+          <p:cNvPicPr>
+            <a:picLocks noChangeAspect="1"/>
+          </p:cNvPicPr>
+          <p:nvPr/>
+        </p:nvPicPr>
+        <p:blipFill rotWithShape="1">
+          <a:blip r:embed="rId2">
+            <a:extLst>
+              <a:ext uri="{28A0092B-C50C-407E-A947-70E740481C1C}">
+                <a14:useLocalDpi xmlns:a14="http://schemas.microsoft.com/office/drawing/2010/main" val="0"/>
+              </a:ext>
+            </a:extLst>
+          </a:blip>
+          <a:srcRect t="71843"/>
+          <a:stretch/>
+        </p:blipFill>
+        <p:spPr>
+          <a:xfrm>
+            <a:off x="1187624" y="4862872"/>
+            <a:ext cx="5384293" cy="1158416"/>
+          </a:xfrm>
+          <a:prstGeom prst="rect">
+            <a:avLst/>
+          </a:prstGeom>
+          <a:ln>
+            <a:solidFill>
+              <a:schemeClr val="bg1">
+                <a:lumMod val="85000"/>
+              </a:schemeClr>
+            </a:solidFill>
+          </a:ln>
+        </p:spPr>
+      </p:pic>
+      <p:sp>
+        <p:nvSpPr>
+          <p:cNvPr id="11" name="TextBox 10"/>
+          <p:cNvSpPr txBox="1"/>
+          <p:nvPr/>
+        </p:nvSpPr>
+        <p:spPr>
+          <a:xfrm>
+            <a:off x="1187623" y="4390174"/>
+            <a:ext cx="1512168" cy="369332"/>
+          </a:xfrm>
+          <a:prstGeom prst="rect">
+            <a:avLst/>
+          </a:prstGeom>
+          <a:noFill/>
+        </p:spPr>
+        <p:txBody>
+          <a:bodyPr wrap="square" rtlCol="0">
+            <a:spAutoFit/>
+          </a:bodyPr>
+          <a:lstStyle/>
+          <a:p>
+            <a:r>
+              <a:rPr lang="ko-KR" altLang="en-US" dirty="0"/>
+              <a:t>◆ 비교</a:t>
+            </a:r>
+          </a:p>
+        </p:txBody>
+      </p:sp>
+    </p:spTree>
+    <p:extLst>
+      <p:ext uri="{BB962C8B-B14F-4D97-AF65-F5344CB8AC3E}">
+        <p14:creationId xmlns:p14="http://schemas.microsoft.com/office/powerpoint/2010/main" val="3853825758"/>
+      </p:ext>
+    </p:extLst>
+  </p:cSld>
+  <p:clrMapOvr>
+    <a:masterClrMapping/>
+  </p:clrMapOvr>
+</p:sld>
+</file>
+
+<file path=ppt/slides/slide30.xml><?xml version="1.0" encoding="utf-8"?>
+<p:sld xmlns:a="http://schemas.openxmlformats.org/drawingml/2006/main" xmlns:r="http://schemas.openxmlformats.org/officeDocument/2006/relationships" xmlns:p="http://schemas.openxmlformats.org/presentationml/2006/main">
+  <p:cSld>
+    <p:spTree>
+      <p:nvGrpSpPr>
+        <p:cNvPr id="1" name=""/>
+        <p:cNvGrpSpPr/>
+        <p:nvPr/>
+      </p:nvGrpSpPr>
+      <p:grpSpPr>
+        <a:xfrm>
+          <a:off x="0" y="0"/>
+          <a:ext cx="0" cy="0"/>
+          <a:chOff x="0" y="0"/>
+          <a:chExt cx="0" cy="0"/>
+        </a:xfrm>
+      </p:grpSpPr>
+      <p:sp>
+        <p:nvSpPr>
+          <p:cNvPr id="2" name="제목 1"/>
+          <p:cNvSpPr>
+            <a:spLocks noGrp="1"/>
+          </p:cNvSpPr>
+          <p:nvPr>
+            <p:ph type="title"/>
+          </p:nvPr>
+        </p:nvSpPr>
+        <p:spPr/>
+        <p:txBody>
+          <a:bodyPr/>
+          <a:lstStyle/>
+          <a:p>
+            <a:r>
+              <a:rPr lang="en-US" altLang="ko-KR" dirty="0"/>
+              <a:t>  </a:t>
+            </a:r>
+            <a:r>
+              <a:rPr lang="ko-KR" altLang="en-US" dirty="0" err="1"/>
+              <a:t>뷰</a:t>
+            </a:r>
+            <a:r>
+              <a:rPr lang="en-US" altLang="ko-KR" dirty="0"/>
+              <a:t>(view)</a:t>
+            </a:r>
+            <a:endParaRPr lang="ko-KR" altLang="en-US" dirty="0"/>
+          </a:p>
+        </p:txBody>
+      </p:sp>
+      <p:sp>
+        <p:nvSpPr>
+          <p:cNvPr id="4" name="슬라이드 번호 개체 틀 3"/>
+          <p:cNvSpPr>
+            <a:spLocks noGrp="1"/>
+          </p:cNvSpPr>
+          <p:nvPr>
+            <p:ph type="sldNum" sz="quarter" idx="12"/>
+          </p:nvPr>
+        </p:nvSpPr>
+        <p:spPr/>
+        <p:txBody>
+          <a:bodyPr/>
+          <a:lstStyle/>
+          <a:p>
+            <a:fld id="{1BDE3FE7-3AEA-4B05-AC5A-802D1816ACF0}" type="slidenum">
+              <a:rPr lang="ko-KR" altLang="en-US" smtClean="0"/>
+              <a:t>30</a:t>
             </a:fld>
             <a:endParaRPr lang="ko-KR" altLang="en-US"/>
           </a:p>
@@ -12246,187 +12546,7 @@
 </p:sld>
 </file>
 
-<file path=ppt/slides/slide3.xml><?xml version="1.0" encoding="utf-8"?>
-<p:sld xmlns:a="http://schemas.openxmlformats.org/drawingml/2006/main" xmlns:r="http://schemas.openxmlformats.org/officeDocument/2006/relationships" xmlns:p="http://schemas.openxmlformats.org/presentationml/2006/main">
-  <p:cSld>
-    <p:spTree>
-      <p:nvGrpSpPr>
-        <p:cNvPr id="1" name=""/>
-        <p:cNvGrpSpPr/>
-        <p:nvPr/>
-      </p:nvGrpSpPr>
-      <p:grpSpPr>
-        <a:xfrm>
-          <a:off x="0" y="0"/>
-          <a:ext cx="0" cy="0"/>
-          <a:chOff x="0" y="0"/>
-          <a:chExt cx="0" cy="0"/>
-        </a:xfrm>
-      </p:grpSpPr>
-      <p:sp>
-        <p:nvSpPr>
-          <p:cNvPr id="2" name="제목 1"/>
-          <p:cNvSpPr>
-            <a:spLocks noGrp="1"/>
-          </p:cNvSpPr>
-          <p:nvPr>
-            <p:ph type="title"/>
-          </p:nvPr>
-        </p:nvSpPr>
-        <p:spPr/>
-        <p:txBody>
-          <a:bodyPr/>
-          <a:lstStyle/>
-          <a:p>
-            <a:r>
-              <a:rPr lang="en-US" altLang="ko-KR" dirty="0"/>
-              <a:t>  SELECT – </a:t>
-            </a:r>
-            <a:r>
-              <a:rPr lang="ko-KR" altLang="en-US" dirty="0"/>
-              <a:t>자료 검색</a:t>
-            </a:r>
-          </a:p>
-        </p:txBody>
-      </p:sp>
-      <p:sp>
-        <p:nvSpPr>
-          <p:cNvPr id="4" name="슬라이드 번호 개체 틀 3"/>
-          <p:cNvSpPr>
-            <a:spLocks noGrp="1"/>
-          </p:cNvSpPr>
-          <p:nvPr>
-            <p:ph type="sldNum" sz="quarter" idx="12"/>
-          </p:nvPr>
-        </p:nvSpPr>
-        <p:spPr/>
-        <p:txBody>
-          <a:bodyPr/>
-          <a:lstStyle/>
-          <a:p>
-            <a:fld id="{1BDE3FE7-3AEA-4B05-AC5A-802D1816ACF0}" type="slidenum">
-              <a:rPr lang="ko-KR" altLang="en-US" smtClean="0"/>
-              <a:t>3</a:t>
-            </a:fld>
-            <a:endParaRPr lang="ko-KR" altLang="en-US"/>
-          </a:p>
-        </p:txBody>
-      </p:sp>
-      <p:pic>
-        <p:nvPicPr>
-          <p:cNvPr id="8" name="그림 7"/>
-          <p:cNvPicPr>
-            <a:picLocks noChangeAspect="1"/>
-          </p:cNvPicPr>
-          <p:nvPr/>
-        </p:nvPicPr>
-        <p:blipFill rotWithShape="1">
-          <a:blip r:embed="rId2">
-            <a:extLst>
-              <a:ext uri="{28A0092B-C50C-407E-A947-70E740481C1C}">
-                <a14:useLocalDpi xmlns:a14="http://schemas.microsoft.com/office/drawing/2010/main" val="0"/>
-              </a:ext>
-            </a:extLst>
-          </a:blip>
-          <a:srcRect b="31741"/>
-          <a:stretch/>
-        </p:blipFill>
-        <p:spPr>
-          <a:xfrm>
-            <a:off x="1187624" y="1268760"/>
-            <a:ext cx="5384293" cy="2808312"/>
-          </a:xfrm>
-          <a:prstGeom prst="rect">
-            <a:avLst/>
-          </a:prstGeom>
-          <a:ln>
-            <a:solidFill>
-              <a:schemeClr val="bg1">
-                <a:lumMod val="85000"/>
-              </a:schemeClr>
-            </a:solidFill>
-          </a:ln>
-        </p:spPr>
-      </p:pic>
-      <p:pic>
-        <p:nvPicPr>
-          <p:cNvPr id="7" name="그림 6"/>
-          <p:cNvPicPr>
-            <a:picLocks noChangeAspect="1"/>
-          </p:cNvPicPr>
-          <p:nvPr/>
-        </p:nvPicPr>
-        <p:blipFill rotWithShape="1">
-          <a:blip r:embed="rId2">
-            <a:extLst>
-              <a:ext uri="{28A0092B-C50C-407E-A947-70E740481C1C}">
-                <a14:useLocalDpi xmlns:a14="http://schemas.microsoft.com/office/drawing/2010/main" val="0"/>
-              </a:ext>
-            </a:extLst>
-          </a:blip>
-          <a:srcRect t="71843"/>
-          <a:stretch/>
-        </p:blipFill>
-        <p:spPr>
-          <a:xfrm>
-            <a:off x="1187624" y="4862872"/>
-            <a:ext cx="5384293" cy="1158416"/>
-          </a:xfrm>
-          <a:prstGeom prst="rect">
-            <a:avLst/>
-          </a:prstGeom>
-          <a:ln>
-            <a:solidFill>
-              <a:schemeClr val="bg1">
-                <a:lumMod val="85000"/>
-              </a:schemeClr>
-            </a:solidFill>
-          </a:ln>
-        </p:spPr>
-      </p:pic>
-      <p:sp>
-        <p:nvSpPr>
-          <p:cNvPr id="11" name="TextBox 10"/>
-          <p:cNvSpPr txBox="1"/>
-          <p:nvPr/>
-        </p:nvSpPr>
-        <p:spPr>
-          <a:xfrm>
-            <a:off x="1187623" y="4390174"/>
-            <a:ext cx="1512168" cy="369332"/>
-          </a:xfrm>
-          <a:prstGeom prst="rect">
-            <a:avLst/>
-          </a:prstGeom>
-          <a:noFill/>
-        </p:spPr>
-        <p:txBody>
-          <a:bodyPr wrap="square" rtlCol="0">
-            <a:spAutoFit/>
-          </a:bodyPr>
-          <a:lstStyle/>
-          <a:p>
-            <a:r>
-              <a:rPr lang="ko-KR" altLang="en-US" dirty="0"/>
-              <a:t>◆ 비교</a:t>
-            </a:r>
-          </a:p>
-        </p:txBody>
-      </p:sp>
-    </p:spTree>
-    <p:extLst>
-      <p:ext uri="{BB962C8B-B14F-4D97-AF65-F5344CB8AC3E}">
-        <p14:creationId xmlns:p14="http://schemas.microsoft.com/office/powerpoint/2010/main" val="3853825758"/>
-      </p:ext>
-    </p:extLst>
-  </p:cSld>
-  <p:clrMapOvr>
-    <a:masterClrMapping/>
-  </p:clrMapOvr>
-</p:sld>
-</file>
-
-<file path=ppt/slides/slide30.xml><?xml version="1.0" encoding="utf-8"?>
+<file path=ppt/slides/slide31.xml><?xml version="1.0" encoding="utf-8"?>
 <p:sld xmlns:a="http://schemas.openxmlformats.org/drawingml/2006/main" xmlns:r="http://schemas.openxmlformats.org/officeDocument/2006/relationships" xmlns:p="http://schemas.openxmlformats.org/presentationml/2006/main">
   <p:cSld>
     <p:spTree>
@@ -12528,7 +12648,7 @@
           <a:p>
             <a:fld id="{1BDE3FE7-3AEA-4B05-AC5A-802D1816ACF0}" type="slidenum">
               <a:rPr lang="ko-KR" altLang="en-US" smtClean="0"/>
-              <a:t>30</a:t>
+              <a:t>31</a:t>
             </a:fld>
             <a:endParaRPr lang="ko-KR" altLang="en-US"/>
           </a:p>
@@ -12788,7 +12908,7 @@
 </p:sld>
 </file>
 
-<file path=ppt/slides/slide31.xml><?xml version="1.0" encoding="utf-8"?>
+<file path=ppt/slides/slide32.xml><?xml version="1.0" encoding="utf-8"?>
 <p:sld xmlns:a="http://schemas.openxmlformats.org/drawingml/2006/main" xmlns:r="http://schemas.openxmlformats.org/officeDocument/2006/relationships" xmlns:p="http://schemas.openxmlformats.org/presentationml/2006/main">
   <p:cSld>
     <p:spTree>
@@ -12853,7 +12973,7 @@
           <a:p>
             <a:fld id="{1BDE3FE7-3AEA-4B05-AC5A-802D1816ACF0}" type="slidenum">
               <a:rPr lang="ko-KR" altLang="en-US" smtClean="0"/>
-              <a:t>31</a:t>
+              <a:t>32</a:t>
             </a:fld>
             <a:endParaRPr lang="ko-KR" altLang="en-US"/>
           </a:p>
@@ -12946,7 +13066,7 @@
 </p:sld>
 </file>
 
-<file path=ppt/slides/slide32.xml><?xml version="1.0" encoding="utf-8"?>
+<file path=ppt/slides/slide33.xml><?xml version="1.0" encoding="utf-8"?>
 <p:sld xmlns:a="http://schemas.openxmlformats.org/drawingml/2006/main" xmlns:r="http://schemas.openxmlformats.org/officeDocument/2006/relationships" xmlns:p="http://schemas.openxmlformats.org/presentationml/2006/main">
   <p:cSld>
     <p:spTree>
@@ -13011,7 +13131,444 @@
           <a:p>
             <a:fld id="{1BDE3FE7-3AEA-4B05-AC5A-802D1816ACF0}" type="slidenum">
               <a:rPr lang="ko-KR" altLang="en-US" smtClean="0"/>
-              <a:t>32</a:t>
+              <a:t>33</a:t>
+            </a:fld>
+            <a:endParaRPr lang="ko-KR" altLang="en-US"/>
+          </a:p>
+        </p:txBody>
+      </p:sp>
+      <p:pic>
+        <p:nvPicPr>
+          <p:cNvPr id="6" name="그림 5"/>
+          <p:cNvPicPr>
+            <a:picLocks noChangeAspect="1"/>
+          </p:cNvPicPr>
+          <p:nvPr/>
+        </p:nvPicPr>
+        <p:blipFill>
+          <a:blip r:embed="rId2">
+            <a:extLst>
+              <a:ext uri="{28A0092B-C50C-407E-A947-70E740481C1C}">
+                <a14:useLocalDpi xmlns:a14="http://schemas.microsoft.com/office/drawing/2010/main" val="0"/>
+              </a:ext>
+            </a:extLst>
+          </a:blip>
+          <a:stretch>
+            <a:fillRect/>
+          </a:stretch>
+        </p:blipFill>
+        <p:spPr>
+          <a:xfrm>
+            <a:off x="1331640" y="1484784"/>
+            <a:ext cx="6264183" cy="3398815"/>
+          </a:xfrm>
+          <a:prstGeom prst="rect">
+            <a:avLst/>
+          </a:prstGeom>
+          <a:ln>
+            <a:solidFill>
+              <a:schemeClr val="bg1">
+                <a:lumMod val="85000"/>
+              </a:schemeClr>
+            </a:solidFill>
+          </a:ln>
+        </p:spPr>
+      </p:pic>
+    </p:spTree>
+    <p:extLst>
+      <p:ext uri="{BB962C8B-B14F-4D97-AF65-F5344CB8AC3E}">
+        <p14:creationId xmlns:p14="http://schemas.microsoft.com/office/powerpoint/2010/main" val="2753406540"/>
+      </p:ext>
+    </p:extLst>
+  </p:cSld>
+  <p:clrMapOvr>
+    <a:masterClrMapping/>
+  </p:clrMapOvr>
+</p:sld>
+</file>
+
+<file path=ppt/slides/slide34.xml><?xml version="1.0" encoding="utf-8"?>
+<p:sld xmlns:a="http://schemas.openxmlformats.org/drawingml/2006/main" xmlns:r="http://schemas.openxmlformats.org/officeDocument/2006/relationships" xmlns:p="http://schemas.openxmlformats.org/presentationml/2006/main">
+  <p:cSld>
+    <p:spTree>
+      <p:nvGrpSpPr>
+        <p:cNvPr id="1" name=""/>
+        <p:cNvGrpSpPr/>
+        <p:nvPr/>
+      </p:nvGrpSpPr>
+      <p:grpSpPr>
+        <a:xfrm>
+          <a:off x="0" y="0"/>
+          <a:ext cx="0" cy="0"/>
+          <a:chOff x="0" y="0"/>
+          <a:chExt cx="0" cy="0"/>
+        </a:xfrm>
+      </p:grpSpPr>
+      <p:sp>
+        <p:nvSpPr>
+          <p:cNvPr id="2" name="제목 1"/>
+          <p:cNvSpPr>
+            <a:spLocks noGrp="1"/>
+          </p:cNvSpPr>
+          <p:nvPr>
+            <p:ph type="title"/>
+          </p:nvPr>
+        </p:nvSpPr>
+        <p:spPr/>
+        <p:txBody>
+          <a:bodyPr/>
+          <a:lstStyle/>
+          <a:p>
+            <a:r>
+              <a:rPr lang="en-US" altLang="ko-KR" dirty="0"/>
+              <a:t>  </a:t>
+            </a:r>
+            <a:r>
+              <a:rPr lang="ko-KR" altLang="en-US" dirty="0" err="1"/>
+              <a:t>뷰</a:t>
+            </a:r>
+            <a:r>
+              <a:rPr lang="en-US" altLang="ko-KR" dirty="0"/>
+              <a:t>(view)</a:t>
+            </a:r>
+            <a:endParaRPr lang="ko-KR" altLang="en-US" dirty="0"/>
+          </a:p>
+        </p:txBody>
+      </p:sp>
+      <p:sp>
+        <p:nvSpPr>
+          <p:cNvPr id="4" name="슬라이드 번호 개체 틀 3"/>
+          <p:cNvSpPr>
+            <a:spLocks noGrp="1"/>
+          </p:cNvSpPr>
+          <p:nvPr>
+            <p:ph type="sldNum" sz="quarter" idx="12"/>
+          </p:nvPr>
+        </p:nvSpPr>
+        <p:spPr/>
+        <p:txBody>
+          <a:bodyPr/>
+          <a:lstStyle/>
+          <a:p>
+            <a:fld id="{1BDE3FE7-3AEA-4B05-AC5A-802D1816ACF0}" type="slidenum">
+              <a:rPr lang="ko-KR" altLang="en-US" smtClean="0"/>
+              <a:t>34</a:t>
+            </a:fld>
+            <a:endParaRPr lang="ko-KR" altLang="en-US"/>
+          </a:p>
+        </p:txBody>
+      </p:sp>
+      <p:pic>
+        <p:nvPicPr>
+          <p:cNvPr id="3" name="그림 2"/>
+          <p:cNvPicPr>
+            <a:picLocks noChangeAspect="1"/>
+          </p:cNvPicPr>
+          <p:nvPr/>
+        </p:nvPicPr>
+        <p:blipFill>
+          <a:blip r:embed="rId2">
+            <a:extLst>
+              <a:ext uri="{28A0092B-C50C-407E-A947-70E740481C1C}">
+                <a14:useLocalDpi xmlns:a14="http://schemas.microsoft.com/office/drawing/2010/main" val="0"/>
+              </a:ext>
+            </a:extLst>
+          </a:blip>
+          <a:stretch>
+            <a:fillRect/>
+          </a:stretch>
+        </p:blipFill>
+        <p:spPr>
+          <a:xfrm>
+            <a:off x="1691680" y="1484784"/>
+            <a:ext cx="4596096" cy="2808312"/>
+          </a:xfrm>
+          <a:prstGeom prst="rect">
+            <a:avLst/>
+          </a:prstGeom>
+          <a:ln>
+            <a:solidFill>
+              <a:schemeClr val="bg1">
+                <a:lumMod val="85000"/>
+              </a:schemeClr>
+            </a:solidFill>
+          </a:ln>
+        </p:spPr>
+      </p:pic>
+      <p:pic>
+        <p:nvPicPr>
+          <p:cNvPr id="8" name="그림 7"/>
+          <p:cNvPicPr>
+            <a:picLocks noChangeAspect="1"/>
+          </p:cNvPicPr>
+          <p:nvPr/>
+        </p:nvPicPr>
+        <p:blipFill>
+          <a:blip r:embed="rId3">
+            <a:extLst>
+              <a:ext uri="{28A0092B-C50C-407E-A947-70E740481C1C}">
+                <a14:useLocalDpi xmlns:a14="http://schemas.microsoft.com/office/drawing/2010/main" val="0"/>
+              </a:ext>
+            </a:extLst>
+          </a:blip>
+          <a:stretch>
+            <a:fillRect/>
+          </a:stretch>
+        </p:blipFill>
+        <p:spPr>
+          <a:xfrm>
+            <a:off x="2699792" y="4685876"/>
+            <a:ext cx="1874682" cy="510584"/>
+          </a:xfrm>
+          <a:prstGeom prst="rect">
+            <a:avLst/>
+          </a:prstGeom>
+          <a:ln>
+            <a:solidFill>
+              <a:schemeClr val="bg1">
+                <a:lumMod val="85000"/>
+              </a:schemeClr>
+            </a:solidFill>
+          </a:ln>
+        </p:spPr>
+      </p:pic>
+    </p:spTree>
+    <p:extLst>
+      <p:ext uri="{BB962C8B-B14F-4D97-AF65-F5344CB8AC3E}">
+        <p14:creationId xmlns:p14="http://schemas.microsoft.com/office/powerpoint/2010/main" val="4202239795"/>
+      </p:ext>
+    </p:extLst>
+  </p:cSld>
+  <p:clrMapOvr>
+    <a:masterClrMapping/>
+  </p:clrMapOvr>
+</p:sld>
+</file>
+
+<file path=ppt/slides/slide35.xml><?xml version="1.0" encoding="utf-8"?>
+<p:sld xmlns:a="http://schemas.openxmlformats.org/drawingml/2006/main" xmlns:r="http://schemas.openxmlformats.org/officeDocument/2006/relationships" xmlns:p="http://schemas.openxmlformats.org/presentationml/2006/main">
+  <p:cSld>
+    <p:spTree>
+      <p:nvGrpSpPr>
+        <p:cNvPr id="1" name=""/>
+        <p:cNvGrpSpPr/>
+        <p:nvPr/>
+      </p:nvGrpSpPr>
+      <p:grpSpPr>
+        <a:xfrm>
+          <a:off x="0" y="0"/>
+          <a:ext cx="0" cy="0"/>
+          <a:chOff x="0" y="0"/>
+          <a:chExt cx="0" cy="0"/>
+        </a:xfrm>
+      </p:grpSpPr>
+      <p:sp>
+        <p:nvSpPr>
+          <p:cNvPr id="2" name="제목 1"/>
+          <p:cNvSpPr>
+            <a:spLocks noGrp="1"/>
+          </p:cNvSpPr>
+          <p:nvPr>
+            <p:ph type="title"/>
+          </p:nvPr>
+        </p:nvSpPr>
+        <p:spPr/>
+        <p:txBody>
+          <a:bodyPr/>
+          <a:lstStyle/>
+          <a:p>
+            <a:r>
+              <a:rPr lang="en-US" altLang="ko-KR" dirty="0"/>
+              <a:t>  </a:t>
+            </a:r>
+            <a:r>
+              <a:rPr lang="ko-KR" altLang="en-US" dirty="0" err="1"/>
+              <a:t>뷰</a:t>
+            </a:r>
+            <a:r>
+              <a:rPr lang="en-US" altLang="ko-KR" dirty="0"/>
+              <a:t>(view)</a:t>
+            </a:r>
+            <a:endParaRPr lang="ko-KR" altLang="en-US" dirty="0"/>
+          </a:p>
+        </p:txBody>
+      </p:sp>
+      <p:sp>
+        <p:nvSpPr>
+          <p:cNvPr id="4" name="슬라이드 번호 개체 틀 3"/>
+          <p:cNvSpPr>
+            <a:spLocks noGrp="1"/>
+          </p:cNvSpPr>
+          <p:nvPr>
+            <p:ph type="sldNum" sz="quarter" idx="12"/>
+          </p:nvPr>
+        </p:nvSpPr>
+        <p:spPr/>
+        <p:txBody>
+          <a:bodyPr/>
+          <a:lstStyle/>
+          <a:p>
+            <a:fld id="{1BDE3FE7-3AEA-4B05-AC5A-802D1816ACF0}" type="slidenum">
+              <a:rPr lang="ko-KR" altLang="en-US" smtClean="0"/>
+              <a:t>35</a:t>
+            </a:fld>
+            <a:endParaRPr lang="ko-KR" altLang="en-US"/>
+          </a:p>
+        </p:txBody>
+      </p:sp>
+      <p:pic>
+        <p:nvPicPr>
+          <p:cNvPr id="5" name="그림 4"/>
+          <p:cNvPicPr>
+            <a:picLocks noChangeAspect="1"/>
+          </p:cNvPicPr>
+          <p:nvPr/>
+        </p:nvPicPr>
+        <p:blipFill>
+          <a:blip r:embed="rId2">
+            <a:extLst>
+              <a:ext uri="{28A0092B-C50C-407E-A947-70E740481C1C}">
+                <a14:useLocalDpi xmlns:a14="http://schemas.microsoft.com/office/drawing/2010/main" val="0"/>
+              </a:ext>
+            </a:extLst>
+          </a:blip>
+          <a:stretch>
+            <a:fillRect/>
+          </a:stretch>
+        </p:blipFill>
+        <p:spPr>
+          <a:xfrm>
+            <a:off x="1475656" y="1484784"/>
+            <a:ext cx="4740051" cy="2606266"/>
+          </a:xfrm>
+          <a:prstGeom prst="rect">
+            <a:avLst/>
+          </a:prstGeom>
+          <a:ln>
+            <a:solidFill>
+              <a:schemeClr val="bg1">
+                <a:lumMod val="85000"/>
+              </a:schemeClr>
+            </a:solidFill>
+          </a:ln>
+        </p:spPr>
+      </p:pic>
+      <p:pic>
+        <p:nvPicPr>
+          <p:cNvPr id="6" name="그림 5"/>
+          <p:cNvPicPr>
+            <a:picLocks noChangeAspect="1"/>
+          </p:cNvPicPr>
+          <p:nvPr/>
+        </p:nvPicPr>
+        <p:blipFill>
+          <a:blip r:embed="rId3">
+            <a:extLst>
+              <a:ext uri="{28A0092B-C50C-407E-A947-70E740481C1C}">
+                <a14:useLocalDpi xmlns:a14="http://schemas.microsoft.com/office/drawing/2010/main" val="0"/>
+              </a:ext>
+            </a:extLst>
+          </a:blip>
+          <a:stretch>
+            <a:fillRect/>
+          </a:stretch>
+        </p:blipFill>
+        <p:spPr>
+          <a:xfrm>
+            <a:off x="2411760" y="4581128"/>
+            <a:ext cx="2530059" cy="1272650"/>
+          </a:xfrm>
+          <a:prstGeom prst="rect">
+            <a:avLst/>
+          </a:prstGeom>
+          <a:ln>
+            <a:solidFill>
+              <a:schemeClr val="bg1">
+                <a:lumMod val="85000"/>
+              </a:schemeClr>
+            </a:solidFill>
+          </a:ln>
+        </p:spPr>
+      </p:pic>
+    </p:spTree>
+    <p:extLst>
+      <p:ext uri="{BB962C8B-B14F-4D97-AF65-F5344CB8AC3E}">
+        <p14:creationId xmlns:p14="http://schemas.microsoft.com/office/powerpoint/2010/main" val="1042788309"/>
+      </p:ext>
+    </p:extLst>
+  </p:cSld>
+  <p:clrMapOvr>
+    <a:masterClrMapping/>
+  </p:clrMapOvr>
+</p:sld>
+</file>
+
+<file path=ppt/slides/slide36.xml><?xml version="1.0" encoding="utf-8"?>
+<p:sld xmlns:a="http://schemas.openxmlformats.org/drawingml/2006/main" xmlns:r="http://schemas.openxmlformats.org/officeDocument/2006/relationships" xmlns:p="http://schemas.openxmlformats.org/presentationml/2006/main">
+  <p:cSld>
+    <p:spTree>
+      <p:nvGrpSpPr>
+        <p:cNvPr id="1" name=""/>
+        <p:cNvGrpSpPr/>
+        <p:nvPr/>
+      </p:nvGrpSpPr>
+      <p:grpSpPr>
+        <a:xfrm>
+          <a:off x="0" y="0"/>
+          <a:ext cx="0" cy="0"/>
+          <a:chOff x="0" y="0"/>
+          <a:chExt cx="0" cy="0"/>
+        </a:xfrm>
+      </p:grpSpPr>
+      <p:sp>
+        <p:nvSpPr>
+          <p:cNvPr id="2" name="제목 1"/>
+          <p:cNvSpPr>
+            <a:spLocks noGrp="1"/>
+          </p:cNvSpPr>
+          <p:nvPr>
+            <p:ph type="title"/>
+          </p:nvPr>
+        </p:nvSpPr>
+        <p:spPr/>
+        <p:txBody>
+          <a:bodyPr/>
+          <a:lstStyle/>
+          <a:p>
+            <a:r>
+              <a:rPr lang="en-US" altLang="ko-KR" dirty="0"/>
+              <a:t>  </a:t>
+            </a:r>
+            <a:r>
+              <a:rPr lang="ko-KR" altLang="en-US" dirty="0" err="1"/>
+              <a:t>뷰</a:t>
+            </a:r>
+            <a:r>
+              <a:rPr lang="en-US" altLang="ko-KR" dirty="0"/>
+              <a:t>(view)</a:t>
+            </a:r>
+            <a:endParaRPr lang="ko-KR" altLang="en-US" dirty="0"/>
+          </a:p>
+        </p:txBody>
+      </p:sp>
+      <p:sp>
+        <p:nvSpPr>
+          <p:cNvPr id="4" name="슬라이드 번호 개체 틀 3"/>
+          <p:cNvSpPr>
+            <a:spLocks noGrp="1"/>
+          </p:cNvSpPr>
+          <p:nvPr>
+            <p:ph type="sldNum" sz="quarter" idx="12"/>
+          </p:nvPr>
+        </p:nvSpPr>
+        <p:spPr/>
+        <p:txBody>
+          <a:bodyPr/>
+          <a:lstStyle/>
+          <a:p>
+            <a:fld id="{1BDE3FE7-3AEA-4B05-AC5A-802D1816ACF0}" type="slidenum">
+              <a:rPr lang="ko-KR" altLang="en-US" smtClean="0"/>
+              <a:t>36</a:t>
             </a:fld>
             <a:endParaRPr lang="ko-KR" altLang="en-US"/>
           </a:p>
@@ -13299,7 +13856,7 @@
 </p:sld>
 </file>
 
-<file path=ppt/slides/slide33.xml><?xml version="1.0" encoding="utf-8"?>
+<file path=ppt/slides/slide37.xml><?xml version="1.0" encoding="utf-8"?>
 <p:sld xmlns:a="http://schemas.openxmlformats.org/drawingml/2006/main" xmlns:r="http://schemas.openxmlformats.org/officeDocument/2006/relationships" xmlns:p="http://schemas.openxmlformats.org/presentationml/2006/main">
   <p:cSld>
     <p:spTree>
@@ -13362,7 +13919,7 @@
           <a:p>
             <a:fld id="{1BDE3FE7-3AEA-4B05-AC5A-802D1816ACF0}" type="slidenum">
               <a:rPr lang="ko-KR" altLang="en-US" smtClean="0"/>
-              <a:t>33</a:t>
+              <a:t>37</a:t>
             </a:fld>
             <a:endParaRPr lang="ko-KR" altLang="en-US"/>
           </a:p>
@@ -13499,7 +14056,7 @@
 </p:sld>
 </file>
 
-<file path=ppt/slides/slide34.xml><?xml version="1.0" encoding="utf-8"?>
+<file path=ppt/slides/slide38.xml><?xml version="1.0" encoding="utf-8"?>
 <p:sld xmlns:a="http://schemas.openxmlformats.org/drawingml/2006/main" xmlns:r="http://schemas.openxmlformats.org/officeDocument/2006/relationships" xmlns:p="http://schemas.openxmlformats.org/presentationml/2006/main">
   <p:cSld>
     <p:spTree>
@@ -13564,7 +14121,7 @@
           <a:p>
             <a:fld id="{1BDE3FE7-3AEA-4B05-AC5A-802D1816ACF0}" type="slidenum">
               <a:rPr lang="ko-KR" altLang="en-US" smtClean="0"/>
-              <a:t>34</a:t>
+              <a:t>38</a:t>
             </a:fld>
             <a:endParaRPr lang="ko-KR" altLang="en-US"/>
           </a:p>
@@ -14331,7 +14888,7 @@
 </p:sld>
 </file>
 
-<file path=ppt/slides/slide35.xml><?xml version="1.0" encoding="utf-8"?>
+<file path=ppt/slides/slide39.xml><?xml version="1.0" encoding="utf-8"?>
 <p:sld xmlns:a="http://schemas.openxmlformats.org/drawingml/2006/main" xmlns:r="http://schemas.openxmlformats.org/officeDocument/2006/relationships" xmlns:p="http://schemas.openxmlformats.org/presentationml/2006/main">
   <p:cSld>
     <p:spTree>
@@ -14393,7 +14950,7 @@
           <a:p>
             <a:fld id="{1BDE3FE7-3AEA-4B05-AC5A-802D1816ACF0}" type="slidenum">
               <a:rPr lang="ko-KR" altLang="en-US" smtClean="0"/>
-              <a:t>35</a:t>
+              <a:t>39</a:t>
             </a:fld>
             <a:endParaRPr lang="ko-KR" altLang="en-US"/>
           </a:p>
@@ -14494,7 +15051,7 @@
 </p:sld>
 </file>
 
-<file path=ppt/slides/slide36.xml><?xml version="1.0" encoding="utf-8"?>
+<file path=ppt/slides/slide4.xml><?xml version="1.0" encoding="utf-8"?>
 <p:sld xmlns:a="http://schemas.openxmlformats.org/drawingml/2006/main" xmlns:r="http://schemas.openxmlformats.org/officeDocument/2006/relationships" xmlns:p="http://schemas.openxmlformats.org/presentationml/2006/main">
   <p:cSld>
     <p:spTree>
@@ -14523,18 +15080,16 @@
         </p:nvSpPr>
         <p:spPr/>
         <p:txBody>
-          <a:bodyPr>
-            <a:normAutofit/>
-          </a:bodyPr>
-          <a:lstStyle/>
-          <a:p>
-            <a:r>
-              <a:rPr lang="en-US" altLang="ko-KR" sz="2800" dirty="0" smtClean="0"/>
-              <a:t> </a:t>
-            </a:r>
-            <a:r>
-              <a:rPr lang="ko-KR" altLang="en-US" sz="2800" dirty="0"/>
-              <a:t>게시판 테이블</a:t>
+          <a:bodyPr/>
+          <a:lstStyle/>
+          <a:p>
+            <a:r>
+              <a:rPr lang="en-US" altLang="ko-KR" dirty="0"/>
+              <a:t>  SELECT – </a:t>
+            </a:r>
+            <a:r>
+              <a:rPr lang="ko-KR" altLang="en-US" dirty="0"/>
+              <a:t>자료 검색</a:t>
             </a:r>
           </a:p>
         </p:txBody>
@@ -14556,7 +15111,154 @@
           <a:p>
             <a:fld id="{1BDE3FE7-3AEA-4B05-AC5A-802D1816ACF0}" type="slidenum">
               <a:rPr lang="ko-KR" altLang="en-US" smtClean="0"/>
-              <a:t>36</a:t>
+              <a:t>4</a:t>
+            </a:fld>
+            <a:endParaRPr lang="ko-KR" altLang="en-US"/>
+          </a:p>
+        </p:txBody>
+      </p:sp>
+      <p:pic>
+        <p:nvPicPr>
+          <p:cNvPr id="6" name="그림 5"/>
+          <p:cNvPicPr>
+            <a:picLocks noChangeAspect="1"/>
+          </p:cNvPicPr>
+          <p:nvPr/>
+        </p:nvPicPr>
+        <p:blipFill rotWithShape="1">
+          <a:blip r:embed="rId2">
+            <a:extLst>
+              <a:ext uri="{28A0092B-C50C-407E-A947-70E740481C1C}">
+                <a14:useLocalDpi xmlns:a14="http://schemas.microsoft.com/office/drawing/2010/main" val="0"/>
+              </a:ext>
+            </a:extLst>
+          </a:blip>
+          <a:srcRect t="23560" b="26367"/>
+          <a:stretch/>
+        </p:blipFill>
+        <p:spPr>
+          <a:xfrm>
+            <a:off x="1331640" y="1814195"/>
+            <a:ext cx="5256584" cy="2448272"/>
+          </a:xfrm>
+          <a:prstGeom prst="rect">
+            <a:avLst/>
+          </a:prstGeom>
+          <a:ln>
+            <a:solidFill>
+              <a:schemeClr val="bg1">
+                <a:lumMod val="85000"/>
+              </a:schemeClr>
+            </a:solidFill>
+          </a:ln>
+        </p:spPr>
+      </p:pic>
+      <p:sp>
+        <p:nvSpPr>
+          <p:cNvPr id="7" name="TextBox 6"/>
+          <p:cNvSpPr txBox="1"/>
+          <p:nvPr/>
+        </p:nvSpPr>
+        <p:spPr>
+          <a:xfrm>
+            <a:off x="1115616" y="1196752"/>
+            <a:ext cx="1512168" cy="369332"/>
+          </a:xfrm>
+          <a:prstGeom prst="rect">
+            <a:avLst/>
+          </a:prstGeom>
+          <a:noFill/>
+        </p:spPr>
+        <p:txBody>
+          <a:bodyPr wrap="square" rtlCol="0">
+            <a:spAutoFit/>
+          </a:bodyPr>
+          <a:lstStyle/>
+          <a:p>
+            <a:r>
+              <a:rPr lang="ko-KR" altLang="en-US"/>
+              <a:t>◆ 범위</a:t>
+            </a:r>
+            <a:endParaRPr lang="ko-KR" altLang="en-US" dirty="0"/>
+          </a:p>
+        </p:txBody>
+      </p:sp>
+    </p:spTree>
+    <p:extLst>
+      <p:ext uri="{BB962C8B-B14F-4D97-AF65-F5344CB8AC3E}">
+        <p14:creationId xmlns:p14="http://schemas.microsoft.com/office/powerpoint/2010/main" val="4208795693"/>
+      </p:ext>
+    </p:extLst>
+  </p:cSld>
+  <p:clrMapOvr>
+    <a:masterClrMapping/>
+  </p:clrMapOvr>
+</p:sld>
+</file>
+
+<file path=ppt/slides/slide40.xml><?xml version="1.0" encoding="utf-8"?>
+<p:sld xmlns:a="http://schemas.openxmlformats.org/drawingml/2006/main" xmlns:r="http://schemas.openxmlformats.org/officeDocument/2006/relationships" xmlns:p="http://schemas.openxmlformats.org/presentationml/2006/main">
+  <p:cSld>
+    <p:spTree>
+      <p:nvGrpSpPr>
+        <p:cNvPr id="1" name=""/>
+        <p:cNvGrpSpPr/>
+        <p:nvPr/>
+      </p:nvGrpSpPr>
+      <p:grpSpPr>
+        <a:xfrm>
+          <a:off x="0" y="0"/>
+          <a:ext cx="0" cy="0"/>
+          <a:chOff x="0" y="0"/>
+          <a:chExt cx="0" cy="0"/>
+        </a:xfrm>
+      </p:grpSpPr>
+      <p:sp>
+        <p:nvSpPr>
+          <p:cNvPr id="2" name="제목 1"/>
+          <p:cNvSpPr>
+            <a:spLocks noGrp="1"/>
+          </p:cNvSpPr>
+          <p:nvPr>
+            <p:ph type="title"/>
+          </p:nvPr>
+        </p:nvSpPr>
+        <p:spPr/>
+        <p:txBody>
+          <a:bodyPr>
+            <a:normAutofit/>
+          </a:bodyPr>
+          <a:lstStyle/>
+          <a:p>
+            <a:r>
+              <a:rPr lang="en-US" altLang="ko-KR" sz="2800" dirty="0" smtClean="0"/>
+              <a:t> </a:t>
+            </a:r>
+            <a:r>
+              <a:rPr lang="ko-KR" altLang="en-US" sz="2800" dirty="0"/>
+              <a:t>게시판 테이블</a:t>
+            </a:r>
+          </a:p>
+        </p:txBody>
+      </p:sp>
+      <p:sp>
+        <p:nvSpPr>
+          <p:cNvPr id="4" name="슬라이드 번호 개체 틀 3"/>
+          <p:cNvSpPr>
+            <a:spLocks noGrp="1"/>
+          </p:cNvSpPr>
+          <p:nvPr>
+            <p:ph type="sldNum" sz="quarter" idx="12"/>
+          </p:nvPr>
+        </p:nvSpPr>
+        <p:spPr/>
+        <p:txBody>
+          <a:bodyPr/>
+          <a:lstStyle/>
+          <a:p>
+            <a:fld id="{1BDE3FE7-3AEA-4B05-AC5A-802D1816ACF0}" type="slidenum">
+              <a:rPr lang="ko-KR" altLang="en-US" smtClean="0"/>
+              <a:t>40</a:t>
             </a:fld>
             <a:endParaRPr lang="ko-KR" altLang="en-US"/>
           </a:p>
@@ -14692,7 +15394,7 @@
 </p:sld>
 </file>
 
-<file path=ppt/slides/slide37.xml><?xml version="1.0" encoding="utf-8"?>
+<file path=ppt/slides/slide41.xml><?xml version="1.0" encoding="utf-8"?>
 <p:sld xmlns:a="http://schemas.openxmlformats.org/drawingml/2006/main" xmlns:r="http://schemas.openxmlformats.org/officeDocument/2006/relationships" xmlns:p="http://schemas.openxmlformats.org/presentationml/2006/main">
   <p:cSld>
     <p:spTree>
@@ -14751,7 +15453,7 @@
           <a:p>
             <a:fld id="{1BDE3FE7-3AEA-4B05-AC5A-802D1816ACF0}" type="slidenum">
               <a:rPr lang="ko-KR" altLang="en-US" smtClean="0"/>
-              <a:t>37</a:t>
+              <a:t>41</a:t>
             </a:fld>
             <a:endParaRPr lang="ko-KR" altLang="en-US"/>
           </a:p>
@@ -14958,7 +15660,7 @@
 </p:sld>
 </file>
 
-<file path=ppt/slides/slide38.xml><?xml version="1.0" encoding="utf-8"?>
+<file path=ppt/slides/slide42.xml><?xml version="1.0" encoding="utf-8"?>
 <p:sld xmlns:a="http://schemas.openxmlformats.org/drawingml/2006/main" xmlns:r="http://schemas.openxmlformats.org/officeDocument/2006/relationships" xmlns:p="http://schemas.openxmlformats.org/presentationml/2006/main">
   <p:cSld>
     <p:spTree>
@@ -15017,7 +15719,7 @@
           <a:p>
             <a:fld id="{1BDE3FE7-3AEA-4B05-AC5A-802D1816ACF0}" type="slidenum">
               <a:rPr lang="ko-KR" altLang="en-US" smtClean="0"/>
-              <a:t>38</a:t>
+              <a:t>42</a:t>
             </a:fld>
             <a:endParaRPr lang="ko-KR" altLang="en-US"/>
           </a:p>
@@ -15154,7 +15856,7 @@
 </p:sld>
 </file>
 
-<file path=ppt/slides/slide39.xml><?xml version="1.0" encoding="utf-8"?>
+<file path=ppt/slides/slide43.xml><?xml version="1.0" encoding="utf-8"?>
 <p:sld xmlns:a="http://schemas.openxmlformats.org/drawingml/2006/main" xmlns:r="http://schemas.openxmlformats.org/officeDocument/2006/relationships" xmlns:p="http://schemas.openxmlformats.org/presentationml/2006/main">
   <p:cSld>
     <p:spTree>
@@ -15213,7 +15915,7 @@
           <a:p>
             <a:fld id="{1BDE3FE7-3AEA-4B05-AC5A-802D1816ACF0}" type="slidenum">
               <a:rPr lang="ko-KR" altLang="en-US" smtClean="0"/>
-              <a:t>39</a:t>
+              <a:t>43</a:t>
             </a:fld>
             <a:endParaRPr lang="ko-KR" altLang="en-US"/>
           </a:p>
@@ -15458,151 +16160,6 @@
       </p:par>
     </p:tnLst>
   </p:timing>
-</p:sld>
-</file>
-
-<file path=ppt/slides/slide4.xml><?xml version="1.0" encoding="utf-8"?>
-<p:sld xmlns:a="http://schemas.openxmlformats.org/drawingml/2006/main" xmlns:r="http://schemas.openxmlformats.org/officeDocument/2006/relationships" xmlns:p="http://schemas.openxmlformats.org/presentationml/2006/main">
-  <p:cSld>
-    <p:spTree>
-      <p:nvGrpSpPr>
-        <p:cNvPr id="1" name=""/>
-        <p:cNvGrpSpPr/>
-        <p:nvPr/>
-      </p:nvGrpSpPr>
-      <p:grpSpPr>
-        <a:xfrm>
-          <a:off x="0" y="0"/>
-          <a:ext cx="0" cy="0"/>
-          <a:chOff x="0" y="0"/>
-          <a:chExt cx="0" cy="0"/>
-        </a:xfrm>
-      </p:grpSpPr>
-      <p:sp>
-        <p:nvSpPr>
-          <p:cNvPr id="2" name="제목 1"/>
-          <p:cNvSpPr>
-            <a:spLocks noGrp="1"/>
-          </p:cNvSpPr>
-          <p:nvPr>
-            <p:ph type="title"/>
-          </p:nvPr>
-        </p:nvSpPr>
-        <p:spPr/>
-        <p:txBody>
-          <a:bodyPr/>
-          <a:lstStyle/>
-          <a:p>
-            <a:r>
-              <a:rPr lang="en-US" altLang="ko-KR" dirty="0"/>
-              <a:t>  SELECT – </a:t>
-            </a:r>
-            <a:r>
-              <a:rPr lang="ko-KR" altLang="en-US" dirty="0"/>
-              <a:t>자료 검색</a:t>
-            </a:r>
-          </a:p>
-        </p:txBody>
-      </p:sp>
-      <p:sp>
-        <p:nvSpPr>
-          <p:cNvPr id="4" name="슬라이드 번호 개체 틀 3"/>
-          <p:cNvSpPr>
-            <a:spLocks noGrp="1"/>
-          </p:cNvSpPr>
-          <p:nvPr>
-            <p:ph type="sldNum" sz="quarter" idx="12"/>
-          </p:nvPr>
-        </p:nvSpPr>
-        <p:spPr/>
-        <p:txBody>
-          <a:bodyPr/>
-          <a:lstStyle/>
-          <a:p>
-            <a:fld id="{1BDE3FE7-3AEA-4B05-AC5A-802D1816ACF0}" type="slidenum">
-              <a:rPr lang="ko-KR" altLang="en-US" smtClean="0"/>
-              <a:t>4</a:t>
-            </a:fld>
-            <a:endParaRPr lang="ko-KR" altLang="en-US"/>
-          </a:p>
-        </p:txBody>
-      </p:sp>
-      <p:pic>
-        <p:nvPicPr>
-          <p:cNvPr id="6" name="그림 5"/>
-          <p:cNvPicPr>
-            <a:picLocks noChangeAspect="1"/>
-          </p:cNvPicPr>
-          <p:nvPr/>
-        </p:nvPicPr>
-        <p:blipFill rotWithShape="1">
-          <a:blip r:embed="rId2">
-            <a:extLst>
-              <a:ext uri="{28A0092B-C50C-407E-A947-70E740481C1C}">
-                <a14:useLocalDpi xmlns:a14="http://schemas.microsoft.com/office/drawing/2010/main" val="0"/>
-              </a:ext>
-            </a:extLst>
-          </a:blip>
-          <a:srcRect t="23560" b="26367"/>
-          <a:stretch/>
-        </p:blipFill>
-        <p:spPr>
-          <a:xfrm>
-            <a:off x="1331640" y="1814195"/>
-            <a:ext cx="5256584" cy="2448272"/>
-          </a:xfrm>
-          <a:prstGeom prst="rect">
-            <a:avLst/>
-          </a:prstGeom>
-          <a:ln>
-            <a:solidFill>
-              <a:schemeClr val="bg1">
-                <a:lumMod val="85000"/>
-              </a:schemeClr>
-            </a:solidFill>
-          </a:ln>
-        </p:spPr>
-      </p:pic>
-      <p:sp>
-        <p:nvSpPr>
-          <p:cNvPr id="7" name="TextBox 6"/>
-          <p:cNvSpPr txBox="1"/>
-          <p:nvPr/>
-        </p:nvSpPr>
-        <p:spPr>
-          <a:xfrm>
-            <a:off x="1115616" y="1196752"/>
-            <a:ext cx="1512168" cy="369332"/>
-          </a:xfrm>
-          <a:prstGeom prst="rect">
-            <a:avLst/>
-          </a:prstGeom>
-          <a:noFill/>
-        </p:spPr>
-        <p:txBody>
-          <a:bodyPr wrap="square" rtlCol="0">
-            <a:spAutoFit/>
-          </a:bodyPr>
-          <a:lstStyle/>
-          <a:p>
-            <a:r>
-              <a:rPr lang="ko-KR" altLang="en-US"/>
-              <a:t>◆ 범위</a:t>
-            </a:r>
-            <a:endParaRPr lang="ko-KR" altLang="en-US" dirty="0"/>
-          </a:p>
-        </p:txBody>
-      </p:sp>
-    </p:spTree>
-    <p:extLst>
-      <p:ext uri="{BB962C8B-B14F-4D97-AF65-F5344CB8AC3E}">
-        <p14:creationId xmlns:p14="http://schemas.microsoft.com/office/powerpoint/2010/main" val="4208795693"/>
-      </p:ext>
-    </p:extLst>
-  </p:cSld>
-  <p:clrMapOvr>
-    <a:masterClrMapping/>
-  </p:clrMapOvr>
 </p:sld>
 </file>
 

--- a/sqlWorks/자료/db_ppt/4장. select_join.pptx
+++ b/sqlWorks/자료/db_ppt/4장. select_join.pptx
@@ -5,7 +5,7 @@
     <p:sldMasterId id="2147483648" r:id="rId1"/>
   </p:sldMasterIdLst>
   <p:notesMasterIdLst>
-    <p:notesMasterId r:id="rId45"/>
+    <p:notesMasterId r:id="rId49"/>
   </p:notesMasterIdLst>
   <p:sldIdLst>
     <p:sldId id="256" r:id="rId2"/>
@@ -32,25 +32,29 @@
     <p:sldId id="385" r:id="rId23"/>
     <p:sldId id="401" r:id="rId24"/>
     <p:sldId id="389" r:id="rId25"/>
-    <p:sldId id="409" r:id="rId26"/>
-    <p:sldId id="386" r:id="rId27"/>
-    <p:sldId id="369" r:id="rId28"/>
-    <p:sldId id="370" r:id="rId29"/>
-    <p:sldId id="394" r:id="rId30"/>
-    <p:sldId id="363" r:id="rId31"/>
-    <p:sldId id="364" r:id="rId32"/>
-    <p:sldId id="366" r:id="rId33"/>
+    <p:sldId id="386" r:id="rId26"/>
+    <p:sldId id="369" r:id="rId27"/>
+    <p:sldId id="370" r:id="rId28"/>
+    <p:sldId id="394" r:id="rId29"/>
+    <p:sldId id="363" r:id="rId30"/>
+    <p:sldId id="364" r:id="rId31"/>
+    <p:sldId id="366" r:id="rId32"/>
+    <p:sldId id="409" r:id="rId33"/>
     <p:sldId id="410" r:id="rId34"/>
     <p:sldId id="411" r:id="rId35"/>
-    <p:sldId id="412" r:id="rId36"/>
-    <p:sldId id="365" r:id="rId37"/>
-    <p:sldId id="402" r:id="rId38"/>
-    <p:sldId id="408" r:id="rId39"/>
-    <p:sldId id="403" r:id="rId40"/>
-    <p:sldId id="404" r:id="rId41"/>
-    <p:sldId id="405" r:id="rId42"/>
-    <p:sldId id="406" r:id="rId43"/>
-    <p:sldId id="407" r:id="rId44"/>
+    <p:sldId id="365" r:id="rId36"/>
+    <p:sldId id="412" r:id="rId37"/>
+    <p:sldId id="413" r:id="rId38"/>
+    <p:sldId id="402" r:id="rId39"/>
+    <p:sldId id="415" r:id="rId40"/>
+    <p:sldId id="416" r:id="rId41"/>
+    <p:sldId id="414" r:id="rId42"/>
+    <p:sldId id="408" r:id="rId43"/>
+    <p:sldId id="403" r:id="rId44"/>
+    <p:sldId id="404" r:id="rId45"/>
+    <p:sldId id="405" r:id="rId46"/>
+    <p:sldId id="406" r:id="rId47"/>
+    <p:sldId id="407" r:id="rId48"/>
   </p:sldIdLst>
   <p:sldSz cx="9144000" cy="6858000" type="screen4x3"/>
   <p:notesSz cx="6858000" cy="9144000"/>
@@ -250,7 +254,7 @@
           <a:p>
             <a:fld id="{7665CDAC-D627-4E87-877A-1B781DD4CADC}" type="datetimeFigureOut">
               <a:rPr lang="ko-KR" altLang="en-US" smtClean="0"/>
-              <a:t>2023-05-02</a:t>
+              <a:t>2023-05-07</a:t>
             </a:fld>
             <a:endParaRPr lang="ko-KR" altLang="en-US"/>
           </a:p>
@@ -1101,7 +1105,7 @@
           <a:p>
             <a:fld id="{E240FE80-3752-4C44-80B8-E31C3450070D}" type="datetime1">
               <a:rPr lang="ko-KR" altLang="en-US" smtClean="0"/>
-              <a:t>2023-05-02</a:t>
+              <a:t>2023-05-07</a:t>
             </a:fld>
             <a:endParaRPr lang="ko-KR" altLang="en-US"/>
           </a:p>
@@ -1279,7 +1283,7 @@
           <a:p>
             <a:fld id="{5FA88D13-428F-4553-BC93-2E91B1DA3F5C}" type="datetime1">
               <a:rPr lang="ko-KR" altLang="en-US" smtClean="0"/>
-              <a:t>2023-05-02</a:t>
+              <a:t>2023-05-07</a:t>
             </a:fld>
             <a:endParaRPr lang="ko-KR" altLang="en-US"/>
           </a:p>
@@ -1451,7 +1455,7 @@
           <a:p>
             <a:fld id="{4E9D4779-FB94-4D0A-9770-16BB460ADD4B}" type="datetime1">
               <a:rPr lang="ko-KR" altLang="en-US" smtClean="0"/>
-              <a:t>2023-05-02</a:t>
+              <a:t>2023-05-07</a:t>
             </a:fld>
             <a:endParaRPr lang="ko-KR" altLang="en-US"/>
           </a:p>
@@ -1696,7 +1700,7 @@
           <a:p>
             <a:fld id="{DD687F0D-089E-4098-8EE9-5721C76E52EC}" type="datetime1">
               <a:rPr lang="ko-KR" altLang="en-US" smtClean="0"/>
-              <a:t>2023-05-02</a:t>
+              <a:t>2023-05-07</a:t>
             </a:fld>
             <a:endParaRPr lang="ko-KR" altLang="en-US"/>
           </a:p>
@@ -1981,7 +1985,7 @@
           <a:p>
             <a:fld id="{09C650FE-E6B2-4D57-AAF6-1B2A37421AAD}" type="datetime1">
               <a:rPr lang="ko-KR" altLang="en-US" smtClean="0"/>
-              <a:t>2023-05-02</a:t>
+              <a:t>2023-05-07</a:t>
             </a:fld>
             <a:endParaRPr lang="ko-KR" altLang="en-US"/>
           </a:p>
@@ -2400,7 +2404,7 @@
           <a:p>
             <a:fld id="{E87F20C2-C949-4E4F-9580-FEE4F2DAC554}" type="datetime1">
               <a:rPr lang="ko-KR" altLang="en-US" smtClean="0"/>
-              <a:t>2023-05-02</a:t>
+              <a:t>2023-05-07</a:t>
             </a:fld>
             <a:endParaRPr lang="ko-KR" altLang="en-US"/>
           </a:p>
@@ -2517,7 +2521,7 @@
           <a:p>
             <a:fld id="{476DBFE0-70CA-4AA9-9C17-F02054822E7E}" type="datetime1">
               <a:rPr lang="ko-KR" altLang="en-US" smtClean="0"/>
-              <a:t>2023-05-02</a:t>
+              <a:t>2023-05-07</a:t>
             </a:fld>
             <a:endParaRPr lang="ko-KR" altLang="en-US"/>
           </a:p>
@@ -2612,7 +2616,7 @@
           <a:p>
             <a:fld id="{6DA84A72-C6AC-45C3-AE5A-9CF6D245353A}" type="datetime1">
               <a:rPr lang="ko-KR" altLang="en-US" smtClean="0"/>
-              <a:t>2023-05-02</a:t>
+              <a:t>2023-05-07</a:t>
             </a:fld>
             <a:endParaRPr lang="ko-KR" altLang="en-US"/>
           </a:p>
@@ -2887,7 +2891,7 @@
           <a:p>
             <a:fld id="{092D9E8D-7616-4FA8-9B12-88059974D499}" type="datetime1">
               <a:rPr lang="ko-KR" altLang="en-US" smtClean="0"/>
-              <a:t>2023-05-02</a:t>
+              <a:t>2023-05-07</a:t>
             </a:fld>
             <a:endParaRPr lang="ko-KR" altLang="en-US"/>
           </a:p>
@@ -3139,7 +3143,7 @@
           <a:p>
             <a:fld id="{79F4C3F6-B4DC-4E51-8609-BCC628ECDBF3}" type="datetime1">
               <a:rPr lang="ko-KR" altLang="en-US" smtClean="0"/>
-              <a:t>2023-05-02</a:t>
+              <a:t>2023-05-07</a:t>
             </a:fld>
             <a:endParaRPr lang="ko-KR" altLang="en-US"/>
           </a:p>
@@ -3318,7 +3322,7 @@
           <a:p>
             <a:fld id="{B2C4C586-F21B-48DD-B591-4B12E73E0749}" type="datetime1">
               <a:rPr lang="ko-KR" altLang="en-US" smtClean="0"/>
-              <a:t>2023-05-02</a:t>
+              <a:t>2023-05-07</a:t>
             </a:fld>
             <a:endParaRPr lang="ko-KR" altLang="en-US"/>
           </a:p>
@@ -10517,7 +10521,7 @@
         </p:blipFill>
         <p:spPr>
           <a:xfrm>
-            <a:off x="1475656" y="1295676"/>
+            <a:off x="971600" y="1196752"/>
             <a:ext cx="5121084" cy="2682472"/>
           </a:xfrm>
           <a:prstGeom prst="rect">
@@ -10554,8 +10558,82 @@
         </p:blipFill>
         <p:spPr>
           <a:xfrm>
-            <a:off x="2321550" y="4437112"/>
+            <a:off x="4644008" y="2420888"/>
             <a:ext cx="4275190" cy="655377"/>
+          </a:xfrm>
+          <a:prstGeom prst="rect">
+            <a:avLst/>
+          </a:prstGeom>
+          <a:ln>
+            <a:solidFill>
+              <a:schemeClr val="bg1">
+                <a:lumMod val="85000"/>
+              </a:schemeClr>
+            </a:solidFill>
+          </a:ln>
+        </p:spPr>
+      </p:pic>
+      <p:pic>
+        <p:nvPicPr>
+          <p:cNvPr id="6" name="그림 5"/>
+          <p:cNvPicPr>
+            <a:picLocks noChangeAspect="1"/>
+          </p:cNvPicPr>
+          <p:nvPr/>
+        </p:nvPicPr>
+        <p:blipFill>
+          <a:blip r:embed="rId4">
+            <a:extLst>
+              <a:ext uri="{28A0092B-C50C-407E-A947-70E740481C1C}">
+                <a14:useLocalDpi xmlns:a14="http://schemas.microsoft.com/office/drawing/2010/main" val="0"/>
+              </a:ext>
+            </a:extLst>
+          </a:blip>
+          <a:stretch>
+            <a:fillRect/>
+          </a:stretch>
+        </p:blipFill>
+        <p:spPr>
+          <a:xfrm>
+            <a:off x="971600" y="4108864"/>
+            <a:ext cx="5486876" cy="1988992"/>
+          </a:xfrm>
+          <a:prstGeom prst="rect">
+            <a:avLst/>
+          </a:prstGeom>
+          <a:ln>
+            <a:solidFill>
+              <a:schemeClr val="bg1">
+                <a:lumMod val="85000"/>
+              </a:schemeClr>
+            </a:solidFill>
+          </a:ln>
+        </p:spPr>
+      </p:pic>
+      <p:pic>
+        <p:nvPicPr>
+          <p:cNvPr id="9" name="그림 8"/>
+          <p:cNvPicPr>
+            <a:picLocks noChangeAspect="1"/>
+          </p:cNvPicPr>
+          <p:nvPr/>
+        </p:nvPicPr>
+        <p:blipFill>
+          <a:blip r:embed="rId5">
+            <a:extLst>
+              <a:ext uri="{28A0092B-C50C-407E-A947-70E740481C1C}">
+                <a14:useLocalDpi xmlns:a14="http://schemas.microsoft.com/office/drawing/2010/main" val="0"/>
+              </a:ext>
+            </a:extLst>
+          </a:blip>
+          <a:stretch>
+            <a:fillRect/>
+          </a:stretch>
+        </p:blipFill>
+        <p:spPr>
+          <a:xfrm>
+            <a:off x="6732240" y="4869160"/>
+            <a:ext cx="1104996" cy="838273"/>
           </a:xfrm>
           <a:prstGeom prst="rect">
             <a:avLst/>
@@ -10643,196 +10721,6 @@
             <a:fld id="{1BDE3FE7-3AEA-4B05-AC5A-802D1816ACF0}" type="slidenum">
               <a:rPr lang="ko-KR" altLang="en-US" smtClean="0"/>
               <a:t>25</a:t>
-            </a:fld>
-            <a:endParaRPr lang="ko-KR" altLang="en-US"/>
-          </a:p>
-        </p:txBody>
-      </p:sp>
-      <p:pic>
-        <p:nvPicPr>
-          <p:cNvPr id="3" name="그림 2"/>
-          <p:cNvPicPr>
-            <a:picLocks noChangeAspect="1"/>
-          </p:cNvPicPr>
-          <p:nvPr/>
-        </p:nvPicPr>
-        <p:blipFill>
-          <a:blip r:embed="rId2">
-            <a:extLst>
-              <a:ext uri="{28A0092B-C50C-407E-A947-70E740481C1C}">
-                <a14:useLocalDpi xmlns:a14="http://schemas.microsoft.com/office/drawing/2010/main" val="0"/>
-              </a:ext>
-            </a:extLst>
-          </a:blip>
-          <a:stretch>
-            <a:fillRect/>
-          </a:stretch>
-        </p:blipFill>
-        <p:spPr>
-          <a:xfrm>
-            <a:off x="971600" y="1412776"/>
-            <a:ext cx="5875432" cy="4032448"/>
-          </a:xfrm>
-          <a:prstGeom prst="rect">
-            <a:avLst/>
-          </a:prstGeom>
-          <a:ln>
-            <a:solidFill>
-              <a:schemeClr val="bg1">
-                <a:lumMod val="85000"/>
-              </a:schemeClr>
-            </a:solidFill>
-          </a:ln>
-        </p:spPr>
-      </p:pic>
-      <p:pic>
-        <p:nvPicPr>
-          <p:cNvPr id="5" name="그림 4"/>
-          <p:cNvPicPr>
-            <a:picLocks noChangeAspect="1"/>
-          </p:cNvPicPr>
-          <p:nvPr/>
-        </p:nvPicPr>
-        <p:blipFill>
-          <a:blip r:embed="rId3">
-            <a:extLst>
-              <a:ext uri="{28A0092B-C50C-407E-A947-70E740481C1C}">
-                <a14:useLocalDpi xmlns:a14="http://schemas.microsoft.com/office/drawing/2010/main" val="0"/>
-              </a:ext>
-            </a:extLst>
-          </a:blip>
-          <a:stretch>
-            <a:fillRect/>
-          </a:stretch>
-        </p:blipFill>
-        <p:spPr>
-          <a:xfrm>
-            <a:off x="5676426" y="3946571"/>
-            <a:ext cx="2743438" cy="807790"/>
-          </a:xfrm>
-          <a:prstGeom prst="rect">
-            <a:avLst/>
-          </a:prstGeom>
-          <a:ln>
-            <a:solidFill>
-              <a:schemeClr val="bg1">
-                <a:lumMod val="85000"/>
-              </a:schemeClr>
-            </a:solidFill>
-          </a:ln>
-        </p:spPr>
-      </p:pic>
-      <p:pic>
-        <p:nvPicPr>
-          <p:cNvPr id="10" name="그림 9"/>
-          <p:cNvPicPr>
-            <a:picLocks noChangeAspect="1"/>
-          </p:cNvPicPr>
-          <p:nvPr/>
-        </p:nvPicPr>
-        <p:blipFill>
-          <a:blip r:embed="rId4">
-            <a:extLst>
-              <a:ext uri="{28A0092B-C50C-407E-A947-70E740481C1C}">
-                <a14:useLocalDpi xmlns:a14="http://schemas.microsoft.com/office/drawing/2010/main" val="0"/>
-              </a:ext>
-            </a:extLst>
-          </a:blip>
-          <a:stretch>
-            <a:fillRect/>
-          </a:stretch>
-        </p:blipFill>
-        <p:spPr>
-          <a:xfrm>
-            <a:off x="5658115" y="2220564"/>
-            <a:ext cx="1938221" cy="1363387"/>
-          </a:xfrm>
-          <a:prstGeom prst="rect">
-            <a:avLst/>
-          </a:prstGeom>
-          <a:ln>
-            <a:solidFill>
-              <a:schemeClr val="bg1">
-                <a:lumMod val="85000"/>
-              </a:schemeClr>
-            </a:solidFill>
-          </a:ln>
-        </p:spPr>
-      </p:pic>
-    </p:spTree>
-    <p:extLst>
-      <p:ext uri="{BB962C8B-B14F-4D97-AF65-F5344CB8AC3E}">
-        <p14:creationId xmlns:p14="http://schemas.microsoft.com/office/powerpoint/2010/main" val="496985878"/>
-      </p:ext>
-    </p:extLst>
-  </p:cSld>
-  <p:clrMapOvr>
-    <a:masterClrMapping/>
-  </p:clrMapOvr>
-</p:sld>
-</file>
-
-<file path=ppt/slides/slide26.xml><?xml version="1.0" encoding="utf-8"?>
-<p:sld xmlns:a="http://schemas.openxmlformats.org/drawingml/2006/main" xmlns:r="http://schemas.openxmlformats.org/officeDocument/2006/relationships" xmlns:p="http://schemas.openxmlformats.org/presentationml/2006/main">
-  <p:cSld>
-    <p:spTree>
-      <p:nvGrpSpPr>
-        <p:cNvPr id="1" name=""/>
-        <p:cNvGrpSpPr/>
-        <p:nvPr/>
-      </p:nvGrpSpPr>
-      <p:grpSpPr>
-        <a:xfrm>
-          <a:off x="0" y="0"/>
-          <a:ext cx="0" cy="0"/>
-          <a:chOff x="0" y="0"/>
-          <a:chExt cx="0" cy="0"/>
-        </a:xfrm>
-      </p:grpSpPr>
-      <p:sp>
-        <p:nvSpPr>
-          <p:cNvPr id="2" name="제목 1"/>
-          <p:cNvSpPr>
-            <a:spLocks noGrp="1"/>
-          </p:cNvSpPr>
-          <p:nvPr>
-            <p:ph type="title"/>
-          </p:nvPr>
-        </p:nvSpPr>
-        <p:spPr/>
-        <p:txBody>
-          <a:bodyPr/>
-          <a:lstStyle/>
-          <a:p>
-            <a:r>
-              <a:rPr lang="en-US" altLang="ko-KR" dirty="0"/>
-              <a:t>  </a:t>
-            </a:r>
-            <a:r>
-              <a:rPr lang="ko-KR" altLang="en-US" dirty="0"/>
-              <a:t>서브 쿼리</a:t>
-            </a:r>
-          </a:p>
-        </p:txBody>
-      </p:sp>
-      <p:sp>
-        <p:nvSpPr>
-          <p:cNvPr id="4" name="슬라이드 번호 개체 틀 3"/>
-          <p:cNvSpPr>
-            <a:spLocks noGrp="1"/>
-          </p:cNvSpPr>
-          <p:nvPr>
-            <p:ph type="sldNum" sz="quarter" idx="12"/>
-          </p:nvPr>
-        </p:nvSpPr>
-        <p:spPr/>
-        <p:txBody>
-          <a:bodyPr/>
-          <a:lstStyle/>
-          <a:p>
-            <a:fld id="{1BDE3FE7-3AEA-4B05-AC5A-802D1816ACF0}" type="slidenum">
-              <a:rPr lang="ko-KR" altLang="en-US" smtClean="0"/>
-              <a:t>26</a:t>
             </a:fld>
             <a:endParaRPr lang="ko-KR" altLang="en-US"/>
           </a:p>
@@ -11042,7 +10930,7 @@
 </p:sld>
 </file>
 
-<file path=ppt/slides/slide27.xml><?xml version="1.0" encoding="utf-8"?>
+<file path=ppt/slides/slide26.xml><?xml version="1.0" encoding="utf-8"?>
 <p:sld xmlns:a="http://schemas.openxmlformats.org/drawingml/2006/main" xmlns:r="http://schemas.openxmlformats.org/officeDocument/2006/relationships" xmlns:p="http://schemas.openxmlformats.org/presentationml/2006/main">
   <p:cSld>
     <p:spTree>
@@ -11102,7 +10990,7 @@
           <a:p>
             <a:fld id="{1BDE3FE7-3AEA-4B05-AC5A-802D1816ACF0}" type="slidenum">
               <a:rPr lang="ko-KR" altLang="en-US" smtClean="0"/>
-              <a:t>27</a:t>
+              <a:t>26</a:t>
             </a:fld>
             <a:endParaRPr lang="ko-KR" altLang="en-US"/>
           </a:p>
@@ -11195,7 +11083,7 @@
 </p:sld>
 </file>
 
-<file path=ppt/slides/slide28.xml><?xml version="1.0" encoding="utf-8"?>
+<file path=ppt/slides/slide27.xml><?xml version="1.0" encoding="utf-8"?>
 <p:sld xmlns:a="http://schemas.openxmlformats.org/drawingml/2006/main" xmlns:r="http://schemas.openxmlformats.org/officeDocument/2006/relationships" xmlns:p="http://schemas.openxmlformats.org/presentationml/2006/main">
   <p:cSld>
     <p:spTree>
@@ -11255,7 +11143,7 @@
           <a:p>
             <a:fld id="{1BDE3FE7-3AEA-4B05-AC5A-802D1816ACF0}" type="slidenum">
               <a:rPr lang="ko-KR" altLang="en-US" smtClean="0"/>
-              <a:t>28</a:t>
+              <a:t>27</a:t>
             </a:fld>
             <a:endParaRPr lang="ko-KR" altLang="en-US"/>
           </a:p>
@@ -11510,7 +11398,7 @@
 </p:sld>
 </file>
 
-<file path=ppt/slides/slide29.xml><?xml version="1.0" encoding="utf-8"?>
+<file path=ppt/slides/slide28.xml><?xml version="1.0" encoding="utf-8"?>
 <p:sld xmlns:a="http://schemas.openxmlformats.org/drawingml/2006/main" xmlns:r="http://schemas.openxmlformats.org/officeDocument/2006/relationships" xmlns:p="http://schemas.openxmlformats.org/presentationml/2006/main">
   <p:cSld>
     <p:spTree>
@@ -11570,7 +11458,7 @@
           <a:p>
             <a:fld id="{1BDE3FE7-3AEA-4B05-AC5A-802D1816ACF0}" type="slidenum">
               <a:rPr lang="ko-KR" altLang="en-US" smtClean="0"/>
-              <a:t>29</a:t>
+              <a:t>28</a:t>
             </a:fld>
             <a:endParaRPr lang="ko-KR" altLang="en-US"/>
           </a:p>
@@ -11899,7 +11787,7 @@
 </p:sld>
 </file>
 
-<file path=ppt/slides/slide3.xml><?xml version="1.0" encoding="utf-8"?>
+<file path=ppt/slides/slide29.xml><?xml version="1.0" encoding="utf-8"?>
 <p:sld xmlns:a="http://schemas.openxmlformats.org/drawingml/2006/main" xmlns:r="http://schemas.openxmlformats.org/officeDocument/2006/relationships" xmlns:p="http://schemas.openxmlformats.org/presentationml/2006/main">
   <p:cSld>
     <p:spTree>
@@ -11933,12 +11821,17 @@
           <a:p>
             <a:r>
               <a:rPr lang="en-US" altLang="ko-KR" dirty="0"/>
-              <a:t>  SELECT – </a:t>
-            </a:r>
-            <a:r>
-              <a:rPr lang="ko-KR" altLang="en-US" dirty="0"/>
-              <a:t>자료 검색</a:t>
-            </a:r>
+              <a:t>  </a:t>
+            </a:r>
+            <a:r>
+              <a:rPr lang="ko-KR" altLang="en-US" dirty="0" err="1"/>
+              <a:t>뷰</a:t>
+            </a:r>
+            <a:r>
+              <a:rPr lang="en-US" altLang="ko-KR" dirty="0"/>
+              <a:t>(view)</a:t>
+            </a:r>
+            <a:endParaRPr lang="ko-KR" altLang="en-US" dirty="0"/>
           </a:p>
         </p:txBody>
       </p:sp>
@@ -11959,192 +11852,7 @@
           <a:p>
             <a:fld id="{1BDE3FE7-3AEA-4B05-AC5A-802D1816ACF0}" type="slidenum">
               <a:rPr lang="ko-KR" altLang="en-US" smtClean="0"/>
-              <a:t>3</a:t>
-            </a:fld>
-            <a:endParaRPr lang="ko-KR" altLang="en-US"/>
-          </a:p>
-        </p:txBody>
-      </p:sp>
-      <p:pic>
-        <p:nvPicPr>
-          <p:cNvPr id="8" name="그림 7"/>
-          <p:cNvPicPr>
-            <a:picLocks noChangeAspect="1"/>
-          </p:cNvPicPr>
-          <p:nvPr/>
-        </p:nvPicPr>
-        <p:blipFill rotWithShape="1">
-          <a:blip r:embed="rId2">
-            <a:extLst>
-              <a:ext uri="{28A0092B-C50C-407E-A947-70E740481C1C}">
-                <a14:useLocalDpi xmlns:a14="http://schemas.microsoft.com/office/drawing/2010/main" val="0"/>
-              </a:ext>
-            </a:extLst>
-          </a:blip>
-          <a:srcRect b="31741"/>
-          <a:stretch/>
-        </p:blipFill>
-        <p:spPr>
-          <a:xfrm>
-            <a:off x="1187624" y="1268760"/>
-            <a:ext cx="5384293" cy="2808312"/>
-          </a:xfrm>
-          <a:prstGeom prst="rect">
-            <a:avLst/>
-          </a:prstGeom>
-          <a:ln>
-            <a:solidFill>
-              <a:schemeClr val="bg1">
-                <a:lumMod val="85000"/>
-              </a:schemeClr>
-            </a:solidFill>
-          </a:ln>
-        </p:spPr>
-      </p:pic>
-      <p:pic>
-        <p:nvPicPr>
-          <p:cNvPr id="7" name="그림 6"/>
-          <p:cNvPicPr>
-            <a:picLocks noChangeAspect="1"/>
-          </p:cNvPicPr>
-          <p:nvPr/>
-        </p:nvPicPr>
-        <p:blipFill rotWithShape="1">
-          <a:blip r:embed="rId2">
-            <a:extLst>
-              <a:ext uri="{28A0092B-C50C-407E-A947-70E740481C1C}">
-                <a14:useLocalDpi xmlns:a14="http://schemas.microsoft.com/office/drawing/2010/main" val="0"/>
-              </a:ext>
-            </a:extLst>
-          </a:blip>
-          <a:srcRect t="71843"/>
-          <a:stretch/>
-        </p:blipFill>
-        <p:spPr>
-          <a:xfrm>
-            <a:off x="1187624" y="4862872"/>
-            <a:ext cx="5384293" cy="1158416"/>
-          </a:xfrm>
-          <a:prstGeom prst="rect">
-            <a:avLst/>
-          </a:prstGeom>
-          <a:ln>
-            <a:solidFill>
-              <a:schemeClr val="bg1">
-                <a:lumMod val="85000"/>
-              </a:schemeClr>
-            </a:solidFill>
-          </a:ln>
-        </p:spPr>
-      </p:pic>
-      <p:sp>
-        <p:nvSpPr>
-          <p:cNvPr id="11" name="TextBox 10"/>
-          <p:cNvSpPr txBox="1"/>
-          <p:nvPr/>
-        </p:nvSpPr>
-        <p:spPr>
-          <a:xfrm>
-            <a:off x="1187623" y="4390174"/>
-            <a:ext cx="1512168" cy="369332"/>
-          </a:xfrm>
-          <a:prstGeom prst="rect">
-            <a:avLst/>
-          </a:prstGeom>
-          <a:noFill/>
-        </p:spPr>
-        <p:txBody>
-          <a:bodyPr wrap="square" rtlCol="0">
-            <a:spAutoFit/>
-          </a:bodyPr>
-          <a:lstStyle/>
-          <a:p>
-            <a:r>
-              <a:rPr lang="ko-KR" altLang="en-US" dirty="0"/>
-              <a:t>◆ 비교</a:t>
-            </a:r>
-          </a:p>
-        </p:txBody>
-      </p:sp>
-    </p:spTree>
-    <p:extLst>
-      <p:ext uri="{BB962C8B-B14F-4D97-AF65-F5344CB8AC3E}">
-        <p14:creationId xmlns:p14="http://schemas.microsoft.com/office/powerpoint/2010/main" val="3853825758"/>
-      </p:ext>
-    </p:extLst>
-  </p:cSld>
-  <p:clrMapOvr>
-    <a:masterClrMapping/>
-  </p:clrMapOvr>
-</p:sld>
-</file>
-
-<file path=ppt/slides/slide30.xml><?xml version="1.0" encoding="utf-8"?>
-<p:sld xmlns:a="http://schemas.openxmlformats.org/drawingml/2006/main" xmlns:r="http://schemas.openxmlformats.org/officeDocument/2006/relationships" xmlns:p="http://schemas.openxmlformats.org/presentationml/2006/main">
-  <p:cSld>
-    <p:spTree>
-      <p:nvGrpSpPr>
-        <p:cNvPr id="1" name=""/>
-        <p:cNvGrpSpPr/>
-        <p:nvPr/>
-      </p:nvGrpSpPr>
-      <p:grpSpPr>
-        <a:xfrm>
-          <a:off x="0" y="0"/>
-          <a:ext cx="0" cy="0"/>
-          <a:chOff x="0" y="0"/>
-          <a:chExt cx="0" cy="0"/>
-        </a:xfrm>
-      </p:grpSpPr>
-      <p:sp>
-        <p:nvSpPr>
-          <p:cNvPr id="2" name="제목 1"/>
-          <p:cNvSpPr>
-            <a:spLocks noGrp="1"/>
-          </p:cNvSpPr>
-          <p:nvPr>
-            <p:ph type="title"/>
-          </p:nvPr>
-        </p:nvSpPr>
-        <p:spPr/>
-        <p:txBody>
-          <a:bodyPr/>
-          <a:lstStyle/>
-          <a:p>
-            <a:r>
-              <a:rPr lang="en-US" altLang="ko-KR" dirty="0"/>
-              <a:t>  </a:t>
-            </a:r>
-            <a:r>
-              <a:rPr lang="ko-KR" altLang="en-US" dirty="0" err="1"/>
-              <a:t>뷰</a:t>
-            </a:r>
-            <a:r>
-              <a:rPr lang="en-US" altLang="ko-KR" dirty="0"/>
-              <a:t>(view)</a:t>
-            </a:r>
-            <a:endParaRPr lang="ko-KR" altLang="en-US" dirty="0"/>
-          </a:p>
-        </p:txBody>
-      </p:sp>
-      <p:sp>
-        <p:nvSpPr>
-          <p:cNvPr id="4" name="슬라이드 번호 개체 틀 3"/>
-          <p:cNvSpPr>
-            <a:spLocks noGrp="1"/>
-          </p:cNvSpPr>
-          <p:nvPr>
-            <p:ph type="sldNum" sz="quarter" idx="12"/>
-          </p:nvPr>
-        </p:nvSpPr>
-        <p:spPr/>
-        <p:txBody>
-          <a:bodyPr/>
-          <a:lstStyle/>
-          <a:p>
-            <a:fld id="{1BDE3FE7-3AEA-4B05-AC5A-802D1816ACF0}" type="slidenum">
-              <a:rPr lang="ko-KR" altLang="en-US" smtClean="0"/>
-              <a:t>30</a:t>
+              <a:t>29</a:t>
             </a:fld>
             <a:endParaRPr lang="ko-KR" altLang="en-US"/>
           </a:p>
@@ -12546,7 +12254,187 @@
 </p:sld>
 </file>
 
-<file path=ppt/slides/slide31.xml><?xml version="1.0" encoding="utf-8"?>
+<file path=ppt/slides/slide3.xml><?xml version="1.0" encoding="utf-8"?>
+<p:sld xmlns:a="http://schemas.openxmlformats.org/drawingml/2006/main" xmlns:r="http://schemas.openxmlformats.org/officeDocument/2006/relationships" xmlns:p="http://schemas.openxmlformats.org/presentationml/2006/main">
+  <p:cSld>
+    <p:spTree>
+      <p:nvGrpSpPr>
+        <p:cNvPr id="1" name=""/>
+        <p:cNvGrpSpPr/>
+        <p:nvPr/>
+      </p:nvGrpSpPr>
+      <p:grpSpPr>
+        <a:xfrm>
+          <a:off x="0" y="0"/>
+          <a:ext cx="0" cy="0"/>
+          <a:chOff x="0" y="0"/>
+          <a:chExt cx="0" cy="0"/>
+        </a:xfrm>
+      </p:grpSpPr>
+      <p:sp>
+        <p:nvSpPr>
+          <p:cNvPr id="2" name="제목 1"/>
+          <p:cNvSpPr>
+            <a:spLocks noGrp="1"/>
+          </p:cNvSpPr>
+          <p:nvPr>
+            <p:ph type="title"/>
+          </p:nvPr>
+        </p:nvSpPr>
+        <p:spPr/>
+        <p:txBody>
+          <a:bodyPr/>
+          <a:lstStyle/>
+          <a:p>
+            <a:r>
+              <a:rPr lang="en-US" altLang="ko-KR" dirty="0"/>
+              <a:t>  SELECT – </a:t>
+            </a:r>
+            <a:r>
+              <a:rPr lang="ko-KR" altLang="en-US" dirty="0"/>
+              <a:t>자료 검색</a:t>
+            </a:r>
+          </a:p>
+        </p:txBody>
+      </p:sp>
+      <p:sp>
+        <p:nvSpPr>
+          <p:cNvPr id="4" name="슬라이드 번호 개체 틀 3"/>
+          <p:cNvSpPr>
+            <a:spLocks noGrp="1"/>
+          </p:cNvSpPr>
+          <p:nvPr>
+            <p:ph type="sldNum" sz="quarter" idx="12"/>
+          </p:nvPr>
+        </p:nvSpPr>
+        <p:spPr/>
+        <p:txBody>
+          <a:bodyPr/>
+          <a:lstStyle/>
+          <a:p>
+            <a:fld id="{1BDE3FE7-3AEA-4B05-AC5A-802D1816ACF0}" type="slidenum">
+              <a:rPr lang="ko-KR" altLang="en-US" smtClean="0"/>
+              <a:t>3</a:t>
+            </a:fld>
+            <a:endParaRPr lang="ko-KR" altLang="en-US"/>
+          </a:p>
+        </p:txBody>
+      </p:sp>
+      <p:pic>
+        <p:nvPicPr>
+          <p:cNvPr id="8" name="그림 7"/>
+          <p:cNvPicPr>
+            <a:picLocks noChangeAspect="1"/>
+          </p:cNvPicPr>
+          <p:nvPr/>
+        </p:nvPicPr>
+        <p:blipFill rotWithShape="1">
+          <a:blip r:embed="rId2">
+            <a:extLst>
+              <a:ext uri="{28A0092B-C50C-407E-A947-70E740481C1C}">
+                <a14:useLocalDpi xmlns:a14="http://schemas.microsoft.com/office/drawing/2010/main" val="0"/>
+              </a:ext>
+            </a:extLst>
+          </a:blip>
+          <a:srcRect b="31741"/>
+          <a:stretch/>
+        </p:blipFill>
+        <p:spPr>
+          <a:xfrm>
+            <a:off x="1187624" y="1268760"/>
+            <a:ext cx="5384293" cy="2808312"/>
+          </a:xfrm>
+          <a:prstGeom prst="rect">
+            <a:avLst/>
+          </a:prstGeom>
+          <a:ln>
+            <a:solidFill>
+              <a:schemeClr val="bg1">
+                <a:lumMod val="85000"/>
+              </a:schemeClr>
+            </a:solidFill>
+          </a:ln>
+        </p:spPr>
+      </p:pic>
+      <p:pic>
+        <p:nvPicPr>
+          <p:cNvPr id="7" name="그림 6"/>
+          <p:cNvPicPr>
+            <a:picLocks noChangeAspect="1"/>
+          </p:cNvPicPr>
+          <p:nvPr/>
+        </p:nvPicPr>
+        <p:blipFill rotWithShape="1">
+          <a:blip r:embed="rId2">
+            <a:extLst>
+              <a:ext uri="{28A0092B-C50C-407E-A947-70E740481C1C}">
+                <a14:useLocalDpi xmlns:a14="http://schemas.microsoft.com/office/drawing/2010/main" val="0"/>
+              </a:ext>
+            </a:extLst>
+          </a:blip>
+          <a:srcRect t="71843"/>
+          <a:stretch/>
+        </p:blipFill>
+        <p:spPr>
+          <a:xfrm>
+            <a:off x="1187624" y="4862872"/>
+            <a:ext cx="5384293" cy="1158416"/>
+          </a:xfrm>
+          <a:prstGeom prst="rect">
+            <a:avLst/>
+          </a:prstGeom>
+          <a:ln>
+            <a:solidFill>
+              <a:schemeClr val="bg1">
+                <a:lumMod val="85000"/>
+              </a:schemeClr>
+            </a:solidFill>
+          </a:ln>
+        </p:spPr>
+      </p:pic>
+      <p:sp>
+        <p:nvSpPr>
+          <p:cNvPr id="11" name="TextBox 10"/>
+          <p:cNvSpPr txBox="1"/>
+          <p:nvPr/>
+        </p:nvSpPr>
+        <p:spPr>
+          <a:xfrm>
+            <a:off x="1187623" y="4390174"/>
+            <a:ext cx="1512168" cy="369332"/>
+          </a:xfrm>
+          <a:prstGeom prst="rect">
+            <a:avLst/>
+          </a:prstGeom>
+          <a:noFill/>
+        </p:spPr>
+        <p:txBody>
+          <a:bodyPr wrap="square" rtlCol="0">
+            <a:spAutoFit/>
+          </a:bodyPr>
+          <a:lstStyle/>
+          <a:p>
+            <a:r>
+              <a:rPr lang="ko-KR" altLang="en-US" dirty="0"/>
+              <a:t>◆ 비교</a:t>
+            </a:r>
+          </a:p>
+        </p:txBody>
+      </p:sp>
+    </p:spTree>
+    <p:extLst>
+      <p:ext uri="{BB962C8B-B14F-4D97-AF65-F5344CB8AC3E}">
+        <p14:creationId xmlns:p14="http://schemas.microsoft.com/office/powerpoint/2010/main" val="3853825758"/>
+      </p:ext>
+    </p:extLst>
+  </p:cSld>
+  <p:clrMapOvr>
+    <a:masterClrMapping/>
+  </p:clrMapOvr>
+</p:sld>
+</file>
+
+<file path=ppt/slides/slide30.xml><?xml version="1.0" encoding="utf-8"?>
 <p:sld xmlns:a="http://schemas.openxmlformats.org/drawingml/2006/main" xmlns:r="http://schemas.openxmlformats.org/officeDocument/2006/relationships" xmlns:p="http://schemas.openxmlformats.org/presentationml/2006/main">
   <p:cSld>
     <p:spTree>
@@ -12648,7 +12536,7 @@
           <a:p>
             <a:fld id="{1BDE3FE7-3AEA-4B05-AC5A-802D1816ACF0}" type="slidenum">
               <a:rPr lang="ko-KR" altLang="en-US" smtClean="0"/>
-              <a:t>31</a:t>
+              <a:t>30</a:t>
             </a:fld>
             <a:endParaRPr lang="ko-KR" altLang="en-US"/>
           </a:p>
@@ -12908,7 +12796,7 @@
 </p:sld>
 </file>
 
-<file path=ppt/slides/slide32.xml><?xml version="1.0" encoding="utf-8"?>
+<file path=ppt/slides/slide31.xml><?xml version="1.0" encoding="utf-8"?>
 <p:sld xmlns:a="http://schemas.openxmlformats.org/drawingml/2006/main" xmlns:r="http://schemas.openxmlformats.org/officeDocument/2006/relationships" xmlns:p="http://schemas.openxmlformats.org/presentationml/2006/main">
   <p:cSld>
     <p:spTree>
@@ -12973,7 +12861,7 @@
           <a:p>
             <a:fld id="{1BDE3FE7-3AEA-4B05-AC5A-802D1816ACF0}" type="slidenum">
               <a:rPr lang="ko-KR" altLang="en-US" smtClean="0"/>
-              <a:t>32</a:t>
+              <a:t>31</a:t>
             </a:fld>
             <a:endParaRPr lang="ko-KR" altLang="en-US"/>
           </a:p>
@@ -13066,7 +12954,7 @@
 </p:sld>
 </file>
 
-<file path=ppt/slides/slide33.xml><?xml version="1.0" encoding="utf-8"?>
+<file path=ppt/slides/slide32.xml><?xml version="1.0" encoding="utf-8"?>
 <p:sld xmlns:a="http://schemas.openxmlformats.org/drawingml/2006/main" xmlns:r="http://schemas.openxmlformats.org/officeDocument/2006/relationships" xmlns:p="http://schemas.openxmlformats.org/presentationml/2006/main">
   <p:cSld>
     <p:spTree>
@@ -13131,7 +13019,7 @@
           <a:p>
             <a:fld id="{1BDE3FE7-3AEA-4B05-AC5A-802D1816ACF0}" type="slidenum">
               <a:rPr lang="ko-KR" altLang="en-US" smtClean="0"/>
-              <a:t>33</a:t>
+              <a:t>32</a:t>
             </a:fld>
             <a:endParaRPr lang="ko-KR" altLang="en-US"/>
           </a:p>
@@ -13177,7 +13065,7 @@
     </p:spTree>
     <p:extLst>
       <p:ext uri="{BB962C8B-B14F-4D97-AF65-F5344CB8AC3E}">
-        <p14:creationId xmlns:p14="http://schemas.microsoft.com/office/powerpoint/2010/main" val="2753406540"/>
+        <p14:creationId xmlns:p14="http://schemas.microsoft.com/office/powerpoint/2010/main" val="1847882367"/>
       </p:ext>
     </p:extLst>
   </p:cSld>
@@ -13187,7 +13075,7 @@
 </p:sld>
 </file>
 
-<file path=ppt/slides/slide34.xml><?xml version="1.0" encoding="utf-8"?>
+<file path=ppt/slides/slide33.xml><?xml version="1.0" encoding="utf-8"?>
 <p:sld xmlns:a="http://schemas.openxmlformats.org/drawingml/2006/main" xmlns:r="http://schemas.openxmlformats.org/officeDocument/2006/relationships" xmlns:p="http://schemas.openxmlformats.org/presentationml/2006/main">
   <p:cSld>
     <p:spTree>
@@ -13252,7 +13140,7 @@
           <a:p>
             <a:fld id="{1BDE3FE7-3AEA-4B05-AC5A-802D1816ACF0}" type="slidenum">
               <a:rPr lang="ko-KR" altLang="en-US" smtClean="0"/>
-              <a:t>34</a:t>
+              <a:t>33</a:t>
             </a:fld>
             <a:endParaRPr lang="ko-KR" altLang="en-US"/>
           </a:p>
@@ -13335,7 +13223,7 @@
     </p:spTree>
     <p:extLst>
       <p:ext uri="{BB962C8B-B14F-4D97-AF65-F5344CB8AC3E}">
-        <p14:creationId xmlns:p14="http://schemas.microsoft.com/office/powerpoint/2010/main" val="4202239795"/>
+        <p14:creationId xmlns:p14="http://schemas.microsoft.com/office/powerpoint/2010/main" val="2706142555"/>
       </p:ext>
     </p:extLst>
   </p:cSld>
@@ -13345,7 +13233,7 @@
 </p:sld>
 </file>
 
-<file path=ppt/slides/slide35.xml><?xml version="1.0" encoding="utf-8"?>
+<file path=ppt/slides/slide34.xml><?xml version="1.0" encoding="utf-8"?>
 <p:sld xmlns:a="http://schemas.openxmlformats.org/drawingml/2006/main" xmlns:r="http://schemas.openxmlformats.org/officeDocument/2006/relationships" xmlns:p="http://schemas.openxmlformats.org/presentationml/2006/main">
   <p:cSld>
     <p:spTree>
@@ -13410,7 +13298,7 @@
           <a:p>
             <a:fld id="{1BDE3FE7-3AEA-4B05-AC5A-802D1816ACF0}" type="slidenum">
               <a:rPr lang="ko-KR" altLang="en-US" smtClean="0"/>
-              <a:t>35</a:t>
+              <a:t>34</a:t>
             </a:fld>
             <a:endParaRPr lang="ko-KR" altLang="en-US"/>
           </a:p>
@@ -13493,7 +13381,7 @@
     </p:spTree>
     <p:extLst>
       <p:ext uri="{BB962C8B-B14F-4D97-AF65-F5344CB8AC3E}">
-        <p14:creationId xmlns:p14="http://schemas.microsoft.com/office/powerpoint/2010/main" val="1042788309"/>
+        <p14:creationId xmlns:p14="http://schemas.microsoft.com/office/powerpoint/2010/main" val="2254607629"/>
       </p:ext>
     </p:extLst>
   </p:cSld>
@@ -13503,7 +13391,7 @@
 </p:sld>
 </file>
 
-<file path=ppt/slides/slide36.xml><?xml version="1.0" encoding="utf-8"?>
+<file path=ppt/slides/slide35.xml><?xml version="1.0" encoding="utf-8"?>
 <p:sld xmlns:a="http://schemas.openxmlformats.org/drawingml/2006/main" xmlns:r="http://schemas.openxmlformats.org/officeDocument/2006/relationships" xmlns:p="http://schemas.openxmlformats.org/presentationml/2006/main">
   <p:cSld>
     <p:spTree>
@@ -13568,7 +13456,7 @@
           <a:p>
             <a:fld id="{1BDE3FE7-3AEA-4B05-AC5A-802D1816ACF0}" type="slidenum">
               <a:rPr lang="ko-KR" altLang="en-US" smtClean="0"/>
-              <a:t>36</a:t>
+              <a:t>35</a:t>
             </a:fld>
             <a:endParaRPr lang="ko-KR" altLang="en-US"/>
           </a:p>
@@ -13856,6 +13744,135 @@
 </p:sld>
 </file>
 
+<file path=ppt/slides/slide36.xml><?xml version="1.0" encoding="utf-8"?>
+<p:sld xmlns:a="http://schemas.openxmlformats.org/drawingml/2006/main" xmlns:r="http://schemas.openxmlformats.org/officeDocument/2006/relationships" xmlns:p="http://schemas.openxmlformats.org/presentationml/2006/main">
+  <p:cSld>
+    <p:spTree>
+      <p:nvGrpSpPr>
+        <p:cNvPr id="1" name=""/>
+        <p:cNvGrpSpPr/>
+        <p:nvPr/>
+      </p:nvGrpSpPr>
+      <p:grpSpPr>
+        <a:xfrm>
+          <a:off x="0" y="0"/>
+          <a:ext cx="0" cy="0"/>
+          <a:chOff x="0" y="0"/>
+          <a:chExt cx="0" cy="0"/>
+        </a:xfrm>
+      </p:grpSpPr>
+      <p:sp>
+        <p:nvSpPr>
+          <p:cNvPr id="2" name="제목 1"/>
+          <p:cNvSpPr>
+            <a:spLocks noGrp="1"/>
+          </p:cNvSpPr>
+          <p:nvPr>
+            <p:ph type="title"/>
+          </p:nvPr>
+        </p:nvSpPr>
+        <p:spPr/>
+        <p:txBody>
+          <a:bodyPr/>
+          <a:lstStyle/>
+          <a:p>
+            <a:r>
+              <a:rPr lang="en-US" altLang="ko-KR" dirty="0"/>
+              <a:t>  </a:t>
+            </a:r>
+            <a:r>
+              <a:rPr lang="ko-KR" altLang="en-US" dirty="0" err="1"/>
+              <a:t>뷰</a:t>
+            </a:r>
+            <a:r>
+              <a:rPr lang="en-US" altLang="ko-KR" dirty="0"/>
+              <a:t>(view</a:t>
+            </a:r>
+            <a:r>
+              <a:rPr lang="en-US" altLang="ko-KR" dirty="0" smtClean="0"/>
+              <a:t>) – </a:t>
+            </a:r>
+            <a:r>
+              <a:rPr lang="ko-KR" altLang="en-US" dirty="0" smtClean="0"/>
+              <a:t>실습 예제</a:t>
+            </a:r>
+            <a:endParaRPr lang="ko-KR" altLang="en-US" dirty="0"/>
+          </a:p>
+        </p:txBody>
+      </p:sp>
+      <p:sp>
+        <p:nvSpPr>
+          <p:cNvPr id="4" name="슬라이드 번호 개체 틀 3"/>
+          <p:cNvSpPr>
+            <a:spLocks noGrp="1"/>
+          </p:cNvSpPr>
+          <p:nvPr>
+            <p:ph type="sldNum" sz="quarter" idx="12"/>
+          </p:nvPr>
+        </p:nvSpPr>
+        <p:spPr/>
+        <p:txBody>
+          <a:bodyPr/>
+          <a:lstStyle/>
+          <a:p>
+            <a:fld id="{1BDE3FE7-3AEA-4B05-AC5A-802D1816ACF0}" type="slidenum">
+              <a:rPr lang="ko-KR" altLang="en-US" smtClean="0"/>
+              <a:t>36</a:t>
+            </a:fld>
+            <a:endParaRPr lang="ko-KR" altLang="en-US"/>
+          </a:p>
+        </p:txBody>
+      </p:sp>
+      <p:pic>
+        <p:nvPicPr>
+          <p:cNvPr id="3" name="그림 2"/>
+          <p:cNvPicPr>
+            <a:picLocks noChangeAspect="1"/>
+          </p:cNvPicPr>
+          <p:nvPr/>
+        </p:nvPicPr>
+        <p:blipFill>
+          <a:blip r:embed="rId2">
+            <a:extLst>
+              <a:ext uri="{28A0092B-C50C-407E-A947-70E740481C1C}">
+                <a14:useLocalDpi xmlns:a14="http://schemas.microsoft.com/office/drawing/2010/main" val="0"/>
+              </a:ext>
+            </a:extLst>
+          </a:blip>
+          <a:stretch>
+            <a:fillRect/>
+          </a:stretch>
+        </p:blipFill>
+        <p:spPr>
+          <a:xfrm>
+            <a:off x="1043609" y="1268760"/>
+            <a:ext cx="5544616" cy="3760634"/>
+          </a:xfrm>
+          <a:prstGeom prst="rect">
+            <a:avLst/>
+          </a:prstGeom>
+          <a:ln>
+            <a:solidFill>
+              <a:schemeClr val="bg1">
+                <a:lumMod val="85000"/>
+              </a:schemeClr>
+            </a:solidFill>
+          </a:ln>
+        </p:spPr>
+      </p:pic>
+    </p:spTree>
+    <p:extLst>
+      <p:ext uri="{BB962C8B-B14F-4D97-AF65-F5344CB8AC3E}">
+        <p14:creationId xmlns:p14="http://schemas.microsoft.com/office/powerpoint/2010/main" val="3093364429"/>
+      </p:ext>
+    </p:extLst>
+  </p:cSld>
+  <p:clrMapOvr>
+    <a:masterClrMapping/>
+  </p:clrMapOvr>
+</p:sld>
+</file>
+
 <file path=ppt/slides/slide37.xml><?xml version="1.0" encoding="utf-8"?>
 <p:sld xmlns:a="http://schemas.openxmlformats.org/drawingml/2006/main" xmlns:r="http://schemas.openxmlformats.org/officeDocument/2006/relationships" xmlns:p="http://schemas.openxmlformats.org/presentationml/2006/main">
   <p:cSld>
@@ -13885,20 +13902,30 @@
         </p:nvSpPr>
         <p:spPr/>
         <p:txBody>
-          <a:bodyPr>
-            <a:normAutofit/>
-          </a:bodyPr>
-          <a:lstStyle/>
-          <a:p>
-            <a:r>
-              <a:rPr lang="en-US" altLang="ko-KR" sz="2800" dirty="0" smtClean="0"/>
+          <a:bodyPr/>
+          <a:lstStyle/>
+          <a:p>
+            <a:r>
+              <a:rPr lang="en-US" altLang="ko-KR" dirty="0"/>
               <a:t>  </a:t>
             </a:r>
             <a:r>
-              <a:rPr lang="ko-KR" altLang="en-US" sz="2800" dirty="0" smtClean="0"/>
-              <a:t>게시판 테이블 생성</a:t>
-            </a:r>
-            <a:endParaRPr lang="ko-KR" altLang="en-US" sz="2800" dirty="0"/>
+              <a:rPr lang="ko-KR" altLang="en-US" dirty="0" err="1"/>
+              <a:t>뷰</a:t>
+            </a:r>
+            <a:r>
+              <a:rPr lang="en-US" altLang="ko-KR" dirty="0"/>
+              <a:t>(view</a:t>
+            </a:r>
+            <a:r>
+              <a:rPr lang="en-US" altLang="ko-KR" dirty="0" smtClean="0"/>
+              <a:t>) – </a:t>
+            </a:r>
+            <a:r>
+              <a:rPr lang="ko-KR" altLang="en-US" dirty="0" smtClean="0"/>
+              <a:t>실습 예제</a:t>
+            </a:r>
+            <a:endParaRPr lang="ko-KR" altLang="en-US" dirty="0"/>
           </a:p>
         </p:txBody>
       </p:sp>
@@ -13920,6 +13947,926 @@
             <a:fld id="{1BDE3FE7-3AEA-4B05-AC5A-802D1816ACF0}" type="slidenum">
               <a:rPr lang="ko-KR" altLang="en-US" smtClean="0"/>
               <a:t>37</a:t>
+            </a:fld>
+            <a:endParaRPr lang="ko-KR" altLang="en-US"/>
+          </a:p>
+        </p:txBody>
+      </p:sp>
+      <p:pic>
+        <p:nvPicPr>
+          <p:cNvPr id="5" name="그림 4"/>
+          <p:cNvPicPr>
+            <a:picLocks noChangeAspect="1"/>
+          </p:cNvPicPr>
+          <p:nvPr/>
+        </p:nvPicPr>
+        <p:blipFill>
+          <a:blip r:embed="rId2">
+            <a:extLst>
+              <a:ext uri="{28A0092B-C50C-407E-A947-70E740481C1C}">
+                <a14:useLocalDpi xmlns:a14="http://schemas.microsoft.com/office/drawing/2010/main" val="0"/>
+              </a:ext>
+            </a:extLst>
+          </a:blip>
+          <a:stretch>
+            <a:fillRect/>
+          </a:stretch>
+        </p:blipFill>
+        <p:spPr>
+          <a:xfrm>
+            <a:off x="1475656" y="1268760"/>
+            <a:ext cx="5040560" cy="3041593"/>
+          </a:xfrm>
+          <a:prstGeom prst="rect">
+            <a:avLst/>
+          </a:prstGeom>
+          <a:ln>
+            <a:solidFill>
+              <a:schemeClr val="bg1">
+                <a:lumMod val="85000"/>
+              </a:schemeClr>
+            </a:solidFill>
+          </a:ln>
+        </p:spPr>
+      </p:pic>
+      <p:pic>
+        <p:nvPicPr>
+          <p:cNvPr id="6" name="그림 5"/>
+          <p:cNvPicPr>
+            <a:picLocks noChangeAspect="1"/>
+          </p:cNvPicPr>
+          <p:nvPr/>
+        </p:nvPicPr>
+        <p:blipFill>
+          <a:blip r:embed="rId3">
+            <a:extLst>
+              <a:ext uri="{28A0092B-C50C-407E-A947-70E740481C1C}">
+                <a14:useLocalDpi xmlns:a14="http://schemas.microsoft.com/office/drawing/2010/main" val="0"/>
+              </a:ext>
+            </a:extLst>
+          </a:blip>
+          <a:stretch>
+            <a:fillRect/>
+          </a:stretch>
+        </p:blipFill>
+        <p:spPr>
+          <a:xfrm>
+            <a:off x="1475656" y="4581128"/>
+            <a:ext cx="3132091" cy="1044030"/>
+          </a:xfrm>
+          <a:prstGeom prst="rect">
+            <a:avLst/>
+          </a:prstGeom>
+          <a:ln>
+            <a:solidFill>
+              <a:schemeClr val="bg1">
+                <a:lumMod val="85000"/>
+              </a:schemeClr>
+            </a:solidFill>
+          </a:ln>
+        </p:spPr>
+      </p:pic>
+      <p:pic>
+        <p:nvPicPr>
+          <p:cNvPr id="7" name="그림 6"/>
+          <p:cNvPicPr>
+            <a:picLocks noChangeAspect="1"/>
+          </p:cNvPicPr>
+          <p:nvPr/>
+        </p:nvPicPr>
+        <p:blipFill>
+          <a:blip r:embed="rId4">
+            <a:extLst>
+              <a:ext uri="{28A0092B-C50C-407E-A947-70E740481C1C}">
+                <a14:useLocalDpi xmlns:a14="http://schemas.microsoft.com/office/drawing/2010/main" val="0"/>
+              </a:ext>
+            </a:extLst>
+          </a:blip>
+          <a:stretch>
+            <a:fillRect/>
+          </a:stretch>
+        </p:blipFill>
+        <p:spPr>
+          <a:xfrm>
+            <a:off x="5220072" y="4882144"/>
+            <a:ext cx="1158340" cy="441998"/>
+          </a:xfrm>
+          <a:prstGeom prst="rect">
+            <a:avLst/>
+          </a:prstGeom>
+          <a:ln>
+            <a:solidFill>
+              <a:schemeClr val="bg1">
+                <a:lumMod val="85000"/>
+              </a:schemeClr>
+            </a:solidFill>
+          </a:ln>
+        </p:spPr>
+      </p:pic>
+    </p:spTree>
+    <p:extLst>
+      <p:ext uri="{BB962C8B-B14F-4D97-AF65-F5344CB8AC3E}">
+        <p14:creationId xmlns:p14="http://schemas.microsoft.com/office/powerpoint/2010/main" val="4280100066"/>
+      </p:ext>
+    </p:extLst>
+  </p:cSld>
+  <p:clrMapOvr>
+    <a:masterClrMapping/>
+  </p:clrMapOvr>
+</p:sld>
+</file>
+
+<file path=ppt/slides/slide38.xml><?xml version="1.0" encoding="utf-8"?>
+<p:sld xmlns:a="http://schemas.openxmlformats.org/drawingml/2006/main" xmlns:r="http://schemas.openxmlformats.org/officeDocument/2006/relationships" xmlns:p="http://schemas.openxmlformats.org/presentationml/2006/main">
+  <p:cSld>
+    <p:spTree>
+      <p:nvGrpSpPr>
+        <p:cNvPr id="1" name=""/>
+        <p:cNvGrpSpPr/>
+        <p:nvPr/>
+      </p:nvGrpSpPr>
+      <p:grpSpPr>
+        <a:xfrm>
+          <a:off x="0" y="0"/>
+          <a:ext cx="0" cy="0"/>
+          <a:chOff x="0" y="0"/>
+          <a:chExt cx="0" cy="0"/>
+        </a:xfrm>
+      </p:grpSpPr>
+      <p:sp>
+        <p:nvSpPr>
+          <p:cNvPr id="2" name="제목 1"/>
+          <p:cNvSpPr>
+            <a:spLocks noGrp="1"/>
+          </p:cNvSpPr>
+          <p:nvPr>
+            <p:ph type="title"/>
+          </p:nvPr>
+        </p:nvSpPr>
+        <p:spPr/>
+        <p:txBody>
+          <a:bodyPr>
+            <a:normAutofit/>
+          </a:bodyPr>
+          <a:lstStyle/>
+          <a:p>
+            <a:r>
+              <a:rPr lang="en-US" altLang="ko-KR" sz="2800" dirty="0" smtClean="0"/>
+              <a:t>  </a:t>
+            </a:r>
+            <a:r>
+              <a:rPr lang="en-US" altLang="ko-KR" sz="2800" dirty="0" smtClean="0"/>
+              <a:t>ROWNUM</a:t>
+            </a:r>
+            <a:endParaRPr lang="ko-KR" altLang="en-US" sz="2800" dirty="0"/>
+          </a:p>
+        </p:txBody>
+      </p:sp>
+      <p:sp>
+        <p:nvSpPr>
+          <p:cNvPr id="4" name="슬라이드 번호 개체 틀 3"/>
+          <p:cNvSpPr>
+            <a:spLocks noGrp="1"/>
+          </p:cNvSpPr>
+          <p:nvPr>
+            <p:ph type="sldNum" sz="quarter" idx="12"/>
+          </p:nvPr>
+        </p:nvSpPr>
+        <p:spPr/>
+        <p:txBody>
+          <a:bodyPr/>
+          <a:lstStyle/>
+          <a:p>
+            <a:fld id="{1BDE3FE7-3AEA-4B05-AC5A-802D1816ACF0}" type="slidenum">
+              <a:rPr lang="ko-KR" altLang="en-US" smtClean="0"/>
+              <a:t>38</a:t>
+            </a:fld>
+            <a:endParaRPr lang="ko-KR" altLang="en-US"/>
+          </a:p>
+        </p:txBody>
+      </p:sp>
+      <p:sp>
+        <p:nvSpPr>
+          <p:cNvPr id="8" name="TextBox 7"/>
+          <p:cNvSpPr txBox="1"/>
+          <p:nvPr/>
+        </p:nvSpPr>
+        <p:spPr>
+          <a:xfrm>
+            <a:off x="827584" y="1193356"/>
+            <a:ext cx="3816424" cy="400110"/>
+          </a:xfrm>
+          <a:prstGeom prst="rect">
+            <a:avLst/>
+          </a:prstGeom>
+          <a:noFill/>
+        </p:spPr>
+        <p:txBody>
+          <a:bodyPr wrap="square" rtlCol="0">
+            <a:spAutoFit/>
+          </a:bodyPr>
+          <a:lstStyle/>
+          <a:p>
+            <a:pPr marL="342900" indent="-342900">
+              <a:buFont typeface="Wingdings" panose="05000000000000000000" pitchFamily="2" charset="2"/>
+              <a:buChar char="l"/>
+            </a:pPr>
+            <a:r>
+              <a:rPr lang="en-US" altLang="ko-KR" sz="2000" b="1" dirty="0" smtClean="0"/>
+              <a:t>ROWNUM</a:t>
+            </a:r>
+            <a:endParaRPr lang="ko-KR" altLang="en-US" sz="2000" b="1" dirty="0"/>
+          </a:p>
+        </p:txBody>
+      </p:sp>
+      <p:sp>
+        <p:nvSpPr>
+          <p:cNvPr id="9" name="TextBox 8"/>
+          <p:cNvSpPr txBox="1"/>
+          <p:nvPr/>
+        </p:nvSpPr>
+        <p:spPr>
+          <a:xfrm>
+            <a:off x="1187624" y="1593466"/>
+            <a:ext cx="6840760" cy="2308324"/>
+          </a:xfrm>
+          <a:prstGeom prst="rect">
+            <a:avLst/>
+          </a:prstGeom>
+          <a:noFill/>
+        </p:spPr>
+        <p:txBody>
+          <a:bodyPr wrap="square" rtlCol="0">
+            <a:spAutoFit/>
+          </a:bodyPr>
+          <a:lstStyle/>
+          <a:p>
+            <a:pPr marL="285750" indent="-285750">
+              <a:lnSpc>
+                <a:spcPct val="150000"/>
+              </a:lnSpc>
+              <a:buFontTx/>
+              <a:buChar char="-"/>
+            </a:pPr>
+            <a:r>
+              <a:rPr lang="en-US" altLang="ko-KR" sz="1600" dirty="0" smtClean="0"/>
+              <a:t>ROWNUM</a:t>
+            </a:r>
+            <a:r>
+              <a:rPr lang="ko-KR" altLang="en-US" sz="1600" dirty="0" smtClean="0"/>
+              <a:t>은 </a:t>
+            </a:r>
+            <a:r>
+              <a:rPr lang="en-US" altLang="ko-KR" sz="1600" dirty="0" smtClean="0"/>
+              <a:t>ORACLE </a:t>
+            </a:r>
+            <a:r>
+              <a:rPr lang="ko-KR" altLang="en-US" sz="1600" dirty="0" smtClean="0"/>
+              <a:t>데이터베이스의 </a:t>
+            </a:r>
+            <a:r>
+              <a:rPr lang="en-US" altLang="ko-KR" sz="1600" dirty="0" smtClean="0"/>
+              <a:t>SELECT</a:t>
+            </a:r>
+            <a:r>
+              <a:rPr lang="ko-KR" altLang="en-US" sz="1600" dirty="0" smtClean="0"/>
+              <a:t>문 결과에 대해서 논리적인 일련번호를 부여한다</a:t>
+            </a:r>
+            <a:r>
+              <a:rPr lang="en-US" altLang="ko-KR" sz="1600" dirty="0" smtClean="0"/>
+              <a:t>.</a:t>
+            </a:r>
+          </a:p>
+          <a:p>
+            <a:pPr marL="285750" indent="-285750">
+              <a:lnSpc>
+                <a:spcPct val="150000"/>
+              </a:lnSpc>
+              <a:buFontTx/>
+              <a:buChar char="-"/>
+            </a:pPr>
+            <a:r>
+              <a:rPr lang="ko-KR" altLang="en-US" sz="1600" b="1" dirty="0"/>
+              <a:t>순번을 정해 놓은 오라클에서 제공하는 </a:t>
+            </a:r>
+            <a:r>
+              <a:rPr lang="en-US" altLang="ko-KR" sz="1600" b="1" dirty="0"/>
+              <a:t>SUDO COLUMN</a:t>
+            </a:r>
+            <a:r>
+              <a:rPr lang="ko-KR" altLang="en-US" sz="1600" b="1" dirty="0" smtClean="0"/>
+              <a:t>임</a:t>
+            </a:r>
+            <a:endParaRPr lang="en-US" altLang="ko-KR" sz="1600" dirty="0" smtClean="0"/>
+          </a:p>
+          <a:p>
+            <a:pPr marL="285750" indent="-285750">
+              <a:lnSpc>
+                <a:spcPct val="150000"/>
+              </a:lnSpc>
+              <a:buFontTx/>
+              <a:buChar char="-"/>
+            </a:pPr>
+            <a:r>
+              <a:rPr lang="en-US" altLang="ko-KR" sz="1600" dirty="0" smtClean="0"/>
+              <a:t>ROWNUM</a:t>
+            </a:r>
+            <a:r>
+              <a:rPr lang="ko-KR" altLang="en-US" sz="1600" dirty="0" smtClean="0"/>
+              <a:t>은 조회되는 행 수를 제한할 때 사용한다</a:t>
+            </a:r>
+            <a:r>
+              <a:rPr lang="en-US" altLang="ko-KR" sz="1600" dirty="0" smtClean="0"/>
+              <a:t>.</a:t>
+            </a:r>
+          </a:p>
+          <a:p>
+            <a:pPr marL="285750" indent="-285750">
+              <a:lnSpc>
+                <a:spcPct val="150000"/>
+              </a:lnSpc>
+              <a:buFontTx/>
+              <a:buChar char="-"/>
+            </a:pPr>
+            <a:r>
+              <a:rPr lang="en-US" altLang="ko-KR" sz="1600" dirty="0" smtClean="0"/>
+              <a:t>ROWNUM</a:t>
+            </a:r>
+            <a:r>
+              <a:rPr lang="ko-KR" altLang="en-US" sz="1600" dirty="0" smtClean="0"/>
+              <a:t>을 사용해서 페이지 단위 출력을 위해서는 인라인 뷰</a:t>
+            </a:r>
+            <a:r>
+              <a:rPr lang="en-US" altLang="ko-KR" sz="1600" dirty="0" smtClean="0"/>
+              <a:t>(Inline view)</a:t>
+            </a:r>
+            <a:r>
+              <a:rPr lang="ko-KR" altLang="en-US" sz="1600" dirty="0" smtClean="0"/>
+              <a:t>를 사용해야 한다</a:t>
+            </a:r>
+            <a:r>
+              <a:rPr lang="en-US" altLang="ko-KR" sz="1600" dirty="0" smtClean="0"/>
+              <a:t>.</a:t>
+            </a:r>
+            <a:endParaRPr lang="ko-KR" altLang="en-US" sz="1600" dirty="0"/>
+          </a:p>
+        </p:txBody>
+      </p:sp>
+    </p:spTree>
+    <p:extLst>
+      <p:ext uri="{BB962C8B-B14F-4D97-AF65-F5344CB8AC3E}">
+        <p14:creationId xmlns:p14="http://schemas.microsoft.com/office/powerpoint/2010/main" val="3091644952"/>
+      </p:ext>
+    </p:extLst>
+  </p:cSld>
+  <p:clrMapOvr>
+    <a:masterClrMapping/>
+  </p:clrMapOvr>
+  <p:timing>
+    <p:tnLst>
+      <p:par>
+        <p:cTn id="1" dur="indefinite" restart="never" nodeType="tmRoot"/>
+      </p:par>
+    </p:tnLst>
+  </p:timing>
+</p:sld>
+</file>
+
+<file path=ppt/slides/slide39.xml><?xml version="1.0" encoding="utf-8"?>
+<p:sld xmlns:a="http://schemas.openxmlformats.org/drawingml/2006/main" xmlns:r="http://schemas.openxmlformats.org/officeDocument/2006/relationships" xmlns:p="http://schemas.openxmlformats.org/presentationml/2006/main">
+  <p:cSld>
+    <p:spTree>
+      <p:nvGrpSpPr>
+        <p:cNvPr id="1" name=""/>
+        <p:cNvGrpSpPr/>
+        <p:nvPr/>
+      </p:nvGrpSpPr>
+      <p:grpSpPr>
+        <a:xfrm>
+          <a:off x="0" y="0"/>
+          <a:ext cx="0" cy="0"/>
+          <a:chOff x="0" y="0"/>
+          <a:chExt cx="0" cy="0"/>
+        </a:xfrm>
+      </p:grpSpPr>
+      <p:sp>
+        <p:nvSpPr>
+          <p:cNvPr id="2" name="제목 1"/>
+          <p:cNvSpPr>
+            <a:spLocks noGrp="1"/>
+          </p:cNvSpPr>
+          <p:nvPr>
+            <p:ph type="title"/>
+          </p:nvPr>
+        </p:nvSpPr>
+        <p:spPr/>
+        <p:txBody>
+          <a:bodyPr>
+            <a:normAutofit/>
+          </a:bodyPr>
+          <a:lstStyle/>
+          <a:p>
+            <a:r>
+              <a:rPr lang="en-US" altLang="ko-KR" sz="2800" dirty="0" smtClean="0"/>
+              <a:t>  </a:t>
+            </a:r>
+            <a:r>
+              <a:rPr lang="en-US" altLang="ko-KR" sz="2800" dirty="0" smtClean="0"/>
+              <a:t>ROWNUM</a:t>
+            </a:r>
+            <a:endParaRPr lang="ko-KR" altLang="en-US" sz="2800" dirty="0"/>
+          </a:p>
+        </p:txBody>
+      </p:sp>
+      <p:sp>
+        <p:nvSpPr>
+          <p:cNvPr id="4" name="슬라이드 번호 개체 틀 3"/>
+          <p:cNvSpPr>
+            <a:spLocks noGrp="1"/>
+          </p:cNvSpPr>
+          <p:nvPr>
+            <p:ph type="sldNum" sz="quarter" idx="12"/>
+          </p:nvPr>
+        </p:nvSpPr>
+        <p:spPr/>
+        <p:txBody>
+          <a:bodyPr/>
+          <a:lstStyle/>
+          <a:p>
+            <a:fld id="{1BDE3FE7-3AEA-4B05-AC5A-802D1816ACF0}" type="slidenum">
+              <a:rPr lang="ko-KR" altLang="en-US" smtClean="0"/>
+              <a:t>39</a:t>
+            </a:fld>
+            <a:endParaRPr lang="ko-KR" altLang="en-US"/>
+          </a:p>
+        </p:txBody>
+      </p:sp>
+      <p:pic>
+        <p:nvPicPr>
+          <p:cNvPr id="3" name="그림 2"/>
+          <p:cNvPicPr>
+            <a:picLocks noChangeAspect="1"/>
+          </p:cNvPicPr>
+          <p:nvPr/>
+        </p:nvPicPr>
+        <p:blipFill>
+          <a:blip r:embed="rId2">
+            <a:extLst>
+              <a:ext uri="{28A0092B-C50C-407E-A947-70E740481C1C}">
+                <a14:useLocalDpi xmlns:a14="http://schemas.microsoft.com/office/drawing/2010/main" val="0"/>
+              </a:ext>
+            </a:extLst>
+          </a:blip>
+          <a:stretch>
+            <a:fillRect/>
+          </a:stretch>
+        </p:blipFill>
+        <p:spPr>
+          <a:xfrm>
+            <a:off x="1580897" y="1484784"/>
+            <a:ext cx="4116457" cy="3528392"/>
+          </a:xfrm>
+          <a:prstGeom prst="rect">
+            <a:avLst/>
+          </a:prstGeom>
+          <a:ln>
+            <a:solidFill>
+              <a:schemeClr val="bg1">
+                <a:lumMod val="85000"/>
+              </a:schemeClr>
+            </a:solidFill>
+          </a:ln>
+        </p:spPr>
+      </p:pic>
+    </p:spTree>
+    <p:extLst>
+      <p:ext uri="{BB962C8B-B14F-4D97-AF65-F5344CB8AC3E}">
+        <p14:creationId xmlns:p14="http://schemas.microsoft.com/office/powerpoint/2010/main" val="502790719"/>
+      </p:ext>
+    </p:extLst>
+  </p:cSld>
+  <p:clrMapOvr>
+    <a:masterClrMapping/>
+  </p:clrMapOvr>
+  <p:timing>
+    <p:tnLst>
+      <p:par>
+        <p:cTn id="1" dur="indefinite" restart="never" nodeType="tmRoot"/>
+      </p:par>
+    </p:tnLst>
+  </p:timing>
+</p:sld>
+</file>
+
+<file path=ppt/slides/slide4.xml><?xml version="1.0" encoding="utf-8"?>
+<p:sld xmlns:a="http://schemas.openxmlformats.org/drawingml/2006/main" xmlns:r="http://schemas.openxmlformats.org/officeDocument/2006/relationships" xmlns:p="http://schemas.openxmlformats.org/presentationml/2006/main">
+  <p:cSld>
+    <p:spTree>
+      <p:nvGrpSpPr>
+        <p:cNvPr id="1" name=""/>
+        <p:cNvGrpSpPr/>
+        <p:nvPr/>
+      </p:nvGrpSpPr>
+      <p:grpSpPr>
+        <a:xfrm>
+          <a:off x="0" y="0"/>
+          <a:ext cx="0" cy="0"/>
+          <a:chOff x="0" y="0"/>
+          <a:chExt cx="0" cy="0"/>
+        </a:xfrm>
+      </p:grpSpPr>
+      <p:sp>
+        <p:nvSpPr>
+          <p:cNvPr id="2" name="제목 1"/>
+          <p:cNvSpPr>
+            <a:spLocks noGrp="1"/>
+          </p:cNvSpPr>
+          <p:nvPr>
+            <p:ph type="title"/>
+          </p:nvPr>
+        </p:nvSpPr>
+        <p:spPr/>
+        <p:txBody>
+          <a:bodyPr/>
+          <a:lstStyle/>
+          <a:p>
+            <a:r>
+              <a:rPr lang="en-US" altLang="ko-KR" dirty="0"/>
+              <a:t>  SELECT – </a:t>
+            </a:r>
+            <a:r>
+              <a:rPr lang="ko-KR" altLang="en-US" dirty="0"/>
+              <a:t>자료 검색</a:t>
+            </a:r>
+          </a:p>
+        </p:txBody>
+      </p:sp>
+      <p:sp>
+        <p:nvSpPr>
+          <p:cNvPr id="4" name="슬라이드 번호 개체 틀 3"/>
+          <p:cNvSpPr>
+            <a:spLocks noGrp="1"/>
+          </p:cNvSpPr>
+          <p:nvPr>
+            <p:ph type="sldNum" sz="quarter" idx="12"/>
+          </p:nvPr>
+        </p:nvSpPr>
+        <p:spPr/>
+        <p:txBody>
+          <a:bodyPr/>
+          <a:lstStyle/>
+          <a:p>
+            <a:fld id="{1BDE3FE7-3AEA-4B05-AC5A-802D1816ACF0}" type="slidenum">
+              <a:rPr lang="ko-KR" altLang="en-US" smtClean="0"/>
+              <a:t>4</a:t>
+            </a:fld>
+            <a:endParaRPr lang="ko-KR" altLang="en-US"/>
+          </a:p>
+        </p:txBody>
+      </p:sp>
+      <p:pic>
+        <p:nvPicPr>
+          <p:cNvPr id="6" name="그림 5"/>
+          <p:cNvPicPr>
+            <a:picLocks noChangeAspect="1"/>
+          </p:cNvPicPr>
+          <p:nvPr/>
+        </p:nvPicPr>
+        <p:blipFill rotWithShape="1">
+          <a:blip r:embed="rId2">
+            <a:extLst>
+              <a:ext uri="{28A0092B-C50C-407E-A947-70E740481C1C}">
+                <a14:useLocalDpi xmlns:a14="http://schemas.microsoft.com/office/drawing/2010/main" val="0"/>
+              </a:ext>
+            </a:extLst>
+          </a:blip>
+          <a:srcRect t="23560" b="26367"/>
+          <a:stretch/>
+        </p:blipFill>
+        <p:spPr>
+          <a:xfrm>
+            <a:off x="1331640" y="1814195"/>
+            <a:ext cx="5256584" cy="2448272"/>
+          </a:xfrm>
+          <a:prstGeom prst="rect">
+            <a:avLst/>
+          </a:prstGeom>
+          <a:ln>
+            <a:solidFill>
+              <a:schemeClr val="bg1">
+                <a:lumMod val="85000"/>
+              </a:schemeClr>
+            </a:solidFill>
+          </a:ln>
+        </p:spPr>
+      </p:pic>
+      <p:sp>
+        <p:nvSpPr>
+          <p:cNvPr id="7" name="TextBox 6"/>
+          <p:cNvSpPr txBox="1"/>
+          <p:nvPr/>
+        </p:nvSpPr>
+        <p:spPr>
+          <a:xfrm>
+            <a:off x="1115616" y="1196752"/>
+            <a:ext cx="1512168" cy="369332"/>
+          </a:xfrm>
+          <a:prstGeom prst="rect">
+            <a:avLst/>
+          </a:prstGeom>
+          <a:noFill/>
+        </p:spPr>
+        <p:txBody>
+          <a:bodyPr wrap="square" rtlCol="0">
+            <a:spAutoFit/>
+          </a:bodyPr>
+          <a:lstStyle/>
+          <a:p>
+            <a:r>
+              <a:rPr lang="ko-KR" altLang="en-US"/>
+              <a:t>◆ 범위</a:t>
+            </a:r>
+            <a:endParaRPr lang="ko-KR" altLang="en-US" dirty="0"/>
+          </a:p>
+        </p:txBody>
+      </p:sp>
+    </p:spTree>
+    <p:extLst>
+      <p:ext uri="{BB962C8B-B14F-4D97-AF65-F5344CB8AC3E}">
+        <p14:creationId xmlns:p14="http://schemas.microsoft.com/office/powerpoint/2010/main" val="4208795693"/>
+      </p:ext>
+    </p:extLst>
+  </p:cSld>
+  <p:clrMapOvr>
+    <a:masterClrMapping/>
+  </p:clrMapOvr>
+</p:sld>
+</file>
+
+<file path=ppt/slides/slide40.xml><?xml version="1.0" encoding="utf-8"?>
+<p:sld xmlns:a="http://schemas.openxmlformats.org/drawingml/2006/main" xmlns:r="http://schemas.openxmlformats.org/officeDocument/2006/relationships" xmlns:p="http://schemas.openxmlformats.org/presentationml/2006/main">
+  <p:cSld>
+    <p:spTree>
+      <p:nvGrpSpPr>
+        <p:cNvPr id="1" name=""/>
+        <p:cNvGrpSpPr/>
+        <p:nvPr/>
+      </p:nvGrpSpPr>
+      <p:grpSpPr>
+        <a:xfrm>
+          <a:off x="0" y="0"/>
+          <a:ext cx="0" cy="0"/>
+          <a:chOff x="0" y="0"/>
+          <a:chExt cx="0" cy="0"/>
+        </a:xfrm>
+      </p:grpSpPr>
+      <p:sp>
+        <p:nvSpPr>
+          <p:cNvPr id="2" name="제목 1"/>
+          <p:cNvSpPr>
+            <a:spLocks noGrp="1"/>
+          </p:cNvSpPr>
+          <p:nvPr>
+            <p:ph type="title"/>
+          </p:nvPr>
+        </p:nvSpPr>
+        <p:spPr/>
+        <p:txBody>
+          <a:bodyPr>
+            <a:normAutofit/>
+          </a:bodyPr>
+          <a:lstStyle/>
+          <a:p>
+            <a:r>
+              <a:rPr lang="en-US" altLang="ko-KR" sz="2800" dirty="0" smtClean="0"/>
+              <a:t>  </a:t>
+            </a:r>
+            <a:r>
+              <a:rPr lang="en-US" altLang="ko-KR" sz="2800" dirty="0" smtClean="0"/>
+              <a:t>ROWNUM</a:t>
+            </a:r>
+            <a:endParaRPr lang="ko-KR" altLang="en-US" sz="2800" dirty="0"/>
+          </a:p>
+        </p:txBody>
+      </p:sp>
+      <p:sp>
+        <p:nvSpPr>
+          <p:cNvPr id="4" name="슬라이드 번호 개체 틀 3"/>
+          <p:cNvSpPr>
+            <a:spLocks noGrp="1"/>
+          </p:cNvSpPr>
+          <p:nvPr>
+            <p:ph type="sldNum" sz="quarter" idx="12"/>
+          </p:nvPr>
+        </p:nvSpPr>
+        <p:spPr/>
+        <p:txBody>
+          <a:bodyPr/>
+          <a:lstStyle/>
+          <a:p>
+            <a:fld id="{1BDE3FE7-3AEA-4B05-AC5A-802D1816ACF0}" type="slidenum">
+              <a:rPr lang="ko-KR" altLang="en-US" smtClean="0"/>
+              <a:t>40</a:t>
+            </a:fld>
+            <a:endParaRPr lang="ko-KR" altLang="en-US"/>
+          </a:p>
+        </p:txBody>
+      </p:sp>
+      <p:pic>
+        <p:nvPicPr>
+          <p:cNvPr id="5" name="그림 4"/>
+          <p:cNvPicPr>
+            <a:picLocks noChangeAspect="1"/>
+          </p:cNvPicPr>
+          <p:nvPr/>
+        </p:nvPicPr>
+        <p:blipFill>
+          <a:blip r:embed="rId2">
+            <a:extLst>
+              <a:ext uri="{28A0092B-C50C-407E-A947-70E740481C1C}">
+                <a14:useLocalDpi xmlns:a14="http://schemas.microsoft.com/office/drawing/2010/main" val="0"/>
+              </a:ext>
+            </a:extLst>
+          </a:blip>
+          <a:stretch>
+            <a:fillRect/>
+          </a:stretch>
+        </p:blipFill>
+        <p:spPr>
+          <a:xfrm>
+            <a:off x="899592" y="1628800"/>
+            <a:ext cx="3760995" cy="3312368"/>
+          </a:xfrm>
+          <a:prstGeom prst="rect">
+            <a:avLst/>
+          </a:prstGeom>
+          <a:ln>
+            <a:solidFill>
+              <a:schemeClr val="bg1">
+                <a:lumMod val="85000"/>
+              </a:schemeClr>
+            </a:solidFill>
+          </a:ln>
+        </p:spPr>
+      </p:pic>
+      <p:pic>
+        <p:nvPicPr>
+          <p:cNvPr id="6" name="그림 5"/>
+          <p:cNvPicPr>
+            <a:picLocks noChangeAspect="1"/>
+          </p:cNvPicPr>
+          <p:nvPr/>
+        </p:nvPicPr>
+        <p:blipFill>
+          <a:blip r:embed="rId3">
+            <a:extLst>
+              <a:ext uri="{28A0092B-C50C-407E-A947-70E740481C1C}">
+                <a14:useLocalDpi xmlns:a14="http://schemas.microsoft.com/office/drawing/2010/main" val="0"/>
+              </a:ext>
+            </a:extLst>
+          </a:blip>
+          <a:stretch>
+            <a:fillRect/>
+          </a:stretch>
+        </p:blipFill>
+        <p:spPr>
+          <a:xfrm>
+            <a:off x="5292080" y="1916832"/>
+            <a:ext cx="2118544" cy="1226926"/>
+          </a:xfrm>
+          <a:prstGeom prst="rect">
+            <a:avLst/>
+          </a:prstGeom>
+          <a:ln>
+            <a:solidFill>
+              <a:schemeClr val="bg1">
+                <a:lumMod val="85000"/>
+              </a:schemeClr>
+            </a:solidFill>
+          </a:ln>
+        </p:spPr>
+      </p:pic>
+      <p:pic>
+        <p:nvPicPr>
+          <p:cNvPr id="7" name="그림 6"/>
+          <p:cNvPicPr>
+            <a:picLocks noChangeAspect="1"/>
+          </p:cNvPicPr>
+          <p:nvPr/>
+        </p:nvPicPr>
+        <p:blipFill>
+          <a:blip r:embed="rId4">
+            <a:extLst>
+              <a:ext uri="{28A0092B-C50C-407E-A947-70E740481C1C}">
+                <a14:useLocalDpi xmlns:a14="http://schemas.microsoft.com/office/drawing/2010/main" val="0"/>
+              </a:ext>
+            </a:extLst>
+          </a:blip>
+          <a:stretch>
+            <a:fillRect/>
+          </a:stretch>
+        </p:blipFill>
+        <p:spPr>
+          <a:xfrm>
+            <a:off x="5290255" y="3576122"/>
+            <a:ext cx="2151955" cy="1365046"/>
+          </a:xfrm>
+          <a:prstGeom prst="rect">
+            <a:avLst/>
+          </a:prstGeom>
+          <a:ln>
+            <a:solidFill>
+              <a:schemeClr val="bg1">
+                <a:lumMod val="85000"/>
+              </a:schemeClr>
+            </a:solidFill>
+          </a:ln>
+        </p:spPr>
+      </p:pic>
+    </p:spTree>
+    <p:extLst>
+      <p:ext uri="{BB962C8B-B14F-4D97-AF65-F5344CB8AC3E}">
+        <p14:creationId xmlns:p14="http://schemas.microsoft.com/office/powerpoint/2010/main" val="2197561986"/>
+      </p:ext>
+    </p:extLst>
+  </p:cSld>
+  <p:clrMapOvr>
+    <a:masterClrMapping/>
+  </p:clrMapOvr>
+  <p:timing>
+    <p:tnLst>
+      <p:par>
+        <p:cTn id="1" dur="indefinite" restart="never" nodeType="tmRoot"/>
+      </p:par>
+    </p:tnLst>
+  </p:timing>
+</p:sld>
+</file>
+
+<file path=ppt/slides/slide41.xml><?xml version="1.0" encoding="utf-8"?>
+<p:sld xmlns:a="http://schemas.openxmlformats.org/drawingml/2006/main" xmlns:r="http://schemas.openxmlformats.org/officeDocument/2006/relationships" xmlns:p="http://schemas.openxmlformats.org/presentationml/2006/main">
+  <p:cSld>
+    <p:spTree>
+      <p:nvGrpSpPr>
+        <p:cNvPr id="1" name=""/>
+        <p:cNvGrpSpPr/>
+        <p:nvPr/>
+      </p:nvGrpSpPr>
+      <p:grpSpPr>
+        <a:xfrm>
+          <a:off x="0" y="0"/>
+          <a:ext cx="0" cy="0"/>
+          <a:chOff x="0" y="0"/>
+          <a:chExt cx="0" cy="0"/>
+        </a:xfrm>
+      </p:grpSpPr>
+      <p:sp>
+        <p:nvSpPr>
+          <p:cNvPr id="2" name="제목 1"/>
+          <p:cNvSpPr>
+            <a:spLocks noGrp="1"/>
+          </p:cNvSpPr>
+          <p:nvPr>
+            <p:ph type="title"/>
+          </p:nvPr>
+        </p:nvSpPr>
+        <p:spPr/>
+        <p:txBody>
+          <a:bodyPr>
+            <a:normAutofit/>
+          </a:bodyPr>
+          <a:lstStyle/>
+          <a:p>
+            <a:r>
+              <a:rPr lang="en-US" altLang="ko-KR" sz="2800" dirty="0" smtClean="0"/>
+              <a:t>  </a:t>
+            </a:r>
+            <a:r>
+              <a:rPr lang="ko-KR" altLang="en-US" sz="2800" dirty="0" smtClean="0"/>
+              <a:t>게시판 테이블 생성</a:t>
+            </a:r>
+            <a:endParaRPr lang="ko-KR" altLang="en-US" sz="2800" dirty="0"/>
+          </a:p>
+        </p:txBody>
+      </p:sp>
+      <p:sp>
+        <p:nvSpPr>
+          <p:cNvPr id="4" name="슬라이드 번호 개체 틀 3"/>
+          <p:cNvSpPr>
+            <a:spLocks noGrp="1"/>
+          </p:cNvSpPr>
+          <p:nvPr>
+            <p:ph type="sldNum" sz="quarter" idx="12"/>
+          </p:nvPr>
+        </p:nvSpPr>
+        <p:spPr/>
+        <p:txBody>
+          <a:bodyPr/>
+          <a:lstStyle/>
+          <a:p>
+            <a:fld id="{1BDE3FE7-3AEA-4B05-AC5A-802D1816ACF0}" type="slidenum">
+              <a:rPr lang="ko-KR" altLang="en-US" smtClean="0"/>
+              <a:t>41</a:t>
             </a:fld>
             <a:endParaRPr lang="ko-KR" altLang="en-US"/>
           </a:p>
@@ -14039,7 +14986,7 @@
     </p:spTree>
     <p:extLst>
       <p:ext uri="{BB962C8B-B14F-4D97-AF65-F5344CB8AC3E}">
-        <p14:creationId xmlns:p14="http://schemas.microsoft.com/office/powerpoint/2010/main" val="3091644952"/>
+        <p14:creationId xmlns:p14="http://schemas.microsoft.com/office/powerpoint/2010/main" val="65232635"/>
       </p:ext>
     </p:extLst>
   </p:cSld>
@@ -14056,7 +15003,7 @@
 </p:sld>
 </file>
 
-<file path=ppt/slides/slide38.xml><?xml version="1.0" encoding="utf-8"?>
+<file path=ppt/slides/slide42.xml><?xml version="1.0" encoding="utf-8"?>
 <p:sld xmlns:a="http://schemas.openxmlformats.org/drawingml/2006/main" xmlns:r="http://schemas.openxmlformats.org/officeDocument/2006/relationships" xmlns:p="http://schemas.openxmlformats.org/presentationml/2006/main">
   <p:cSld>
     <p:spTree>
@@ -14121,7 +15068,7 @@
           <a:p>
             <a:fld id="{1BDE3FE7-3AEA-4B05-AC5A-802D1816ACF0}" type="slidenum">
               <a:rPr lang="ko-KR" altLang="en-US" smtClean="0"/>
-              <a:t>38</a:t>
+              <a:t>42</a:t>
             </a:fld>
             <a:endParaRPr lang="ko-KR" altLang="en-US"/>
           </a:p>
@@ -14888,7 +15835,7 @@
 </p:sld>
 </file>
 
-<file path=ppt/slides/slide39.xml><?xml version="1.0" encoding="utf-8"?>
+<file path=ppt/slides/slide43.xml><?xml version="1.0" encoding="utf-8"?>
 <p:sld xmlns:a="http://schemas.openxmlformats.org/drawingml/2006/main" xmlns:r="http://schemas.openxmlformats.org/officeDocument/2006/relationships" xmlns:p="http://schemas.openxmlformats.org/presentationml/2006/main">
   <p:cSld>
     <p:spTree>
@@ -14950,7 +15897,7 @@
           <a:p>
             <a:fld id="{1BDE3FE7-3AEA-4B05-AC5A-802D1816ACF0}" type="slidenum">
               <a:rPr lang="ko-KR" altLang="en-US" smtClean="0"/>
-              <a:t>39</a:t>
+              <a:t>43</a:t>
             </a:fld>
             <a:endParaRPr lang="ko-KR" altLang="en-US"/>
           </a:p>
@@ -15051,7 +15998,7 @@
 </p:sld>
 </file>
 
-<file path=ppt/slides/slide4.xml><?xml version="1.0" encoding="utf-8"?>
+<file path=ppt/slides/slide44.xml><?xml version="1.0" encoding="utf-8"?>
 <p:sld xmlns:a="http://schemas.openxmlformats.org/drawingml/2006/main" xmlns:r="http://schemas.openxmlformats.org/officeDocument/2006/relationships" xmlns:p="http://schemas.openxmlformats.org/presentationml/2006/main">
   <p:cSld>
     <p:spTree>
@@ -15080,16 +16027,18 @@
         </p:nvSpPr>
         <p:spPr/>
         <p:txBody>
-          <a:bodyPr/>
-          <a:lstStyle/>
-          <a:p>
-            <a:r>
-              <a:rPr lang="en-US" altLang="ko-KR" dirty="0"/>
-              <a:t>  SELECT – </a:t>
-            </a:r>
-            <a:r>
-              <a:rPr lang="ko-KR" altLang="en-US" dirty="0"/>
-              <a:t>자료 검색</a:t>
+          <a:bodyPr>
+            <a:normAutofit/>
+          </a:bodyPr>
+          <a:lstStyle/>
+          <a:p>
+            <a:r>
+              <a:rPr lang="en-US" altLang="ko-KR" sz="2800" dirty="0" smtClean="0"/>
+              <a:t> </a:t>
+            </a:r>
+            <a:r>
+              <a:rPr lang="ko-KR" altLang="en-US" sz="2800" dirty="0"/>
+              <a:t>게시판 테이블</a:t>
             </a:r>
           </a:p>
         </p:txBody>
@@ -15111,154 +16060,7 @@
           <a:p>
             <a:fld id="{1BDE3FE7-3AEA-4B05-AC5A-802D1816ACF0}" type="slidenum">
               <a:rPr lang="ko-KR" altLang="en-US" smtClean="0"/>
-              <a:t>4</a:t>
-            </a:fld>
-            <a:endParaRPr lang="ko-KR" altLang="en-US"/>
-          </a:p>
-        </p:txBody>
-      </p:sp>
-      <p:pic>
-        <p:nvPicPr>
-          <p:cNvPr id="6" name="그림 5"/>
-          <p:cNvPicPr>
-            <a:picLocks noChangeAspect="1"/>
-          </p:cNvPicPr>
-          <p:nvPr/>
-        </p:nvPicPr>
-        <p:blipFill rotWithShape="1">
-          <a:blip r:embed="rId2">
-            <a:extLst>
-              <a:ext uri="{28A0092B-C50C-407E-A947-70E740481C1C}">
-                <a14:useLocalDpi xmlns:a14="http://schemas.microsoft.com/office/drawing/2010/main" val="0"/>
-              </a:ext>
-            </a:extLst>
-          </a:blip>
-          <a:srcRect t="23560" b="26367"/>
-          <a:stretch/>
-        </p:blipFill>
-        <p:spPr>
-          <a:xfrm>
-            <a:off x="1331640" y="1814195"/>
-            <a:ext cx="5256584" cy="2448272"/>
-          </a:xfrm>
-          <a:prstGeom prst="rect">
-            <a:avLst/>
-          </a:prstGeom>
-          <a:ln>
-            <a:solidFill>
-              <a:schemeClr val="bg1">
-                <a:lumMod val="85000"/>
-              </a:schemeClr>
-            </a:solidFill>
-          </a:ln>
-        </p:spPr>
-      </p:pic>
-      <p:sp>
-        <p:nvSpPr>
-          <p:cNvPr id="7" name="TextBox 6"/>
-          <p:cNvSpPr txBox="1"/>
-          <p:nvPr/>
-        </p:nvSpPr>
-        <p:spPr>
-          <a:xfrm>
-            <a:off x="1115616" y="1196752"/>
-            <a:ext cx="1512168" cy="369332"/>
-          </a:xfrm>
-          <a:prstGeom prst="rect">
-            <a:avLst/>
-          </a:prstGeom>
-          <a:noFill/>
-        </p:spPr>
-        <p:txBody>
-          <a:bodyPr wrap="square" rtlCol="0">
-            <a:spAutoFit/>
-          </a:bodyPr>
-          <a:lstStyle/>
-          <a:p>
-            <a:r>
-              <a:rPr lang="ko-KR" altLang="en-US"/>
-              <a:t>◆ 범위</a:t>
-            </a:r>
-            <a:endParaRPr lang="ko-KR" altLang="en-US" dirty="0"/>
-          </a:p>
-        </p:txBody>
-      </p:sp>
-    </p:spTree>
-    <p:extLst>
-      <p:ext uri="{BB962C8B-B14F-4D97-AF65-F5344CB8AC3E}">
-        <p14:creationId xmlns:p14="http://schemas.microsoft.com/office/powerpoint/2010/main" val="4208795693"/>
-      </p:ext>
-    </p:extLst>
-  </p:cSld>
-  <p:clrMapOvr>
-    <a:masterClrMapping/>
-  </p:clrMapOvr>
-</p:sld>
-</file>
-
-<file path=ppt/slides/slide40.xml><?xml version="1.0" encoding="utf-8"?>
-<p:sld xmlns:a="http://schemas.openxmlformats.org/drawingml/2006/main" xmlns:r="http://schemas.openxmlformats.org/officeDocument/2006/relationships" xmlns:p="http://schemas.openxmlformats.org/presentationml/2006/main">
-  <p:cSld>
-    <p:spTree>
-      <p:nvGrpSpPr>
-        <p:cNvPr id="1" name=""/>
-        <p:cNvGrpSpPr/>
-        <p:nvPr/>
-      </p:nvGrpSpPr>
-      <p:grpSpPr>
-        <a:xfrm>
-          <a:off x="0" y="0"/>
-          <a:ext cx="0" cy="0"/>
-          <a:chOff x="0" y="0"/>
-          <a:chExt cx="0" cy="0"/>
-        </a:xfrm>
-      </p:grpSpPr>
-      <p:sp>
-        <p:nvSpPr>
-          <p:cNvPr id="2" name="제목 1"/>
-          <p:cNvSpPr>
-            <a:spLocks noGrp="1"/>
-          </p:cNvSpPr>
-          <p:nvPr>
-            <p:ph type="title"/>
-          </p:nvPr>
-        </p:nvSpPr>
-        <p:spPr/>
-        <p:txBody>
-          <a:bodyPr>
-            <a:normAutofit/>
-          </a:bodyPr>
-          <a:lstStyle/>
-          <a:p>
-            <a:r>
-              <a:rPr lang="en-US" altLang="ko-KR" sz="2800" dirty="0" smtClean="0"/>
-              <a:t> </a:t>
-            </a:r>
-            <a:r>
-              <a:rPr lang="ko-KR" altLang="en-US" sz="2800" dirty="0"/>
-              <a:t>게시판 테이블</a:t>
-            </a:r>
-          </a:p>
-        </p:txBody>
-      </p:sp>
-      <p:sp>
-        <p:nvSpPr>
-          <p:cNvPr id="4" name="슬라이드 번호 개체 틀 3"/>
-          <p:cNvSpPr>
-            <a:spLocks noGrp="1"/>
-          </p:cNvSpPr>
-          <p:nvPr>
-            <p:ph type="sldNum" sz="quarter" idx="12"/>
-          </p:nvPr>
-        </p:nvSpPr>
-        <p:spPr/>
-        <p:txBody>
-          <a:bodyPr/>
-          <a:lstStyle/>
-          <a:p>
-            <a:fld id="{1BDE3FE7-3AEA-4B05-AC5A-802D1816ACF0}" type="slidenum">
-              <a:rPr lang="ko-KR" altLang="en-US" smtClean="0"/>
-              <a:t>40</a:t>
+              <a:t>44</a:t>
             </a:fld>
             <a:endParaRPr lang="ko-KR" altLang="en-US"/>
           </a:p>
@@ -15338,42 +16140,6 @@
           </a:p>
         </p:txBody>
       </p:sp>
-      <p:pic>
-        <p:nvPicPr>
-          <p:cNvPr id="9" name="그림 8"/>
-          <p:cNvPicPr>
-            <a:picLocks noChangeAspect="1"/>
-          </p:cNvPicPr>
-          <p:nvPr/>
-        </p:nvPicPr>
-        <p:blipFill rotWithShape="1">
-          <a:blip r:embed="rId3">
-            <a:extLst>
-              <a:ext uri="{28A0092B-C50C-407E-A947-70E740481C1C}">
-                <a14:useLocalDpi xmlns:a14="http://schemas.microsoft.com/office/drawing/2010/main" val="0"/>
-              </a:ext>
-            </a:extLst>
-          </a:blip>
-          <a:srcRect r="12969" b="80037"/>
-          <a:stretch/>
-        </p:blipFill>
-        <p:spPr>
-          <a:xfrm>
-            <a:off x="1259632" y="5256827"/>
-            <a:ext cx="5544616" cy="864096"/>
-          </a:xfrm>
-          <a:prstGeom prst="rect">
-            <a:avLst/>
-          </a:prstGeom>
-          <a:ln>
-            <a:solidFill>
-              <a:schemeClr val="bg1">
-                <a:lumMod val="85000"/>
-              </a:schemeClr>
-            </a:solidFill>
-          </a:ln>
-        </p:spPr>
-      </p:pic>
     </p:spTree>
     <p:extLst>
       <p:ext uri="{BB962C8B-B14F-4D97-AF65-F5344CB8AC3E}">
@@ -15394,7 +16160,7 @@
 </p:sld>
 </file>
 
-<file path=ppt/slides/slide41.xml><?xml version="1.0" encoding="utf-8"?>
+<file path=ppt/slides/slide45.xml><?xml version="1.0" encoding="utf-8"?>
 <p:sld xmlns:a="http://schemas.openxmlformats.org/drawingml/2006/main" xmlns:r="http://schemas.openxmlformats.org/officeDocument/2006/relationships" xmlns:p="http://schemas.openxmlformats.org/presentationml/2006/main">
   <p:cSld>
     <p:spTree>
@@ -15453,43 +16219,9 @@
           <a:p>
             <a:fld id="{1BDE3FE7-3AEA-4B05-AC5A-802D1816ACF0}" type="slidenum">
               <a:rPr lang="ko-KR" altLang="en-US" smtClean="0"/>
-              <a:t>41</a:t>
+              <a:t>45</a:t>
             </a:fld>
             <a:endParaRPr lang="ko-KR" altLang="en-US"/>
-          </a:p>
-        </p:txBody>
-      </p:sp>
-      <p:sp>
-        <p:nvSpPr>
-          <p:cNvPr id="8" name="TextBox 7"/>
-          <p:cNvSpPr txBox="1"/>
-          <p:nvPr/>
-        </p:nvSpPr>
-        <p:spPr>
-          <a:xfrm>
-            <a:off x="827584" y="1193356"/>
-            <a:ext cx="3816424" cy="400110"/>
-          </a:xfrm>
-          <a:prstGeom prst="rect">
-            <a:avLst/>
-          </a:prstGeom>
-          <a:noFill/>
-        </p:spPr>
-        <p:txBody>
-          <a:bodyPr wrap="square" rtlCol="0">
-            <a:spAutoFit/>
-          </a:bodyPr>
-          <a:lstStyle/>
-          <a:p>
-            <a:pPr marL="342900" indent="-342900">
-              <a:buFont typeface="Wingdings" panose="05000000000000000000" pitchFamily="2" charset="2"/>
-              <a:buChar char="l"/>
-            </a:pPr>
-            <a:r>
-              <a:rPr lang="en-US" altLang="ko-KR" sz="2000" b="1" dirty="0" smtClean="0"/>
-              <a:t>ROWNUM</a:t>
-            </a:r>
-            <a:endParaRPr lang="ko-KR" altLang="en-US" sz="2000" b="1" dirty="0"/>
           </a:p>
         </p:txBody>
       </p:sp>
@@ -15514,7 +16246,7 @@
         </p:blipFill>
         <p:spPr>
           <a:xfrm>
-            <a:off x="1256486" y="3789040"/>
+            <a:off x="1187624" y="3140968"/>
             <a:ext cx="6775043" cy="1440648"/>
           </a:xfrm>
           <a:prstGeom prst="rect">
@@ -15529,117 +16261,42 @@
           </a:ln>
         </p:spPr>
       </p:pic>
-      <p:sp>
-        <p:nvSpPr>
-          <p:cNvPr id="6" name="TextBox 5"/>
-          <p:cNvSpPr txBox="1"/>
+      <p:pic>
+        <p:nvPicPr>
+          <p:cNvPr id="9" name="그림 8"/>
+          <p:cNvPicPr>
+            <a:picLocks noChangeAspect="1"/>
+          </p:cNvPicPr>
           <p:nvPr/>
-        </p:nvSpPr>
+        </p:nvPicPr>
+        <p:blipFill rotWithShape="1">
+          <a:blip r:embed="rId2">
+            <a:extLst>
+              <a:ext uri="{28A0092B-C50C-407E-A947-70E740481C1C}">
+                <a14:useLocalDpi xmlns:a14="http://schemas.microsoft.com/office/drawing/2010/main" val="0"/>
+              </a:ext>
+            </a:extLst>
+          </a:blip>
+          <a:srcRect r="12969" b="80037"/>
+          <a:stretch/>
+        </p:blipFill>
         <p:spPr>
           <a:xfrm>
-            <a:off x="1187624" y="1593466"/>
-            <a:ext cx="6840760" cy="1938992"/>
+            <a:off x="1115616" y="1628800"/>
+            <a:ext cx="6468719" cy="1008112"/>
           </a:xfrm>
           <a:prstGeom prst="rect">
             <a:avLst/>
           </a:prstGeom>
-          <a:noFill/>
+          <a:ln>
+            <a:solidFill>
+              <a:schemeClr val="bg1">
+                <a:lumMod val="85000"/>
+              </a:schemeClr>
+            </a:solidFill>
+          </a:ln>
         </p:spPr>
-        <p:txBody>
-          <a:bodyPr wrap="square" rtlCol="0">
-            <a:spAutoFit/>
-          </a:bodyPr>
-          <a:lstStyle/>
-          <a:p>
-            <a:pPr marL="285750" indent="-285750">
-              <a:lnSpc>
-                <a:spcPct val="150000"/>
-              </a:lnSpc>
-              <a:buFontTx/>
-              <a:buChar char="-"/>
-            </a:pPr>
-            <a:r>
-              <a:rPr lang="en-US" altLang="ko-KR" sz="1600" dirty="0" smtClean="0"/>
-              <a:t>ROWNUM</a:t>
-            </a:r>
-            <a:r>
-              <a:rPr lang="ko-KR" altLang="en-US" sz="1600" dirty="0" smtClean="0"/>
-              <a:t>은 </a:t>
-            </a:r>
-            <a:r>
-              <a:rPr lang="en-US" altLang="ko-KR" sz="1600" dirty="0" smtClean="0"/>
-              <a:t>ORACLE </a:t>
-            </a:r>
-            <a:r>
-              <a:rPr lang="ko-KR" altLang="en-US" sz="1600" dirty="0" smtClean="0"/>
-              <a:t>데이터베이스의 </a:t>
-            </a:r>
-            <a:r>
-              <a:rPr lang="en-US" altLang="ko-KR" sz="1600" dirty="0" smtClean="0"/>
-              <a:t>SELECT</a:t>
-            </a:r>
-            <a:r>
-              <a:rPr lang="ko-KR" altLang="en-US" sz="1600" dirty="0" smtClean="0"/>
-              <a:t>문 결과에 대해서 논리적인 일련번호를 부여한다</a:t>
-            </a:r>
-            <a:r>
-              <a:rPr lang="en-US" altLang="ko-KR" sz="1600" dirty="0" smtClean="0"/>
-              <a:t>.</a:t>
-            </a:r>
-          </a:p>
-          <a:p>
-            <a:pPr marL="285750" indent="-285750">
-              <a:lnSpc>
-                <a:spcPct val="150000"/>
-              </a:lnSpc>
-              <a:buFontTx/>
-              <a:buChar char="-"/>
-            </a:pPr>
-            <a:r>
-              <a:rPr lang="en-US" altLang="ko-KR" sz="1600" dirty="0" smtClean="0"/>
-              <a:t>ROWNUM</a:t>
-            </a:r>
-            <a:r>
-              <a:rPr lang="ko-KR" altLang="en-US" sz="1600" dirty="0" smtClean="0"/>
-              <a:t>은 조회되는 행 수를 제한할 때 사용한다</a:t>
-            </a:r>
-            <a:r>
-              <a:rPr lang="en-US" altLang="ko-KR" sz="1600" dirty="0" smtClean="0"/>
-              <a:t>.</a:t>
-            </a:r>
-          </a:p>
-          <a:p>
-            <a:pPr marL="285750" indent="-285750">
-              <a:lnSpc>
-                <a:spcPct val="150000"/>
-              </a:lnSpc>
-              <a:buFontTx/>
-              <a:buChar char="-"/>
-            </a:pPr>
-            <a:r>
-              <a:rPr lang="en-US" altLang="ko-KR" sz="1600" dirty="0" smtClean="0"/>
-              <a:t>ROWNUM</a:t>
-            </a:r>
-            <a:r>
-              <a:rPr lang="ko-KR" altLang="en-US" sz="1600" dirty="0" smtClean="0"/>
-              <a:t>을 사용해서 페이지 단위 출력을 위해서는 인라인 뷰</a:t>
-            </a:r>
-            <a:r>
-              <a:rPr lang="en-US" altLang="ko-KR" sz="1600" dirty="0" smtClean="0"/>
-              <a:t>(Inline view)</a:t>
-            </a:r>
-            <a:r>
-              <a:rPr lang="ko-KR" altLang="en-US" sz="1600" dirty="0" smtClean="0"/>
-              <a:t>를 사용해야 한다</a:t>
-            </a:r>
-            <a:r>
-              <a:rPr lang="en-US" altLang="ko-KR" sz="1600" dirty="0" smtClean="0"/>
-              <a:t>.</a:t>
-            </a:r>
-            <a:endParaRPr lang="ko-KR" altLang="en-US" sz="1600" dirty="0"/>
-          </a:p>
-        </p:txBody>
-      </p:sp>
+      </p:pic>
     </p:spTree>
     <p:extLst>
       <p:ext uri="{BB962C8B-B14F-4D97-AF65-F5344CB8AC3E}">
@@ -15660,7 +16317,7 @@
 </p:sld>
 </file>
 
-<file path=ppt/slides/slide42.xml><?xml version="1.0" encoding="utf-8"?>
+<file path=ppt/slides/slide46.xml><?xml version="1.0" encoding="utf-8"?>
 <p:sld xmlns:a="http://schemas.openxmlformats.org/drawingml/2006/main" xmlns:r="http://schemas.openxmlformats.org/officeDocument/2006/relationships" xmlns:p="http://schemas.openxmlformats.org/presentationml/2006/main">
   <p:cSld>
     <p:spTree>
@@ -15719,7 +16376,7 @@
           <a:p>
             <a:fld id="{1BDE3FE7-3AEA-4B05-AC5A-802D1816ACF0}" type="slidenum">
               <a:rPr lang="ko-KR" altLang="en-US" smtClean="0"/>
-              <a:t>42</a:t>
+              <a:t>46</a:t>
             </a:fld>
             <a:endParaRPr lang="ko-KR" altLang="en-US"/>
           </a:p>
@@ -15856,7 +16513,7 @@
 </p:sld>
 </file>
 
-<file path=ppt/slides/slide43.xml><?xml version="1.0" encoding="utf-8"?>
+<file path=ppt/slides/slide47.xml><?xml version="1.0" encoding="utf-8"?>
 <p:sld xmlns:a="http://schemas.openxmlformats.org/drawingml/2006/main" xmlns:r="http://schemas.openxmlformats.org/officeDocument/2006/relationships" xmlns:p="http://schemas.openxmlformats.org/presentationml/2006/main">
   <p:cSld>
     <p:spTree>
@@ -15915,7 +16572,7 @@
           <a:p>
             <a:fld id="{1BDE3FE7-3AEA-4B05-AC5A-802D1816ACF0}" type="slidenum">
               <a:rPr lang="ko-KR" altLang="en-US" smtClean="0"/>
-              <a:t>43</a:t>
+              <a:t>47</a:t>
             </a:fld>
             <a:endParaRPr lang="ko-KR" altLang="en-US"/>
           </a:p>
